--- a/presentation/Heartrate2go.pptx
+++ b/presentation/Heartrate2go.pptx
@@ -5,7 +5,7 @@
     <p:sldMasterId id="2147483888" r:id="rId1"/>
   </p:sldMasterIdLst>
   <p:notesMasterIdLst>
-    <p:notesMasterId r:id="rId11"/>
+    <p:notesMasterId r:id="rId12"/>
   </p:notesMasterIdLst>
   <p:sldIdLst>
     <p:sldId id="256" r:id="rId2"/>
@@ -14,9 +14,10 @@
     <p:sldId id="263" r:id="rId5"/>
     <p:sldId id="265" r:id="rId6"/>
     <p:sldId id="266" r:id="rId7"/>
-    <p:sldId id="267" r:id="rId8"/>
-    <p:sldId id="261" r:id="rId9"/>
-    <p:sldId id="264" r:id="rId10"/>
+    <p:sldId id="268" r:id="rId8"/>
+    <p:sldId id="267" r:id="rId9"/>
+    <p:sldId id="261" r:id="rId10"/>
+    <p:sldId id="264" r:id="rId11"/>
   </p:sldIdLst>
   <p:sldSz cx="9144000" cy="6858000" type="screen4x3"/>
   <p:notesSz cx="6858000" cy="9144000"/>
@@ -200,7 +201,7 @@
           <a:p>
             <a:fld id="{9D4E43D9-A15A-4C23-81DA-66E1FF993DF5}" type="datetimeFigureOut">
               <a:rPr lang="de-DE" smtClean="0"/>
-              <a:t>02.01.2015</a:t>
+              <a:t>03.01.15</a:t>
             </a:fld>
             <a:endParaRPr lang="de-DE"/>
           </a:p>
@@ -1512,7 +1513,7 @@
           <a:p>
             <a:fld id="{9C1C9D05-E8C6-4E19-BADC-4FBABAA99AE3}" type="datetimeFigureOut">
               <a:rPr lang="de-DE" smtClean="0"/>
-              <a:t>02.01.2015</a:t>
+              <a:t>03.01.15</a:t>
             </a:fld>
             <a:endParaRPr lang="de-DE"/>
           </a:p>
@@ -1695,7 +1696,7 @@
           <a:p>
             <a:fld id="{9C1C9D05-E8C6-4E19-BADC-4FBABAA99AE3}" type="datetimeFigureOut">
               <a:rPr lang="de-DE" smtClean="0"/>
-              <a:t>02.01.2015</a:t>
+              <a:t>03.01.15</a:t>
             </a:fld>
             <a:endParaRPr lang="de-DE"/>
           </a:p>
@@ -1870,7 +1871,7 @@
           <a:p>
             <a:fld id="{9C1C9D05-E8C6-4E19-BADC-4FBABAA99AE3}" type="datetimeFigureOut">
               <a:rPr lang="de-DE" smtClean="0"/>
-              <a:t>02.01.2015</a:t>
+              <a:t>03.01.15</a:t>
             </a:fld>
             <a:endParaRPr lang="de-DE"/>
           </a:p>
@@ -2035,7 +2036,7 @@
           <a:p>
             <a:fld id="{9C1C9D05-E8C6-4E19-BADC-4FBABAA99AE3}" type="datetimeFigureOut">
               <a:rPr lang="de-DE" smtClean="0"/>
-              <a:t>02.01.2015</a:t>
+              <a:t>03.01.15</a:t>
             </a:fld>
             <a:endParaRPr lang="de-DE"/>
           </a:p>
@@ -2256,7 +2257,7 @@
           <a:p>
             <a:fld id="{9C1C9D05-E8C6-4E19-BADC-4FBABAA99AE3}" type="datetimeFigureOut">
               <a:rPr lang="de-DE" smtClean="0"/>
-              <a:t>02.01.2015</a:t>
+              <a:t>03.01.15</a:t>
             </a:fld>
             <a:endParaRPr lang="de-DE"/>
           </a:p>
@@ -2515,7 +2516,7 @@
           <a:p>
             <a:fld id="{9C1C9D05-E8C6-4E19-BADC-4FBABAA99AE3}" type="datetimeFigureOut">
               <a:rPr lang="de-DE" smtClean="0"/>
-              <a:t>02.01.2015</a:t>
+              <a:t>03.01.15</a:t>
             </a:fld>
             <a:endParaRPr lang="de-DE"/>
           </a:p>
@@ -2919,7 +2920,7 @@
           <a:p>
             <a:fld id="{9C1C9D05-E8C6-4E19-BADC-4FBABAA99AE3}" type="datetimeFigureOut">
               <a:rPr lang="de-DE" smtClean="0"/>
-              <a:t>02.01.2015</a:t>
+              <a:t>03.01.15</a:t>
             </a:fld>
             <a:endParaRPr lang="de-DE"/>
           </a:p>
@@ -3050,7 +3051,7 @@
           <a:p>
             <a:fld id="{9C1C9D05-E8C6-4E19-BADC-4FBABAA99AE3}" type="datetimeFigureOut">
               <a:rPr lang="de-DE" smtClean="0"/>
-              <a:t>02.01.2015</a:t>
+              <a:t>03.01.15</a:t>
             </a:fld>
             <a:endParaRPr lang="de-DE"/>
           </a:p>
@@ -3150,7 +3151,7 @@
           <a:p>
             <a:fld id="{9C1C9D05-E8C6-4E19-BADC-4FBABAA99AE3}" type="datetimeFigureOut">
               <a:rPr lang="de-DE" smtClean="0"/>
-              <a:t>02.01.2015</a:t>
+              <a:t>03.01.15</a:t>
             </a:fld>
             <a:endParaRPr lang="de-DE"/>
           </a:p>
@@ -3395,7 +3396,7 @@
           <a:p>
             <a:fld id="{9C1C9D05-E8C6-4E19-BADC-4FBABAA99AE3}" type="datetimeFigureOut">
               <a:rPr lang="de-DE" smtClean="0"/>
-              <a:t>02.01.2015</a:t>
+              <a:t>03.01.15</a:t>
             </a:fld>
             <a:endParaRPr lang="de-DE"/>
           </a:p>
@@ -3639,7 +3640,7 @@
           <a:p>
             <a:fld id="{9C1C9D05-E8C6-4E19-BADC-4FBABAA99AE3}" type="datetimeFigureOut">
               <a:rPr lang="de-DE" smtClean="0"/>
-              <a:t>02.01.2015</a:t>
+              <a:t>03.01.15</a:t>
             </a:fld>
             <a:endParaRPr lang="de-DE"/>
           </a:p>
@@ -4463,7 +4464,7 @@
           <a:p>
             <a:fld id="{9C1C9D05-E8C6-4E19-BADC-4FBABAA99AE3}" type="datetimeFigureOut">
               <a:rPr lang="de-DE" smtClean="0"/>
-              <a:t>02.01.2015</a:t>
+              <a:t>03.01.15</a:t>
             </a:fld>
             <a:endParaRPr lang="de-DE"/>
           </a:p>
@@ -4910,7 +4911,7 @@
         </p:nvSpPr>
         <p:spPr>
           <a:xfrm>
-            <a:off x="827584" y="4437112"/>
+            <a:off x="827584" y="4293096"/>
             <a:ext cx="7555904" cy="2420888"/>
           </a:xfrm>
         </p:spPr>
@@ -5074,7 +5075,7 @@
           </a:prstGeom>
           <a:noFill/>
           <a:extLst>
-            <a:ext uri="{909E8E84-426E-40DD-AFC4-6F175D3DCCD1}">
+            <a:ext uri="{909E8E84-426E-40dd-AFC4-6F175D3DCCD1}">
               <a14:hiddenFill xmlns:a14="http://schemas.microsoft.com/office/drawing/2010/main">
                 <a:solidFill>
                   <a:srgbClr val="FFFFFF"/>
@@ -5097,7 +5098,7 @@
   <p:timing>
     <p:tnLst>
       <p:par>
-        <p:cTn id="1" dur="indefinite" restart="never" nodeType="tmRoot">
+        <p:cTn xmlns:p14="http://schemas.microsoft.com/office/powerpoint/2010/main" id="1" dur="indefinite" restart="never" nodeType="tmRoot">
           <p:childTnLst>
             <p:seq concurrent="1" nextAc="seek">
               <p:cTn id="2" dur="indefinite" nodeType="mainSeq">
@@ -5167,1072 +5168,7 @@
 </p:sld>
 </file>
 
-<file path=ppt/slides/slide2.xml><?xml version="1.0" encoding="utf-8"?>
-<p:sld xmlns:a="http://schemas.openxmlformats.org/drawingml/2006/main" xmlns:r="http://schemas.openxmlformats.org/officeDocument/2006/relationships" xmlns:p="http://schemas.openxmlformats.org/presentationml/2006/main">
-  <p:cSld>
-    <p:spTree>
-      <p:nvGrpSpPr>
-        <p:cNvPr id="1" name=""/>
-        <p:cNvGrpSpPr/>
-        <p:nvPr/>
-      </p:nvGrpSpPr>
-      <p:grpSpPr>
-        <a:xfrm>
-          <a:off x="0" y="0"/>
-          <a:ext cx="0" cy="0"/>
-          <a:chOff x="0" y="0"/>
-          <a:chExt cx="0" cy="0"/>
-        </a:xfrm>
-      </p:grpSpPr>
-      <p:sp>
-        <p:nvSpPr>
-          <p:cNvPr id="2" name="Titel 1"/>
-          <p:cNvSpPr>
-            <a:spLocks noGrp="1"/>
-          </p:cNvSpPr>
-          <p:nvPr>
-            <p:ph type="title"/>
-          </p:nvPr>
-        </p:nvSpPr>
-        <p:spPr/>
-        <p:txBody>
-          <a:bodyPr/>
-          <a:lstStyle/>
-          <a:p>
-            <a:r>
-              <a:rPr lang="de-DE" dirty="0" smtClean="0"/>
-              <a:t>Ziel von HeartRate2Go</a:t>
-            </a:r>
-            <a:endParaRPr lang="de-DE" dirty="0"/>
-          </a:p>
-        </p:txBody>
-      </p:sp>
-      <p:sp>
-        <p:nvSpPr>
-          <p:cNvPr id="3" name="Inhaltsplatzhalter 2"/>
-          <p:cNvSpPr>
-            <a:spLocks noGrp="1"/>
-          </p:cNvSpPr>
-          <p:nvPr>
-            <p:ph idx="1"/>
-          </p:nvPr>
-        </p:nvSpPr>
-        <p:spPr>
-          <a:xfrm>
-            <a:off x="457200" y="3429000"/>
-            <a:ext cx="8219256" cy="3145536"/>
-          </a:xfrm>
-        </p:spPr>
-        <p:txBody>
-          <a:bodyPr/>
-          <a:lstStyle/>
-          <a:p>
-            <a:pPr marL="109728" indent="0">
-              <a:buNone/>
-            </a:pPr>
-            <a:r>
-              <a:rPr lang="de-DE" dirty="0" smtClean="0"/>
-              <a:t>Den </a:t>
-            </a:r>
-            <a:r>
-              <a:rPr lang="de-DE" dirty="0" smtClean="0"/>
-              <a:t>Puls messen, </a:t>
-            </a:r>
-            <a:r>
-              <a:rPr lang="de-DE" dirty="0" smtClean="0"/>
-              <a:t>graphisch </a:t>
-            </a:r>
-            <a:r>
-              <a:rPr lang="de-DE" dirty="0" smtClean="0"/>
-              <a:t>darstellen, speichern </a:t>
-            </a:r>
-            <a:r>
-              <a:rPr lang="de-DE" dirty="0" smtClean="0"/>
-              <a:t>und dem </a:t>
-            </a:r>
-            <a:r>
-              <a:rPr lang="de-DE" dirty="0" smtClean="0"/>
-              <a:t>Anwender </a:t>
-            </a:r>
-            <a:r>
-              <a:rPr lang="de-DE" dirty="0" smtClean="0"/>
-              <a:t>so einen guten Überblick </a:t>
-            </a:r>
-            <a:r>
-              <a:rPr lang="de-DE" dirty="0" smtClean="0"/>
-              <a:t>über seine </a:t>
-            </a:r>
-            <a:r>
-              <a:rPr lang="de-DE" dirty="0" smtClean="0"/>
-              <a:t>Herzfrequenz </a:t>
-            </a:r>
-            <a:r>
-              <a:rPr lang="de-DE" dirty="0" smtClean="0"/>
-              <a:t>geben</a:t>
-            </a:r>
-            <a:r>
-              <a:rPr lang="de-DE" dirty="0" smtClean="0"/>
-              <a:t>.</a:t>
-            </a:r>
-            <a:endParaRPr lang="de-DE" dirty="0"/>
-          </a:p>
-        </p:txBody>
-      </p:sp>
-    </p:spTree>
-    <p:extLst>
-      <p:ext uri="{BB962C8B-B14F-4D97-AF65-F5344CB8AC3E}">
-        <p14:creationId xmlns:p14="http://schemas.microsoft.com/office/powerpoint/2010/main" val="496398657"/>
-      </p:ext>
-    </p:extLst>
-  </p:cSld>
-  <p:clrMapOvr>
-    <a:masterClrMapping/>
-  </p:clrMapOvr>
-  <p:timing>
-    <p:tnLst>
-      <p:par>
-        <p:cTn id="1" dur="indefinite" restart="never" nodeType="tmRoot"/>
-      </p:par>
-    </p:tnLst>
-  </p:timing>
-</p:sld>
-</file>
-
-<file path=ppt/slides/slide3.xml><?xml version="1.0" encoding="utf-8"?>
-<p:sld xmlns:a="http://schemas.openxmlformats.org/drawingml/2006/main" xmlns:r="http://schemas.openxmlformats.org/officeDocument/2006/relationships" xmlns:p="http://schemas.openxmlformats.org/presentationml/2006/main">
-  <p:cSld>
-    <p:spTree>
-      <p:nvGrpSpPr>
-        <p:cNvPr id="1" name=""/>
-        <p:cNvGrpSpPr/>
-        <p:nvPr/>
-      </p:nvGrpSpPr>
-      <p:grpSpPr>
-        <a:xfrm>
-          <a:off x="0" y="0"/>
-          <a:ext cx="0" cy="0"/>
-          <a:chOff x="0" y="0"/>
-          <a:chExt cx="0" cy="0"/>
-        </a:xfrm>
-      </p:grpSpPr>
-      <p:sp>
-        <p:nvSpPr>
-          <p:cNvPr id="2" name="Titel 1"/>
-          <p:cNvSpPr>
-            <a:spLocks noGrp="1"/>
-          </p:cNvSpPr>
-          <p:nvPr>
-            <p:ph type="title"/>
-          </p:nvPr>
-        </p:nvSpPr>
-        <p:spPr/>
-        <p:txBody>
-          <a:bodyPr/>
-          <a:lstStyle/>
-          <a:p>
-            <a:r>
-              <a:rPr lang="de-DE" dirty="0" smtClean="0"/>
-              <a:t>Komponenten von HeartRate2Go</a:t>
-            </a:r>
-            <a:endParaRPr lang="de-DE" dirty="0"/>
-          </a:p>
-        </p:txBody>
-      </p:sp>
-      <p:pic>
-        <p:nvPicPr>
-          <p:cNvPr id="2050" name="Picture 2" descr="C:\Users\LMH\Desktop\ablauf.png"/>
-          <p:cNvPicPr>
-            <a:picLocks noChangeAspect="1" noChangeArrowheads="1"/>
-          </p:cNvPicPr>
-          <p:nvPr/>
-        </p:nvPicPr>
-        <p:blipFill>
-          <a:blip r:embed="rId3">
-            <a:extLst>
-              <a:ext uri="{28A0092B-C50C-407E-A947-70E740481C1C}">
-                <a14:useLocalDpi xmlns:a14="http://schemas.microsoft.com/office/drawing/2010/main" val="0"/>
-              </a:ext>
-            </a:extLst>
-          </a:blip>
-          <a:srcRect/>
-          <a:stretch>
-            <a:fillRect/>
-          </a:stretch>
-        </p:blipFill>
-        <p:spPr bwMode="auto">
-          <a:xfrm>
-            <a:off x="0" y="2348880"/>
-            <a:ext cx="8812528" cy="4316856"/>
-          </a:xfrm>
-          <a:prstGeom prst="rect">
-            <a:avLst/>
-          </a:prstGeom>
-          <a:noFill/>
-          <a:extLst>
-            <a:ext uri="{909E8E84-426E-40DD-AFC4-6F175D3DCCD1}">
-              <a14:hiddenFill xmlns:a14="http://schemas.microsoft.com/office/drawing/2010/main">
-                <a:solidFill>
-                  <a:srgbClr val="FFFFFF"/>
-                </a:solidFill>
-              </a14:hiddenFill>
-            </a:ext>
-          </a:extLst>
-        </p:spPr>
-      </p:pic>
-    </p:spTree>
-    <p:extLst>
-      <p:ext uri="{BB962C8B-B14F-4D97-AF65-F5344CB8AC3E}">
-        <p14:creationId xmlns:p14="http://schemas.microsoft.com/office/powerpoint/2010/main" val="3487149943"/>
-      </p:ext>
-    </p:extLst>
-  </p:cSld>
-  <p:clrMapOvr>
-    <a:masterClrMapping/>
-  </p:clrMapOvr>
-  <p:timing>
-    <p:tnLst>
-      <p:par>
-        <p:cTn id="1" dur="indefinite" restart="never" nodeType="tmRoot"/>
-      </p:par>
-    </p:tnLst>
-  </p:timing>
-</p:sld>
-</file>
-
-<file path=ppt/slides/slide4.xml><?xml version="1.0" encoding="utf-8"?>
-<p:sld xmlns:a="http://schemas.openxmlformats.org/drawingml/2006/main" xmlns:r="http://schemas.openxmlformats.org/officeDocument/2006/relationships" xmlns:p="http://schemas.openxmlformats.org/presentationml/2006/main">
-  <p:cSld>
-    <p:spTree>
-      <p:nvGrpSpPr>
-        <p:cNvPr id="1" name=""/>
-        <p:cNvGrpSpPr/>
-        <p:nvPr/>
-      </p:nvGrpSpPr>
-      <p:grpSpPr>
-        <a:xfrm>
-          <a:off x="0" y="0"/>
-          <a:ext cx="0" cy="0"/>
-          <a:chOff x="0" y="0"/>
-          <a:chExt cx="0" cy="0"/>
-        </a:xfrm>
-      </p:grpSpPr>
-      <p:sp>
-        <p:nvSpPr>
-          <p:cNvPr id="2" name="Titel 1"/>
-          <p:cNvSpPr>
-            <a:spLocks noGrp="1"/>
-          </p:cNvSpPr>
-          <p:nvPr>
-            <p:ph type="title"/>
-          </p:nvPr>
-        </p:nvSpPr>
-        <p:spPr/>
-        <p:txBody>
-          <a:bodyPr>
-            <a:normAutofit/>
-          </a:bodyPr>
-          <a:lstStyle/>
-          <a:p>
-            <a:r>
-              <a:rPr lang="de-DE" dirty="0" err="1" smtClean="0"/>
-              <a:t>Smartwatch</a:t>
-            </a:r>
-            <a:endParaRPr lang="de-DE" dirty="0"/>
-          </a:p>
-        </p:txBody>
-      </p:sp>
-      <p:sp>
-        <p:nvSpPr>
-          <p:cNvPr id="3" name="Inhaltsplatzhalter 2"/>
-          <p:cNvSpPr>
-            <a:spLocks noGrp="1"/>
-          </p:cNvSpPr>
-          <p:nvPr>
-            <p:ph sz="half" idx="1"/>
-          </p:nvPr>
-        </p:nvSpPr>
-        <p:spPr>
-          <a:xfrm>
-            <a:off x="457200" y="2249424"/>
-            <a:ext cx="5915000" cy="4525963"/>
-          </a:xfrm>
-        </p:spPr>
-        <p:txBody>
-          <a:bodyPr>
-            <a:normAutofit fontScale="70000" lnSpcReduction="20000"/>
-          </a:bodyPr>
-          <a:lstStyle/>
-          <a:p>
-            <a:r>
-              <a:rPr lang="de-DE" sz="2600" dirty="0"/>
-              <a:t>Zugriff auf Sensoren (Puls und Schrittzähler)</a:t>
-            </a:r>
-          </a:p>
-          <a:p>
-            <a:pPr marL="109728" indent="0">
-              <a:buNone/>
-            </a:pPr>
-            <a:endParaRPr lang="de-DE" sz="2600" dirty="0"/>
-          </a:p>
-          <a:p>
-            <a:r>
-              <a:rPr lang="de-DE" sz="2600" dirty="0"/>
-              <a:t> Konfiguration über Smartphone</a:t>
-            </a:r>
-          </a:p>
-          <a:p>
-            <a:pPr lvl="1"/>
-            <a:r>
-              <a:rPr lang="de-DE" sz="2200" dirty="0">
-                <a:solidFill>
-                  <a:schemeClr val="tx1"/>
-                </a:solidFill>
-              </a:rPr>
-              <a:t>regelmäßige Vibration zur  Erinnerung</a:t>
-            </a:r>
-          </a:p>
-          <a:p>
-            <a:pPr lvl="1"/>
-            <a:r>
-              <a:rPr lang="de-DE" sz="2200" dirty="0">
-                <a:solidFill>
-                  <a:schemeClr val="tx1"/>
-                </a:solidFill>
-              </a:rPr>
-              <a:t>Bildschirm angeschaltet lassen</a:t>
-            </a:r>
-          </a:p>
-          <a:p>
-            <a:pPr lvl="1"/>
-            <a:r>
-              <a:rPr lang="de-DE" sz="2200" dirty="0">
-                <a:solidFill>
-                  <a:schemeClr val="tx1"/>
-                </a:solidFill>
-              </a:rPr>
-              <a:t>Messungsintervall</a:t>
-            </a:r>
-          </a:p>
-          <a:p>
-            <a:endParaRPr lang="de-DE" sz="2600" dirty="0"/>
-          </a:p>
-          <a:p>
-            <a:r>
-              <a:rPr lang="de-DE" sz="2600" dirty="0"/>
-              <a:t>Angabe von Messungstyp (Aktivitäts- oder Ruhemessung)</a:t>
-            </a:r>
-          </a:p>
-          <a:p>
-            <a:endParaRPr lang="de-DE" sz="2600" dirty="0"/>
-          </a:p>
-          <a:p>
-            <a:r>
-              <a:rPr lang="de-DE" sz="2600" dirty="0"/>
-              <a:t>Aktivitätsmessung: kontinuierliche Aufzeichnung von Zeit, Puls und Schrittanzahl</a:t>
-            </a:r>
-          </a:p>
-          <a:p>
-            <a:pPr marL="109728" indent="0">
-              <a:buNone/>
-            </a:pPr>
-            <a:r>
-              <a:rPr lang="de-DE" sz="2600" dirty="0"/>
-              <a:t>		</a:t>
-            </a:r>
-          </a:p>
-          <a:p>
-            <a:r>
-              <a:rPr lang="de-DE" sz="2600" dirty="0"/>
-              <a:t>Ruhemessung: Messung über 60 Sekunden und Bildung des Modal-Wertes</a:t>
-            </a:r>
-          </a:p>
-          <a:p>
-            <a:endParaRPr lang="de-DE" sz="2600" dirty="0"/>
-          </a:p>
-          <a:p>
-            <a:r>
-              <a:rPr lang="de-DE" sz="2600" dirty="0"/>
-              <a:t>Abfrage der Stimmung zur späteren Auswertung</a:t>
-            </a:r>
-          </a:p>
-          <a:p>
-            <a:pPr marL="109728" indent="0">
-              <a:buNone/>
-            </a:pPr>
-            <a:endParaRPr lang="de-DE" dirty="0"/>
-          </a:p>
-        </p:txBody>
-      </p:sp>
-      <p:pic>
-        <p:nvPicPr>
-          <p:cNvPr id="3075" name="Picture 3" descr="C:\Users\LMH\Desktop\aktivitaet.png"/>
-          <p:cNvPicPr>
-            <a:picLocks noChangeAspect="1" noChangeArrowheads="1"/>
-          </p:cNvPicPr>
-          <p:nvPr/>
-        </p:nvPicPr>
-        <p:blipFill>
-          <a:blip r:embed="rId3">
-            <a:extLst>
-              <a:ext uri="{28A0092B-C50C-407E-A947-70E740481C1C}">
-                <a14:useLocalDpi xmlns:a14="http://schemas.microsoft.com/office/drawing/2010/main" val="0"/>
-              </a:ext>
-            </a:extLst>
-          </a:blip>
-          <a:srcRect/>
-          <a:stretch>
-            <a:fillRect/>
-          </a:stretch>
-        </p:blipFill>
-        <p:spPr bwMode="auto">
-          <a:xfrm>
-            <a:off x="6660232" y="832912"/>
-            <a:ext cx="1746548" cy="5852547"/>
-          </a:xfrm>
-          <a:prstGeom prst="rect">
-            <a:avLst/>
-          </a:prstGeom>
-          <a:noFill/>
-          <a:extLst>
-            <a:ext uri="{909E8E84-426E-40DD-AFC4-6F175D3DCCD1}">
-              <a14:hiddenFill xmlns:a14="http://schemas.microsoft.com/office/drawing/2010/main">
-                <a:solidFill>
-                  <a:srgbClr val="FFFFFF"/>
-                </a:solidFill>
-              </a14:hiddenFill>
-            </a:ext>
-          </a:extLst>
-        </p:spPr>
-      </p:pic>
-    </p:spTree>
-    <p:extLst>
-      <p:ext uri="{BB962C8B-B14F-4D97-AF65-F5344CB8AC3E}">
-        <p14:creationId xmlns:p14="http://schemas.microsoft.com/office/powerpoint/2010/main" val="1224773040"/>
-      </p:ext>
-    </p:extLst>
-  </p:cSld>
-  <p:clrMapOvr>
-    <a:masterClrMapping/>
-  </p:clrMapOvr>
-  <p:timing>
-    <p:tnLst>
-      <p:par>
-        <p:cTn id="1" dur="indefinite" restart="never" nodeType="tmRoot"/>
-      </p:par>
-    </p:tnLst>
-  </p:timing>
-</p:sld>
-</file>
-
-<file path=ppt/slides/slide5.xml><?xml version="1.0" encoding="utf-8"?>
-<p:sld xmlns:a="http://schemas.openxmlformats.org/drawingml/2006/main" xmlns:r="http://schemas.openxmlformats.org/officeDocument/2006/relationships" xmlns:p="http://schemas.openxmlformats.org/presentationml/2006/main">
-  <p:cSld>
-    <p:spTree>
-      <p:nvGrpSpPr>
-        <p:cNvPr id="1" name=""/>
-        <p:cNvGrpSpPr/>
-        <p:nvPr/>
-      </p:nvGrpSpPr>
-      <p:grpSpPr>
-        <a:xfrm>
-          <a:off x="0" y="0"/>
-          <a:ext cx="0" cy="0"/>
-          <a:chOff x="0" y="0"/>
-          <a:chExt cx="0" cy="0"/>
-        </a:xfrm>
-      </p:grpSpPr>
-      <p:sp>
-        <p:nvSpPr>
-          <p:cNvPr id="2" name="Titel 1"/>
-          <p:cNvSpPr>
-            <a:spLocks noGrp="1"/>
-          </p:cNvSpPr>
-          <p:nvPr>
-            <p:ph type="title"/>
-          </p:nvPr>
-        </p:nvSpPr>
-        <p:spPr/>
-        <p:txBody>
-          <a:bodyPr/>
-          <a:lstStyle/>
-          <a:p>
-            <a:r>
-              <a:rPr lang="de-DE" dirty="0" smtClean="0"/>
-              <a:t>Smartphone</a:t>
-            </a:r>
-            <a:endParaRPr lang="de-DE" dirty="0"/>
-          </a:p>
-        </p:txBody>
-      </p:sp>
-      <p:sp>
-        <p:nvSpPr>
-          <p:cNvPr id="4" name="Inhaltsplatzhalter 3"/>
-          <p:cNvSpPr>
-            <a:spLocks noGrp="1"/>
-          </p:cNvSpPr>
-          <p:nvPr>
-            <p:ph sz="half" idx="2"/>
-          </p:nvPr>
-        </p:nvSpPr>
-        <p:spPr>
-          <a:xfrm>
-            <a:off x="3040703" y="2276872"/>
-            <a:ext cx="5646097" cy="4498515"/>
-          </a:xfrm>
-        </p:spPr>
-        <p:txBody>
-          <a:bodyPr>
-            <a:normAutofit lnSpcReduction="10000"/>
-          </a:bodyPr>
-          <a:lstStyle/>
-          <a:p>
-            <a:r>
-              <a:rPr lang="de-DE" dirty="0"/>
-              <a:t>Kommunikation über </a:t>
-            </a:r>
-            <a:r>
-              <a:rPr lang="de-DE" dirty="0" err="1"/>
-              <a:t>Wearable</a:t>
-            </a:r>
-            <a:r>
-              <a:rPr lang="de-DE" dirty="0"/>
-              <a:t>-Bluetooth-API</a:t>
-            </a:r>
-          </a:p>
-          <a:p>
-            <a:endParaRPr lang="de-DE" dirty="0"/>
-          </a:p>
-          <a:p>
-            <a:r>
-              <a:rPr lang="de-DE" dirty="0"/>
-              <a:t>Background-Service zum Empfangen und Senden von Daten</a:t>
-            </a:r>
-          </a:p>
-          <a:p>
-            <a:endParaRPr lang="de-DE" dirty="0"/>
-          </a:p>
-          <a:p>
-            <a:r>
-              <a:rPr lang="de-DE" dirty="0"/>
-              <a:t>Anzeige von Puls-Diagrammen über Library "</a:t>
-            </a:r>
-            <a:r>
-              <a:rPr lang="de-DE" dirty="0" err="1"/>
-              <a:t>GraphView</a:t>
-            </a:r>
-            <a:r>
-              <a:rPr lang="de-DE" dirty="0"/>
-              <a:t>"</a:t>
-            </a:r>
-          </a:p>
-          <a:p>
-            <a:endParaRPr lang="de-DE" dirty="0"/>
-          </a:p>
-          <a:p>
-            <a:r>
-              <a:rPr lang="de-DE" dirty="0"/>
-              <a:t>Persistente Speicherung der Daten und Auswahl über Dropdown</a:t>
-            </a:r>
-          </a:p>
-          <a:p>
-            <a:endParaRPr lang="de-DE" dirty="0"/>
-          </a:p>
-          <a:p>
-            <a:r>
-              <a:rPr lang="de-DE" dirty="0" err="1"/>
-              <a:t>Debug</a:t>
-            </a:r>
-            <a:r>
-              <a:rPr lang="de-DE" dirty="0"/>
-              <a:t>-Modus zur Erzeugung von zufälligen Daten</a:t>
-            </a:r>
-          </a:p>
-          <a:p>
-            <a:endParaRPr lang="de-DE" dirty="0"/>
-          </a:p>
-        </p:txBody>
-      </p:sp>
-      <p:pic>
-        <p:nvPicPr>
-          <p:cNvPr id="4098" name="Picture 2" descr="C:\Users\LMH\Desktop\4986.jpg"/>
-          <p:cNvPicPr>
-            <a:picLocks noChangeAspect="1" noChangeArrowheads="1"/>
-          </p:cNvPicPr>
-          <p:nvPr/>
-        </p:nvPicPr>
-        <p:blipFill>
-          <a:blip r:embed="rId2">
-            <a:extLst>
-              <a:ext uri="{28A0092B-C50C-407E-A947-70E740481C1C}">
-                <a14:useLocalDpi xmlns:a14="http://schemas.microsoft.com/office/drawing/2010/main" val="0"/>
-              </a:ext>
-            </a:extLst>
-          </a:blip>
-          <a:srcRect/>
-          <a:stretch>
-            <a:fillRect/>
-          </a:stretch>
-        </p:blipFill>
-        <p:spPr bwMode="auto">
-          <a:xfrm>
-            <a:off x="539552" y="2276872"/>
-            <a:ext cx="2501151" cy="4446490"/>
-          </a:xfrm>
-          <a:prstGeom prst="rect">
-            <a:avLst/>
-          </a:prstGeom>
-          <a:noFill/>
-          <a:extLst>
-            <a:ext uri="{909E8E84-426E-40DD-AFC4-6F175D3DCCD1}">
-              <a14:hiddenFill xmlns:a14="http://schemas.microsoft.com/office/drawing/2010/main">
-                <a:solidFill>
-                  <a:srgbClr val="FFFFFF"/>
-                </a:solidFill>
-              </a14:hiddenFill>
-            </a:ext>
-          </a:extLst>
-        </p:spPr>
-      </p:pic>
-    </p:spTree>
-    <p:extLst>
-      <p:ext uri="{BB962C8B-B14F-4D97-AF65-F5344CB8AC3E}">
-        <p14:creationId xmlns:p14="http://schemas.microsoft.com/office/powerpoint/2010/main" val="952660724"/>
-      </p:ext>
-    </p:extLst>
-  </p:cSld>
-  <p:clrMapOvr>
-    <a:masterClrMapping/>
-  </p:clrMapOvr>
-  <p:timing>
-    <p:tnLst>
-      <p:par>
-        <p:cTn id="1" dur="indefinite" restart="never" nodeType="tmRoot"/>
-      </p:par>
-    </p:tnLst>
-  </p:timing>
-</p:sld>
-</file>
-
-<file path=ppt/slides/slide6.xml><?xml version="1.0" encoding="utf-8"?>
-<p:sld xmlns:a="http://schemas.openxmlformats.org/drawingml/2006/main" xmlns:r="http://schemas.openxmlformats.org/officeDocument/2006/relationships" xmlns:p="http://schemas.openxmlformats.org/presentationml/2006/main">
-  <p:cSld>
-    <p:spTree>
-      <p:nvGrpSpPr>
-        <p:cNvPr id="1" name=""/>
-        <p:cNvGrpSpPr/>
-        <p:nvPr/>
-      </p:nvGrpSpPr>
-      <p:grpSpPr>
-        <a:xfrm>
-          <a:off x="0" y="0"/>
-          <a:ext cx="0" cy="0"/>
-          <a:chOff x="0" y="0"/>
-          <a:chExt cx="0" cy="0"/>
-        </a:xfrm>
-      </p:grpSpPr>
-      <p:sp>
-        <p:nvSpPr>
-          <p:cNvPr id="2" name="Titel 1"/>
-          <p:cNvSpPr>
-            <a:spLocks noGrp="1"/>
-          </p:cNvSpPr>
-          <p:nvPr>
-            <p:ph type="title"/>
-          </p:nvPr>
-        </p:nvSpPr>
-        <p:spPr/>
-        <p:txBody>
-          <a:bodyPr/>
-          <a:lstStyle/>
-          <a:p>
-            <a:r>
-              <a:rPr lang="de-DE" dirty="0" smtClean="0"/>
-              <a:t>PC</a:t>
-            </a:r>
-            <a:endParaRPr lang="de-DE" dirty="0"/>
-          </a:p>
-        </p:txBody>
-      </p:sp>
-      <p:sp>
-        <p:nvSpPr>
-          <p:cNvPr id="4" name="Inhaltsplatzhalter 3"/>
-          <p:cNvSpPr>
-            <a:spLocks noGrp="1"/>
-          </p:cNvSpPr>
-          <p:nvPr>
-            <p:ph sz="half" idx="2"/>
-          </p:nvPr>
-        </p:nvSpPr>
-        <p:spPr>
-          <a:xfrm>
-            <a:off x="4648200" y="1916832"/>
-            <a:ext cx="4038600" cy="4858555"/>
-          </a:xfrm>
-        </p:spPr>
-        <p:txBody>
-          <a:bodyPr>
-            <a:normAutofit fontScale="85000" lnSpcReduction="10000"/>
-          </a:bodyPr>
-          <a:lstStyle/>
-          <a:p>
-            <a:r>
-              <a:rPr lang="de-DE" dirty="0"/>
-              <a:t>Kommunikation mit </a:t>
-            </a:r>
-            <a:r>
-              <a:rPr lang="de-DE" dirty="0" smtClean="0"/>
-              <a:t>Smartphone</a:t>
-            </a:r>
-          </a:p>
-          <a:p>
-            <a:endParaRPr lang="de-DE" dirty="0"/>
-          </a:p>
-          <a:p>
-            <a:r>
-              <a:rPr lang="de-DE" dirty="0"/>
-              <a:t>Speicherung der </a:t>
-            </a:r>
-            <a:r>
-              <a:rPr lang="de-DE" dirty="0" smtClean="0"/>
-              <a:t>Daten</a:t>
-            </a:r>
-            <a:endParaRPr lang="de-DE" dirty="0"/>
-          </a:p>
-          <a:p>
-            <a:endParaRPr lang="de-DE" dirty="0" smtClean="0"/>
-          </a:p>
-          <a:p>
-            <a:r>
-              <a:rPr lang="de-DE" dirty="0"/>
-              <a:t>Unterscheidung zwischen Ruhe- und Aktivitätsmessung</a:t>
-            </a:r>
-          </a:p>
-          <a:p>
-            <a:pPr marL="109728" indent="0">
-              <a:buNone/>
-            </a:pPr>
-            <a:endParaRPr lang="de-DE" dirty="0"/>
-          </a:p>
-          <a:p>
-            <a:r>
-              <a:rPr lang="de-DE" dirty="0" smtClean="0"/>
-              <a:t>Graphische Darstellung der Messwerte </a:t>
-            </a:r>
-          </a:p>
-          <a:p>
-            <a:endParaRPr lang="de-DE" dirty="0"/>
-          </a:p>
-          <a:p>
-            <a:r>
-              <a:rPr lang="de-DE" dirty="0" smtClean="0"/>
-              <a:t>Darstellung </a:t>
-            </a:r>
-            <a:r>
-              <a:rPr lang="de-DE" dirty="0"/>
-              <a:t>in tabellarischer </a:t>
-            </a:r>
-            <a:r>
-              <a:rPr lang="de-DE" dirty="0" smtClean="0"/>
-              <a:t>Form</a:t>
-            </a:r>
-          </a:p>
-          <a:p>
-            <a:endParaRPr lang="de-DE" dirty="0" smtClean="0"/>
-          </a:p>
-          <a:p>
-            <a:r>
-              <a:rPr lang="de-DE" dirty="0" smtClean="0"/>
-              <a:t>Selektierung nach Datum</a:t>
-            </a:r>
-          </a:p>
-          <a:p>
-            <a:endParaRPr lang="de-DE" dirty="0" smtClean="0"/>
-          </a:p>
-          <a:p>
-            <a:r>
-              <a:rPr lang="de-DE" dirty="0" smtClean="0"/>
-              <a:t>Druckfunktion</a:t>
-            </a:r>
-          </a:p>
-          <a:p>
-            <a:endParaRPr lang="de-DE" dirty="0" smtClean="0"/>
-          </a:p>
-          <a:p>
-            <a:r>
-              <a:rPr lang="de-DE" dirty="0" smtClean="0"/>
-              <a:t>Mehrsprachigkeit</a:t>
-            </a:r>
-          </a:p>
-          <a:p>
-            <a:pPr marL="109728" indent="0">
-              <a:buNone/>
-            </a:pPr>
-            <a:endParaRPr lang="de-DE" dirty="0"/>
-          </a:p>
-        </p:txBody>
-      </p:sp>
-      <p:pic>
-        <p:nvPicPr>
-          <p:cNvPr id="5122" name="Picture 2" descr="C:\Users\LMH\Desktop\Bildschirmfoto.png"/>
-          <p:cNvPicPr>
-            <a:picLocks noChangeAspect="1" noChangeArrowheads="1"/>
-          </p:cNvPicPr>
-          <p:nvPr/>
-        </p:nvPicPr>
-        <p:blipFill>
-          <a:blip r:embed="rId2" cstate="print">
-            <a:extLst>
-              <a:ext uri="{28A0092B-C50C-407E-A947-70E740481C1C}">
-                <a14:useLocalDpi xmlns:a14="http://schemas.microsoft.com/office/drawing/2010/main" val="0"/>
-              </a:ext>
-            </a:extLst>
-          </a:blip>
-          <a:srcRect/>
-          <a:stretch>
-            <a:fillRect/>
-          </a:stretch>
-        </p:blipFill>
-        <p:spPr bwMode="auto">
-          <a:xfrm>
-            <a:off x="499170" y="2060848"/>
-            <a:ext cx="4032448" cy="2334769"/>
-          </a:xfrm>
-          <a:prstGeom prst="rect">
-            <a:avLst/>
-          </a:prstGeom>
-          <a:noFill/>
-          <a:extLst>
-            <a:ext uri="{909E8E84-426E-40DD-AFC4-6F175D3DCCD1}">
-              <a14:hiddenFill xmlns:a14="http://schemas.microsoft.com/office/drawing/2010/main">
-                <a:solidFill>
-                  <a:srgbClr val="FFFFFF"/>
-                </a:solidFill>
-              </a14:hiddenFill>
-            </a:ext>
-          </a:extLst>
-        </p:spPr>
-      </p:pic>
-    </p:spTree>
-    <p:extLst>
-      <p:ext uri="{BB962C8B-B14F-4D97-AF65-F5344CB8AC3E}">
-        <p14:creationId xmlns:p14="http://schemas.microsoft.com/office/powerpoint/2010/main" val="2841675769"/>
-      </p:ext>
-    </p:extLst>
-  </p:cSld>
-  <p:clrMapOvr>
-    <a:masterClrMapping/>
-  </p:clrMapOvr>
-  <p:timing>
-    <p:tnLst>
-      <p:par>
-        <p:cTn id="1" dur="indefinite" restart="never" nodeType="tmRoot"/>
-      </p:par>
-    </p:tnLst>
-  </p:timing>
-</p:sld>
-</file>
-
-<file path=ppt/slides/slide7.xml><?xml version="1.0" encoding="utf-8"?>
-<p:sld xmlns:a="http://schemas.openxmlformats.org/drawingml/2006/main" xmlns:r="http://schemas.openxmlformats.org/officeDocument/2006/relationships" xmlns:p="http://schemas.openxmlformats.org/presentationml/2006/main">
-  <p:cSld>
-    <p:spTree>
-      <p:nvGrpSpPr>
-        <p:cNvPr id="1" name=""/>
-        <p:cNvGrpSpPr/>
-        <p:nvPr/>
-      </p:nvGrpSpPr>
-      <p:grpSpPr>
-        <a:xfrm>
-          <a:off x="0" y="0"/>
-          <a:ext cx="0" cy="0"/>
-          <a:chOff x="0" y="0"/>
-          <a:chExt cx="0" cy="0"/>
-        </a:xfrm>
-      </p:grpSpPr>
-      <p:sp>
-        <p:nvSpPr>
-          <p:cNvPr id="6" name="Titel 5"/>
-          <p:cNvSpPr>
-            <a:spLocks noGrp="1"/>
-          </p:cNvSpPr>
-          <p:nvPr>
-            <p:ph type="ctrTitle"/>
-          </p:nvPr>
-        </p:nvSpPr>
-        <p:spPr>
-          <a:xfrm>
-            <a:off x="457200" y="1484783"/>
-            <a:ext cx="8147248" cy="2387129"/>
-          </a:xfrm>
-        </p:spPr>
-        <p:txBody>
-          <a:bodyPr>
-            <a:normAutofit fontScale="90000"/>
-          </a:bodyPr>
-          <a:lstStyle/>
-          <a:p>
-            <a:r>
-              <a:rPr lang="de-DE" sz="8800" dirty="0" err="1" smtClean="0">
-                <a:solidFill>
-                  <a:srgbClr val="FF5454"/>
-                </a:solidFill>
-              </a:rPr>
-              <a:t>Livedemo</a:t>
-            </a:r>
-            <a:r>
-              <a:rPr lang="de-DE" sz="8800" dirty="0" smtClean="0">
-                <a:solidFill>
-                  <a:srgbClr val="FF5454"/>
-                </a:solidFill>
-              </a:rPr>
-              <a:t> von HeartRate2Go</a:t>
-            </a:r>
-            <a:endParaRPr lang="de-DE" sz="8800" dirty="0">
-              <a:solidFill>
-                <a:srgbClr val="FF5454"/>
-              </a:solidFill>
-            </a:endParaRPr>
-          </a:p>
-        </p:txBody>
-      </p:sp>
-    </p:spTree>
-    <p:extLst>
-      <p:ext uri="{BB962C8B-B14F-4D97-AF65-F5344CB8AC3E}">
-        <p14:creationId xmlns:p14="http://schemas.microsoft.com/office/powerpoint/2010/main" val="1236177286"/>
-      </p:ext>
-    </p:extLst>
-  </p:cSld>
-  <p:clrMapOvr>
-    <a:masterClrMapping/>
-  </p:clrMapOvr>
-  <p:timing>
-    <p:tnLst>
-      <p:par>
-        <p:cTn id="1" dur="indefinite" restart="never" nodeType="tmRoot"/>
-      </p:par>
-    </p:tnLst>
-  </p:timing>
-</p:sld>
-</file>
-
-<file path=ppt/slides/slide8.xml><?xml version="1.0" encoding="utf-8"?>
-<p:sld xmlns:a="http://schemas.openxmlformats.org/drawingml/2006/main" xmlns:r="http://schemas.openxmlformats.org/officeDocument/2006/relationships" xmlns:p="http://schemas.openxmlformats.org/presentationml/2006/main">
-  <p:cSld>
-    <p:spTree>
-      <p:nvGrpSpPr>
-        <p:cNvPr id="1" name=""/>
-        <p:cNvGrpSpPr/>
-        <p:nvPr/>
-      </p:nvGrpSpPr>
-      <p:grpSpPr>
-        <a:xfrm>
-          <a:off x="0" y="0"/>
-          <a:ext cx="0" cy="0"/>
-          <a:chOff x="0" y="0"/>
-          <a:chExt cx="0" cy="0"/>
-        </a:xfrm>
-      </p:grpSpPr>
-      <p:sp>
-        <p:nvSpPr>
-          <p:cNvPr id="2" name="Titel 1"/>
-          <p:cNvSpPr>
-            <a:spLocks noGrp="1"/>
-          </p:cNvSpPr>
-          <p:nvPr>
-            <p:ph type="title"/>
-          </p:nvPr>
-        </p:nvSpPr>
-        <p:spPr/>
-        <p:txBody>
-          <a:bodyPr/>
-          <a:lstStyle/>
-          <a:p>
-            <a:r>
-              <a:rPr lang="de-DE" dirty="0" smtClean="0"/>
-              <a:t>Ausblick von HeartRate2Go</a:t>
-            </a:r>
-            <a:endParaRPr lang="de-DE" dirty="0"/>
-          </a:p>
-        </p:txBody>
-      </p:sp>
-      <p:sp>
-        <p:nvSpPr>
-          <p:cNvPr id="3" name="Inhaltsplatzhalter 2"/>
-          <p:cNvSpPr>
-            <a:spLocks noGrp="1"/>
-          </p:cNvSpPr>
-          <p:nvPr>
-            <p:ph idx="1"/>
-          </p:nvPr>
-        </p:nvSpPr>
-        <p:spPr>
-          <a:xfrm>
-            <a:off x="457200" y="3068960"/>
-            <a:ext cx="8229600" cy="3505576"/>
-          </a:xfrm>
-        </p:spPr>
-        <p:txBody>
-          <a:bodyPr/>
-          <a:lstStyle/>
-          <a:p>
-            <a:r>
-              <a:rPr lang="de-DE" dirty="0" smtClean="0"/>
-              <a:t>Benutzerprofile mit Anamneseabfrage</a:t>
-            </a:r>
-          </a:p>
-          <a:p>
-            <a:r>
-              <a:rPr lang="de-DE" dirty="0" smtClean="0"/>
-              <a:t>Erste Einschätzung </a:t>
-            </a:r>
-            <a:r>
-              <a:rPr lang="de-DE" smtClean="0"/>
-              <a:t>der Werte</a:t>
-            </a:r>
-            <a:endParaRPr lang="de-DE" dirty="0" smtClean="0"/>
-          </a:p>
-          <a:p>
-            <a:r>
-              <a:rPr lang="de-DE" dirty="0" smtClean="0"/>
-              <a:t>Markierungen setzen</a:t>
-            </a:r>
-          </a:p>
-          <a:p>
-            <a:r>
-              <a:rPr lang="de-DE" dirty="0" smtClean="0"/>
-              <a:t>Berechnung des Kalorienverbrauchs</a:t>
-            </a:r>
-          </a:p>
-          <a:p>
-            <a:r>
-              <a:rPr lang="de-DE" dirty="0" smtClean="0"/>
-              <a:t>iOS App</a:t>
-            </a:r>
-            <a:endParaRPr lang="de-DE" dirty="0"/>
-          </a:p>
-        </p:txBody>
-      </p:sp>
-    </p:spTree>
-    <p:extLst>
-      <p:ext uri="{BB962C8B-B14F-4D97-AF65-F5344CB8AC3E}">
-        <p14:creationId xmlns:p14="http://schemas.microsoft.com/office/powerpoint/2010/main" val="2640618294"/>
-      </p:ext>
-    </p:extLst>
-  </p:cSld>
-  <p:clrMapOvr>
-    <a:masterClrMapping/>
-  </p:clrMapOvr>
-  <p:timing>
-    <p:tnLst>
-      <p:par>
-        <p:cTn id="1" dur="indefinite" restart="never" nodeType="tmRoot"/>
-      </p:par>
-    </p:tnLst>
-  </p:timing>
-</p:sld>
-</file>
-
-<file path=ppt/slides/slide9.xml><?xml version="1.0" encoding="utf-8"?>
+<file path=ppt/slides/slide10.xml><?xml version="1.0" encoding="utf-8"?>
 <p:sld xmlns:a="http://schemas.openxmlformats.org/drawingml/2006/main" xmlns:r="http://schemas.openxmlformats.org/officeDocument/2006/relationships" xmlns:p="http://schemas.openxmlformats.org/presentationml/2006/main">
   <p:cSld>
     <p:spTree>
@@ -6318,7 +5254,7 @@
           </a:prstGeom>
           <a:noFill/>
           <a:extLst>
-            <a:ext uri="{909E8E84-426E-40DD-AFC4-6F175D3DCCD1}">
+            <a:ext uri="{909E8E84-426E-40dd-AFC4-6F175D3DCCD1}">
               <a14:hiddenFill xmlns:a14="http://schemas.microsoft.com/office/drawing/2010/main">
                 <a:solidFill>
                   <a:srgbClr val="FFFFFF"/>
@@ -6341,7 +5277,7 @@
   <p:timing>
     <p:tnLst>
       <p:par>
-        <p:cTn id="1" dur="indefinite" restart="never" nodeType="tmRoot">
+        <p:cTn xmlns:p14="http://schemas.microsoft.com/office/powerpoint/2010/main" id="1" dur="indefinite" restart="never" nodeType="tmRoot">
           <p:childTnLst>
             <p:seq concurrent="1" nextAc="seek">
               <p:cTn id="2" dur="indefinite" nodeType="mainSeq">
@@ -6409,6 +5345,1361 @@
             </p:seq>
           </p:childTnLst>
         </p:cTn>
+      </p:par>
+    </p:tnLst>
+  </p:timing>
+</p:sld>
+</file>
+
+<file path=ppt/slides/slide2.xml><?xml version="1.0" encoding="utf-8"?>
+<p:sld xmlns:a="http://schemas.openxmlformats.org/drawingml/2006/main" xmlns:r="http://schemas.openxmlformats.org/officeDocument/2006/relationships" xmlns:p="http://schemas.openxmlformats.org/presentationml/2006/main">
+  <p:cSld>
+    <p:spTree>
+      <p:nvGrpSpPr>
+        <p:cNvPr id="1" name=""/>
+        <p:cNvGrpSpPr/>
+        <p:nvPr/>
+      </p:nvGrpSpPr>
+      <p:grpSpPr>
+        <a:xfrm>
+          <a:off x="0" y="0"/>
+          <a:ext cx="0" cy="0"/>
+          <a:chOff x="0" y="0"/>
+          <a:chExt cx="0" cy="0"/>
+        </a:xfrm>
+      </p:grpSpPr>
+      <p:sp>
+        <p:nvSpPr>
+          <p:cNvPr id="2" name="Titel 1"/>
+          <p:cNvSpPr>
+            <a:spLocks noGrp="1"/>
+          </p:cNvSpPr>
+          <p:nvPr>
+            <p:ph type="title"/>
+          </p:nvPr>
+        </p:nvSpPr>
+        <p:spPr/>
+        <p:txBody>
+          <a:bodyPr/>
+          <a:lstStyle/>
+          <a:p>
+            <a:r>
+              <a:rPr lang="de-DE" dirty="0" smtClean="0"/>
+              <a:t>Ziel von HeartRate2Go</a:t>
+            </a:r>
+            <a:endParaRPr lang="de-DE" dirty="0"/>
+          </a:p>
+        </p:txBody>
+      </p:sp>
+      <p:sp>
+        <p:nvSpPr>
+          <p:cNvPr id="3" name="Inhaltsplatzhalter 2"/>
+          <p:cNvSpPr>
+            <a:spLocks noGrp="1"/>
+          </p:cNvSpPr>
+          <p:nvPr>
+            <p:ph idx="1"/>
+          </p:nvPr>
+        </p:nvSpPr>
+        <p:spPr>
+          <a:xfrm>
+            <a:off x="457200" y="3429000"/>
+            <a:ext cx="8219256" cy="3145536"/>
+          </a:xfrm>
+        </p:spPr>
+        <p:txBody>
+          <a:bodyPr/>
+          <a:lstStyle/>
+          <a:p>
+            <a:pPr marL="109728" indent="0">
+              <a:buNone/>
+            </a:pPr>
+            <a:r>
+              <a:rPr lang="de-DE" dirty="0" smtClean="0"/>
+              <a:t>Den Puls messen, graphisch darstellen, speichern und dem Anwender so einen guten Überblick über seine Herzfrequenz geben.</a:t>
+            </a:r>
+            <a:endParaRPr lang="de-DE" dirty="0"/>
+          </a:p>
+        </p:txBody>
+      </p:sp>
+    </p:spTree>
+    <p:extLst>
+      <p:ext uri="{BB962C8B-B14F-4D97-AF65-F5344CB8AC3E}">
+        <p14:creationId xmlns:p14="http://schemas.microsoft.com/office/powerpoint/2010/main" val="496398657"/>
+      </p:ext>
+    </p:extLst>
+  </p:cSld>
+  <p:clrMapOvr>
+    <a:masterClrMapping/>
+  </p:clrMapOvr>
+  <p:timing>
+    <p:tnLst>
+      <p:par>
+        <p:cTn xmlns:p14="http://schemas.microsoft.com/office/powerpoint/2010/main" id="1" dur="indefinite" restart="never" nodeType="tmRoot"/>
+      </p:par>
+    </p:tnLst>
+  </p:timing>
+</p:sld>
+</file>
+
+<file path=ppt/slides/slide3.xml><?xml version="1.0" encoding="utf-8"?>
+<p:sld xmlns:a="http://schemas.openxmlformats.org/drawingml/2006/main" xmlns:r="http://schemas.openxmlformats.org/officeDocument/2006/relationships" xmlns:p="http://schemas.openxmlformats.org/presentationml/2006/main">
+  <p:cSld>
+    <p:spTree>
+      <p:nvGrpSpPr>
+        <p:cNvPr id="1" name=""/>
+        <p:cNvGrpSpPr/>
+        <p:nvPr/>
+      </p:nvGrpSpPr>
+      <p:grpSpPr>
+        <a:xfrm>
+          <a:off x="0" y="0"/>
+          <a:ext cx="0" cy="0"/>
+          <a:chOff x="0" y="0"/>
+          <a:chExt cx="0" cy="0"/>
+        </a:xfrm>
+      </p:grpSpPr>
+      <p:sp>
+        <p:nvSpPr>
+          <p:cNvPr id="2" name="Titel 1"/>
+          <p:cNvSpPr>
+            <a:spLocks noGrp="1"/>
+          </p:cNvSpPr>
+          <p:nvPr>
+            <p:ph type="title"/>
+          </p:nvPr>
+        </p:nvSpPr>
+        <p:spPr/>
+        <p:txBody>
+          <a:bodyPr/>
+          <a:lstStyle/>
+          <a:p>
+            <a:r>
+              <a:rPr lang="de-DE" dirty="0" smtClean="0"/>
+              <a:t>Komponenten von HeartRate2Go</a:t>
+            </a:r>
+            <a:endParaRPr lang="de-DE" dirty="0"/>
+          </a:p>
+        </p:txBody>
+      </p:sp>
+      <p:pic>
+        <p:nvPicPr>
+          <p:cNvPr id="2050" name="Picture 2" descr="C:\Users\LMH\Desktop\ablauf.png"/>
+          <p:cNvPicPr>
+            <a:picLocks noChangeAspect="1" noChangeArrowheads="1"/>
+          </p:cNvPicPr>
+          <p:nvPr/>
+        </p:nvPicPr>
+        <p:blipFill>
+          <a:blip r:embed="rId3">
+            <a:extLst>
+              <a:ext uri="{28A0092B-C50C-407E-A947-70E740481C1C}">
+                <a14:useLocalDpi xmlns:a14="http://schemas.microsoft.com/office/drawing/2010/main" val="0"/>
+              </a:ext>
+            </a:extLst>
+          </a:blip>
+          <a:srcRect/>
+          <a:stretch>
+            <a:fillRect/>
+          </a:stretch>
+        </p:blipFill>
+        <p:spPr bwMode="auto">
+          <a:xfrm>
+            <a:off x="0" y="2348880"/>
+            <a:ext cx="8812528" cy="4316856"/>
+          </a:xfrm>
+          <a:prstGeom prst="rect">
+            <a:avLst/>
+          </a:prstGeom>
+          <a:noFill/>
+          <a:extLst>
+            <a:ext uri="{909E8E84-426E-40dd-AFC4-6F175D3DCCD1}">
+              <a14:hiddenFill xmlns:a14="http://schemas.microsoft.com/office/drawing/2010/main">
+                <a:solidFill>
+                  <a:srgbClr val="FFFFFF"/>
+                </a:solidFill>
+              </a14:hiddenFill>
+            </a:ext>
+          </a:extLst>
+        </p:spPr>
+      </p:pic>
+    </p:spTree>
+    <p:extLst>
+      <p:ext uri="{BB962C8B-B14F-4D97-AF65-F5344CB8AC3E}">
+        <p14:creationId xmlns:p14="http://schemas.microsoft.com/office/powerpoint/2010/main" val="3487149943"/>
+      </p:ext>
+    </p:extLst>
+  </p:cSld>
+  <p:clrMapOvr>
+    <a:masterClrMapping/>
+  </p:clrMapOvr>
+  <p:timing>
+    <p:tnLst>
+      <p:par>
+        <p:cTn xmlns:p14="http://schemas.microsoft.com/office/powerpoint/2010/main" id="1" dur="indefinite" restart="never" nodeType="tmRoot"/>
+      </p:par>
+    </p:tnLst>
+  </p:timing>
+</p:sld>
+</file>
+
+<file path=ppt/slides/slide4.xml><?xml version="1.0" encoding="utf-8"?>
+<p:sld xmlns:a="http://schemas.openxmlformats.org/drawingml/2006/main" xmlns:r="http://schemas.openxmlformats.org/officeDocument/2006/relationships" xmlns:p="http://schemas.openxmlformats.org/presentationml/2006/main">
+  <p:cSld>
+    <p:spTree>
+      <p:nvGrpSpPr>
+        <p:cNvPr id="1" name=""/>
+        <p:cNvGrpSpPr/>
+        <p:nvPr/>
+      </p:nvGrpSpPr>
+      <p:grpSpPr>
+        <a:xfrm>
+          <a:off x="0" y="0"/>
+          <a:ext cx="0" cy="0"/>
+          <a:chOff x="0" y="0"/>
+          <a:chExt cx="0" cy="0"/>
+        </a:xfrm>
+      </p:grpSpPr>
+      <p:sp>
+        <p:nvSpPr>
+          <p:cNvPr id="2" name="Titel 1"/>
+          <p:cNvSpPr>
+            <a:spLocks noGrp="1"/>
+          </p:cNvSpPr>
+          <p:nvPr>
+            <p:ph type="title"/>
+          </p:nvPr>
+        </p:nvSpPr>
+        <p:spPr/>
+        <p:txBody>
+          <a:bodyPr>
+            <a:normAutofit/>
+          </a:bodyPr>
+          <a:lstStyle/>
+          <a:p>
+            <a:r>
+              <a:rPr lang="de-DE" dirty="0" err="1" smtClean="0"/>
+              <a:t>Smartwatch</a:t>
+            </a:r>
+            <a:endParaRPr lang="de-DE" dirty="0"/>
+          </a:p>
+        </p:txBody>
+      </p:sp>
+      <p:sp>
+        <p:nvSpPr>
+          <p:cNvPr id="3" name="Inhaltsplatzhalter 2"/>
+          <p:cNvSpPr>
+            <a:spLocks noGrp="1"/>
+          </p:cNvSpPr>
+          <p:nvPr>
+            <p:ph sz="half" idx="1"/>
+          </p:nvPr>
+        </p:nvSpPr>
+        <p:spPr>
+          <a:xfrm>
+            <a:off x="457200" y="2249424"/>
+            <a:ext cx="5915000" cy="4525963"/>
+          </a:xfrm>
+        </p:spPr>
+        <p:txBody>
+          <a:bodyPr>
+            <a:normAutofit fontScale="70000" lnSpcReduction="20000"/>
+          </a:bodyPr>
+          <a:lstStyle/>
+          <a:p>
+            <a:r>
+              <a:rPr lang="de-DE" sz="2600" dirty="0"/>
+              <a:t>Zugriff auf Sensoren (Puls und Schrittzähler)</a:t>
+            </a:r>
+          </a:p>
+          <a:p>
+            <a:pPr marL="109728" indent="0">
+              <a:buNone/>
+            </a:pPr>
+            <a:endParaRPr lang="de-DE" sz="2600" dirty="0"/>
+          </a:p>
+          <a:p>
+            <a:r>
+              <a:rPr lang="de-DE" sz="2600" dirty="0"/>
+              <a:t> Konfiguration über Smartphone</a:t>
+            </a:r>
+          </a:p>
+          <a:p>
+            <a:pPr lvl="1"/>
+            <a:r>
+              <a:rPr lang="de-DE" sz="2200" dirty="0">
+                <a:solidFill>
+                  <a:schemeClr val="tx1"/>
+                </a:solidFill>
+              </a:rPr>
+              <a:t>regelmäßige Vibration zur  Erinnerung</a:t>
+            </a:r>
+          </a:p>
+          <a:p>
+            <a:pPr lvl="1"/>
+            <a:r>
+              <a:rPr lang="de-DE" sz="2200" dirty="0">
+                <a:solidFill>
+                  <a:schemeClr val="tx1"/>
+                </a:solidFill>
+              </a:rPr>
+              <a:t>Bildschirm angeschaltet lassen</a:t>
+            </a:r>
+          </a:p>
+          <a:p>
+            <a:pPr lvl="1"/>
+            <a:r>
+              <a:rPr lang="de-DE" sz="2200" dirty="0">
+                <a:solidFill>
+                  <a:schemeClr val="tx1"/>
+                </a:solidFill>
+              </a:rPr>
+              <a:t>Messungsintervall</a:t>
+            </a:r>
+          </a:p>
+          <a:p>
+            <a:endParaRPr lang="de-DE" sz="2600" dirty="0"/>
+          </a:p>
+          <a:p>
+            <a:r>
+              <a:rPr lang="de-DE" sz="2600" dirty="0"/>
+              <a:t>Angabe von Messungstyp (Aktivitäts- oder Ruhemessung)</a:t>
+            </a:r>
+          </a:p>
+          <a:p>
+            <a:endParaRPr lang="de-DE" sz="2600" dirty="0"/>
+          </a:p>
+          <a:p>
+            <a:r>
+              <a:rPr lang="de-DE" sz="2600" dirty="0"/>
+              <a:t>Aktivitätsmessung: kontinuierliche Aufzeichnung von Zeit, Puls und Schrittanzahl</a:t>
+            </a:r>
+          </a:p>
+          <a:p>
+            <a:pPr marL="109728" indent="0">
+              <a:buNone/>
+            </a:pPr>
+            <a:r>
+              <a:rPr lang="de-DE" sz="2600" dirty="0"/>
+              <a:t>		</a:t>
+            </a:r>
+          </a:p>
+          <a:p>
+            <a:r>
+              <a:rPr lang="de-DE" sz="2600" dirty="0"/>
+              <a:t>Ruhemessung: Messung über 60 Sekunden und Bildung des Modal-Wertes</a:t>
+            </a:r>
+          </a:p>
+          <a:p>
+            <a:endParaRPr lang="de-DE" sz="2600" dirty="0"/>
+          </a:p>
+          <a:p>
+            <a:r>
+              <a:rPr lang="de-DE" sz="2600" dirty="0"/>
+              <a:t>Abfrage der Stimmung zur späteren Auswertung</a:t>
+            </a:r>
+          </a:p>
+          <a:p>
+            <a:pPr marL="109728" indent="0">
+              <a:buNone/>
+            </a:pPr>
+            <a:endParaRPr lang="de-DE" dirty="0"/>
+          </a:p>
+        </p:txBody>
+      </p:sp>
+      <p:pic>
+        <p:nvPicPr>
+          <p:cNvPr id="3075" name="Picture 3" descr="C:\Users\LMH\Desktop\aktivitaet.png"/>
+          <p:cNvPicPr>
+            <a:picLocks noChangeAspect="1" noChangeArrowheads="1"/>
+          </p:cNvPicPr>
+          <p:nvPr/>
+        </p:nvPicPr>
+        <p:blipFill>
+          <a:blip r:embed="rId3">
+            <a:extLst>
+              <a:ext uri="{28A0092B-C50C-407E-A947-70E740481C1C}">
+                <a14:useLocalDpi xmlns:a14="http://schemas.microsoft.com/office/drawing/2010/main" val="0"/>
+              </a:ext>
+            </a:extLst>
+          </a:blip>
+          <a:srcRect/>
+          <a:stretch>
+            <a:fillRect/>
+          </a:stretch>
+        </p:blipFill>
+        <p:spPr bwMode="auto">
+          <a:xfrm>
+            <a:off x="6660232" y="832912"/>
+            <a:ext cx="1746548" cy="5852547"/>
+          </a:xfrm>
+          <a:prstGeom prst="rect">
+            <a:avLst/>
+          </a:prstGeom>
+          <a:noFill/>
+          <a:extLst>
+            <a:ext uri="{909E8E84-426E-40dd-AFC4-6F175D3DCCD1}">
+              <a14:hiddenFill xmlns:a14="http://schemas.microsoft.com/office/drawing/2010/main">
+                <a:solidFill>
+                  <a:srgbClr val="FFFFFF"/>
+                </a:solidFill>
+              </a14:hiddenFill>
+            </a:ext>
+          </a:extLst>
+        </p:spPr>
+      </p:pic>
+    </p:spTree>
+    <p:extLst>
+      <p:ext uri="{BB962C8B-B14F-4D97-AF65-F5344CB8AC3E}">
+        <p14:creationId xmlns:p14="http://schemas.microsoft.com/office/powerpoint/2010/main" val="1224773040"/>
+      </p:ext>
+    </p:extLst>
+  </p:cSld>
+  <p:clrMapOvr>
+    <a:masterClrMapping/>
+  </p:clrMapOvr>
+  <p:timing>
+    <p:tnLst>
+      <p:par>
+        <p:cTn xmlns:p14="http://schemas.microsoft.com/office/powerpoint/2010/main" id="1" dur="indefinite" restart="never" nodeType="tmRoot"/>
+      </p:par>
+    </p:tnLst>
+  </p:timing>
+</p:sld>
+</file>
+
+<file path=ppt/slides/slide5.xml><?xml version="1.0" encoding="utf-8"?>
+<p:sld xmlns:a="http://schemas.openxmlformats.org/drawingml/2006/main" xmlns:r="http://schemas.openxmlformats.org/officeDocument/2006/relationships" xmlns:p="http://schemas.openxmlformats.org/presentationml/2006/main">
+  <p:cSld>
+    <p:spTree>
+      <p:nvGrpSpPr>
+        <p:cNvPr id="1" name=""/>
+        <p:cNvGrpSpPr/>
+        <p:nvPr/>
+      </p:nvGrpSpPr>
+      <p:grpSpPr>
+        <a:xfrm>
+          <a:off x="0" y="0"/>
+          <a:ext cx="0" cy="0"/>
+          <a:chOff x="0" y="0"/>
+          <a:chExt cx="0" cy="0"/>
+        </a:xfrm>
+      </p:grpSpPr>
+      <p:sp>
+        <p:nvSpPr>
+          <p:cNvPr id="2" name="Titel 1"/>
+          <p:cNvSpPr>
+            <a:spLocks noGrp="1"/>
+          </p:cNvSpPr>
+          <p:nvPr>
+            <p:ph type="title"/>
+          </p:nvPr>
+        </p:nvSpPr>
+        <p:spPr/>
+        <p:txBody>
+          <a:bodyPr/>
+          <a:lstStyle/>
+          <a:p>
+            <a:r>
+              <a:rPr lang="de-DE" dirty="0" smtClean="0"/>
+              <a:t>Smartphone</a:t>
+            </a:r>
+            <a:endParaRPr lang="de-DE" dirty="0"/>
+          </a:p>
+        </p:txBody>
+      </p:sp>
+      <p:sp>
+        <p:nvSpPr>
+          <p:cNvPr id="4" name="Inhaltsplatzhalter 3"/>
+          <p:cNvSpPr>
+            <a:spLocks noGrp="1"/>
+          </p:cNvSpPr>
+          <p:nvPr>
+            <p:ph sz="half" idx="2"/>
+          </p:nvPr>
+        </p:nvSpPr>
+        <p:spPr>
+          <a:xfrm>
+            <a:off x="3040703" y="2276872"/>
+            <a:ext cx="5646097" cy="4498515"/>
+          </a:xfrm>
+        </p:spPr>
+        <p:txBody>
+          <a:bodyPr>
+            <a:normAutofit lnSpcReduction="10000"/>
+          </a:bodyPr>
+          <a:lstStyle/>
+          <a:p>
+            <a:r>
+              <a:rPr lang="de-DE" dirty="0"/>
+              <a:t>Kommunikation über </a:t>
+            </a:r>
+            <a:r>
+              <a:rPr lang="de-DE" dirty="0" err="1"/>
+              <a:t>Wearable</a:t>
+            </a:r>
+            <a:r>
+              <a:rPr lang="de-DE" dirty="0"/>
+              <a:t>-Bluetooth-API</a:t>
+            </a:r>
+          </a:p>
+          <a:p>
+            <a:endParaRPr lang="de-DE" dirty="0"/>
+          </a:p>
+          <a:p>
+            <a:r>
+              <a:rPr lang="de-DE" dirty="0"/>
+              <a:t>Background-Service zum Empfangen und Senden von Daten</a:t>
+            </a:r>
+          </a:p>
+          <a:p>
+            <a:endParaRPr lang="de-DE" dirty="0"/>
+          </a:p>
+          <a:p>
+            <a:r>
+              <a:rPr lang="de-DE" dirty="0"/>
+              <a:t>Anzeige von Puls-Diagrammen über Library "</a:t>
+            </a:r>
+            <a:r>
+              <a:rPr lang="de-DE" dirty="0" err="1"/>
+              <a:t>GraphView</a:t>
+            </a:r>
+            <a:r>
+              <a:rPr lang="de-DE" dirty="0"/>
+              <a:t>"</a:t>
+            </a:r>
+          </a:p>
+          <a:p>
+            <a:endParaRPr lang="de-DE" dirty="0"/>
+          </a:p>
+          <a:p>
+            <a:r>
+              <a:rPr lang="de-DE" dirty="0"/>
+              <a:t>Persistente Speicherung der Daten und Auswahl über Dropdown</a:t>
+            </a:r>
+          </a:p>
+          <a:p>
+            <a:endParaRPr lang="de-DE" dirty="0"/>
+          </a:p>
+          <a:p>
+            <a:r>
+              <a:rPr lang="de-DE" dirty="0" err="1"/>
+              <a:t>Debug</a:t>
+            </a:r>
+            <a:r>
+              <a:rPr lang="de-DE" dirty="0"/>
+              <a:t>-Modus zur Erzeugung von zufälligen Daten</a:t>
+            </a:r>
+          </a:p>
+          <a:p>
+            <a:endParaRPr lang="de-DE" dirty="0"/>
+          </a:p>
+        </p:txBody>
+      </p:sp>
+      <p:pic>
+        <p:nvPicPr>
+          <p:cNvPr id="4098" name="Picture 2" descr="C:\Users\LMH\Desktop\4986.jpg"/>
+          <p:cNvPicPr>
+            <a:picLocks noChangeAspect="1" noChangeArrowheads="1"/>
+          </p:cNvPicPr>
+          <p:nvPr/>
+        </p:nvPicPr>
+        <p:blipFill>
+          <a:blip r:embed="rId2">
+            <a:extLst>
+              <a:ext uri="{28A0092B-C50C-407E-A947-70E740481C1C}">
+                <a14:useLocalDpi xmlns:a14="http://schemas.microsoft.com/office/drawing/2010/main" val="0"/>
+              </a:ext>
+            </a:extLst>
+          </a:blip>
+          <a:srcRect/>
+          <a:stretch>
+            <a:fillRect/>
+          </a:stretch>
+        </p:blipFill>
+        <p:spPr bwMode="auto">
+          <a:xfrm>
+            <a:off x="539552" y="2276872"/>
+            <a:ext cx="2501151" cy="4446490"/>
+          </a:xfrm>
+          <a:prstGeom prst="rect">
+            <a:avLst/>
+          </a:prstGeom>
+          <a:noFill/>
+          <a:extLst>
+            <a:ext uri="{909E8E84-426E-40dd-AFC4-6F175D3DCCD1}">
+              <a14:hiddenFill xmlns:a14="http://schemas.microsoft.com/office/drawing/2010/main">
+                <a:solidFill>
+                  <a:srgbClr val="FFFFFF"/>
+                </a:solidFill>
+              </a14:hiddenFill>
+            </a:ext>
+          </a:extLst>
+        </p:spPr>
+      </p:pic>
+    </p:spTree>
+    <p:extLst>
+      <p:ext uri="{BB962C8B-B14F-4D97-AF65-F5344CB8AC3E}">
+        <p14:creationId xmlns:p14="http://schemas.microsoft.com/office/powerpoint/2010/main" val="952660724"/>
+      </p:ext>
+    </p:extLst>
+  </p:cSld>
+  <p:clrMapOvr>
+    <a:masterClrMapping/>
+  </p:clrMapOvr>
+  <p:timing>
+    <p:tnLst>
+      <p:par>
+        <p:cTn xmlns:p14="http://schemas.microsoft.com/office/powerpoint/2010/main" id="1" dur="indefinite" restart="never" nodeType="tmRoot"/>
+      </p:par>
+    </p:tnLst>
+  </p:timing>
+</p:sld>
+</file>
+
+<file path=ppt/slides/slide6.xml><?xml version="1.0" encoding="utf-8"?>
+<p:sld xmlns:a="http://schemas.openxmlformats.org/drawingml/2006/main" xmlns:r="http://schemas.openxmlformats.org/officeDocument/2006/relationships" xmlns:p="http://schemas.openxmlformats.org/presentationml/2006/main">
+  <p:cSld>
+    <p:spTree>
+      <p:nvGrpSpPr>
+        <p:cNvPr id="1" name=""/>
+        <p:cNvGrpSpPr/>
+        <p:nvPr/>
+      </p:nvGrpSpPr>
+      <p:grpSpPr>
+        <a:xfrm>
+          <a:off x="0" y="0"/>
+          <a:ext cx="0" cy="0"/>
+          <a:chOff x="0" y="0"/>
+          <a:chExt cx="0" cy="0"/>
+        </a:xfrm>
+      </p:grpSpPr>
+      <p:sp>
+        <p:nvSpPr>
+          <p:cNvPr id="2" name="Titel 1"/>
+          <p:cNvSpPr>
+            <a:spLocks noGrp="1"/>
+          </p:cNvSpPr>
+          <p:nvPr>
+            <p:ph type="title"/>
+          </p:nvPr>
+        </p:nvSpPr>
+        <p:spPr>
+          <a:xfrm>
+            <a:off x="467544" y="692696"/>
+            <a:ext cx="8229600" cy="1066800"/>
+          </a:xfrm>
+        </p:spPr>
+        <p:txBody>
+          <a:bodyPr/>
+          <a:lstStyle/>
+          <a:p>
+            <a:r>
+              <a:rPr lang="de-DE" dirty="0" smtClean="0"/>
+              <a:t>Desktop-Anwendung</a:t>
+            </a:r>
+            <a:endParaRPr lang="de-DE" dirty="0"/>
+          </a:p>
+        </p:txBody>
+      </p:sp>
+      <p:sp>
+        <p:nvSpPr>
+          <p:cNvPr id="4" name="Inhaltsplatzhalter 3"/>
+          <p:cNvSpPr>
+            <a:spLocks noGrp="1"/>
+          </p:cNvSpPr>
+          <p:nvPr>
+            <p:ph sz="half" idx="2"/>
+          </p:nvPr>
+        </p:nvSpPr>
+        <p:spPr>
+          <a:xfrm>
+            <a:off x="4644008" y="1772816"/>
+            <a:ext cx="4316288" cy="4858555"/>
+          </a:xfrm>
+        </p:spPr>
+        <p:txBody>
+          <a:bodyPr>
+            <a:noAutofit/>
+          </a:bodyPr>
+          <a:lstStyle/>
+          <a:p>
+            <a:pPr>
+              <a:lnSpc>
+                <a:spcPct val="150000"/>
+              </a:lnSpc>
+            </a:pPr>
+            <a:r>
+              <a:rPr lang="de-DE" sz="1800" dirty="0"/>
+              <a:t>Kommunikation mit </a:t>
+            </a:r>
+            <a:r>
+              <a:rPr lang="de-DE" sz="1800" dirty="0" smtClean="0"/>
+              <a:t>Smartphone</a:t>
+            </a:r>
+          </a:p>
+          <a:p>
+            <a:pPr>
+              <a:lnSpc>
+                <a:spcPct val="150000"/>
+              </a:lnSpc>
+            </a:pPr>
+            <a:r>
+              <a:rPr lang="de-DE" sz="1800" dirty="0" smtClean="0"/>
+              <a:t>Plattformunabhängig</a:t>
+            </a:r>
+            <a:endParaRPr lang="de-DE" sz="1800" dirty="0"/>
+          </a:p>
+          <a:p>
+            <a:pPr>
+              <a:lnSpc>
+                <a:spcPct val="150000"/>
+              </a:lnSpc>
+            </a:pPr>
+            <a:r>
+              <a:rPr lang="de-DE" sz="1800" dirty="0"/>
+              <a:t>Speicherung der </a:t>
+            </a:r>
+            <a:r>
+              <a:rPr lang="de-DE" sz="1800" dirty="0" smtClean="0"/>
+              <a:t>Daten</a:t>
+            </a:r>
+            <a:endParaRPr lang="de-DE" sz="1800" dirty="0" smtClean="0"/>
+          </a:p>
+          <a:p>
+            <a:pPr>
+              <a:lnSpc>
+                <a:spcPct val="150000"/>
+              </a:lnSpc>
+            </a:pPr>
+            <a:r>
+              <a:rPr lang="de-DE" sz="1800" dirty="0"/>
+              <a:t>Unterscheidung zwischen Ruhe- und </a:t>
+            </a:r>
+            <a:r>
+              <a:rPr lang="de-DE" sz="1800" dirty="0" smtClean="0"/>
+              <a:t>Aktivitätsmessung</a:t>
+            </a:r>
+            <a:endParaRPr lang="de-DE" sz="1800" dirty="0"/>
+          </a:p>
+          <a:p>
+            <a:pPr>
+              <a:lnSpc>
+                <a:spcPct val="150000"/>
+              </a:lnSpc>
+            </a:pPr>
+            <a:r>
+              <a:rPr lang="de-DE" sz="1800" dirty="0" smtClean="0"/>
+              <a:t>Graphische Darstellung der Messwerte </a:t>
+            </a:r>
+            <a:endParaRPr lang="de-DE" sz="1800" dirty="0"/>
+          </a:p>
+          <a:p>
+            <a:pPr>
+              <a:lnSpc>
+                <a:spcPct val="150000"/>
+              </a:lnSpc>
+            </a:pPr>
+            <a:r>
+              <a:rPr lang="de-DE" sz="1800" dirty="0" smtClean="0"/>
+              <a:t>Darstellung </a:t>
+            </a:r>
+            <a:r>
+              <a:rPr lang="de-DE" sz="1800" dirty="0"/>
+              <a:t>in tabellarischer </a:t>
+            </a:r>
+            <a:r>
+              <a:rPr lang="de-DE" sz="1800" dirty="0" smtClean="0"/>
+              <a:t>Form</a:t>
+            </a:r>
+            <a:endParaRPr lang="de-DE" sz="1800" dirty="0" smtClean="0"/>
+          </a:p>
+          <a:p>
+            <a:pPr>
+              <a:lnSpc>
+                <a:spcPct val="150000"/>
+              </a:lnSpc>
+            </a:pPr>
+            <a:r>
+              <a:rPr lang="de-DE" sz="1800" dirty="0" smtClean="0"/>
+              <a:t>Selektierung nach </a:t>
+            </a:r>
+            <a:r>
+              <a:rPr lang="de-DE" sz="1800" dirty="0" smtClean="0"/>
+              <a:t>Datum</a:t>
+            </a:r>
+            <a:endParaRPr lang="de-DE" sz="1800" dirty="0" smtClean="0"/>
+          </a:p>
+          <a:p>
+            <a:pPr>
+              <a:lnSpc>
+                <a:spcPct val="150000"/>
+              </a:lnSpc>
+            </a:pPr>
+            <a:r>
+              <a:rPr lang="de-DE" sz="1800" dirty="0" smtClean="0"/>
+              <a:t>Druckfunktion</a:t>
+            </a:r>
+            <a:endParaRPr lang="de-DE" sz="1800" dirty="0" smtClean="0"/>
+          </a:p>
+          <a:p>
+            <a:pPr>
+              <a:lnSpc>
+                <a:spcPct val="150000"/>
+              </a:lnSpc>
+            </a:pPr>
+            <a:r>
+              <a:rPr lang="de-DE" sz="1800" dirty="0" smtClean="0"/>
+              <a:t>Mehrsprachigkeit</a:t>
+            </a:r>
+            <a:endParaRPr lang="de-DE" sz="1800" dirty="0" smtClean="0"/>
+          </a:p>
+        </p:txBody>
+      </p:sp>
+      <p:pic>
+        <p:nvPicPr>
+          <p:cNvPr id="5122" name="Picture 2" descr="C:\Users\LMH\Desktop\Bildschirmfoto.png"/>
+          <p:cNvPicPr>
+            <a:picLocks noChangeAspect="1" noChangeArrowheads="1"/>
+          </p:cNvPicPr>
+          <p:nvPr/>
+        </p:nvPicPr>
+        <p:blipFill>
+          <a:blip r:embed="rId2" cstate="print">
+            <a:extLst>
+              <a:ext uri="{28A0092B-C50C-407E-A947-70E740481C1C}">
+                <a14:useLocalDpi xmlns:a14="http://schemas.microsoft.com/office/drawing/2010/main" val="0"/>
+              </a:ext>
+            </a:extLst>
+          </a:blip>
+          <a:srcRect/>
+          <a:stretch>
+            <a:fillRect/>
+          </a:stretch>
+        </p:blipFill>
+        <p:spPr bwMode="auto">
+          <a:xfrm>
+            <a:off x="251520" y="1700808"/>
+            <a:ext cx="4248472" cy="2478785"/>
+          </a:xfrm>
+          <a:prstGeom prst="rect">
+            <a:avLst/>
+          </a:prstGeom>
+          <a:noFill/>
+          <a:extLst>
+            <a:ext uri="{909E8E84-426E-40dd-AFC4-6F175D3DCCD1}">
+              <a14:hiddenFill xmlns:a14="http://schemas.microsoft.com/office/drawing/2010/main">
+                <a:solidFill>
+                  <a:srgbClr val="FFFFFF"/>
+                </a:solidFill>
+              </a14:hiddenFill>
+            </a:ext>
+          </a:extLst>
+        </p:spPr>
+      </p:pic>
+      <p:pic>
+        <p:nvPicPr>
+          <p:cNvPr id="3" name="Bild 2" descr="Bildschirmfoto 2015-01-02 um 21.55.50.png"/>
+          <p:cNvPicPr>
+            <a:picLocks noChangeAspect="1"/>
+          </p:cNvPicPr>
+          <p:nvPr/>
+        </p:nvPicPr>
+        <p:blipFill>
+          <a:blip r:embed="rId3">
+            <a:extLst>
+              <a:ext uri="{28A0092B-C50C-407E-A947-70E740481C1C}">
+                <a14:useLocalDpi xmlns:a14="http://schemas.microsoft.com/office/drawing/2010/main" val="0"/>
+              </a:ext>
+            </a:extLst>
+          </a:blip>
+          <a:stretch>
+            <a:fillRect/>
+          </a:stretch>
+        </p:blipFill>
+        <p:spPr>
+          <a:xfrm>
+            <a:off x="251520" y="4293096"/>
+            <a:ext cx="4248472" cy="2448272"/>
+          </a:xfrm>
+          <a:prstGeom prst="rect">
+            <a:avLst/>
+          </a:prstGeom>
+        </p:spPr>
+      </p:pic>
+    </p:spTree>
+    <p:extLst>
+      <p:ext uri="{BB962C8B-B14F-4D97-AF65-F5344CB8AC3E}">
+        <p14:creationId xmlns:p14="http://schemas.microsoft.com/office/powerpoint/2010/main" val="2841675769"/>
+      </p:ext>
+    </p:extLst>
+  </p:cSld>
+  <p:clrMapOvr>
+    <a:masterClrMapping/>
+  </p:clrMapOvr>
+  <p:timing>
+    <p:tnLst>
+      <p:par>
+        <p:cTn xmlns:p14="http://schemas.microsoft.com/office/powerpoint/2010/main" id="1" dur="indefinite" restart="never" nodeType="tmRoot"/>
+      </p:par>
+    </p:tnLst>
+  </p:timing>
+</p:sld>
+</file>
+
+<file path=ppt/slides/slide7.xml><?xml version="1.0" encoding="utf-8"?>
+<p:sld xmlns:a="http://schemas.openxmlformats.org/drawingml/2006/main" xmlns:r="http://schemas.openxmlformats.org/officeDocument/2006/relationships" xmlns:p="http://schemas.openxmlformats.org/presentationml/2006/main">
+  <p:cSld>
+    <p:spTree>
+      <p:nvGrpSpPr>
+        <p:cNvPr id="1" name=""/>
+        <p:cNvGrpSpPr/>
+        <p:nvPr/>
+      </p:nvGrpSpPr>
+      <p:grpSpPr>
+        <a:xfrm>
+          <a:off x="0" y="0"/>
+          <a:ext cx="0" cy="0"/>
+          <a:chOff x="0" y="0"/>
+          <a:chExt cx="0" cy="0"/>
+        </a:xfrm>
+      </p:grpSpPr>
+      <p:sp>
+        <p:nvSpPr>
+          <p:cNvPr id="2" name="Titel 1"/>
+          <p:cNvSpPr>
+            <a:spLocks noGrp="1"/>
+          </p:cNvSpPr>
+          <p:nvPr>
+            <p:ph type="title"/>
+          </p:nvPr>
+        </p:nvSpPr>
+        <p:spPr>
+          <a:xfrm>
+            <a:off x="611560" y="836712"/>
+            <a:ext cx="8229600" cy="1066800"/>
+          </a:xfrm>
+        </p:spPr>
+        <p:txBody>
+          <a:bodyPr/>
+          <a:lstStyle/>
+          <a:p>
+            <a:r>
+              <a:rPr lang="de-DE" dirty="0" smtClean="0"/>
+              <a:t>Architektur Desktop-Anwendung</a:t>
+            </a:r>
+            <a:endParaRPr lang="de-DE" dirty="0"/>
+          </a:p>
+        </p:txBody>
+      </p:sp>
+      <p:pic>
+        <p:nvPicPr>
+          <p:cNvPr id="5" name="Bild 4"/>
+          <p:cNvPicPr/>
+          <p:nvPr/>
+        </p:nvPicPr>
+        <p:blipFill>
+          <a:blip r:embed="rId2">
+            <a:extLst>
+              <a:ext uri="{28A0092B-C50C-407E-A947-70E740481C1C}">
+                <a14:useLocalDpi xmlns:a14="http://schemas.microsoft.com/office/drawing/2010/main" val="0"/>
+              </a:ext>
+            </a:extLst>
+          </a:blip>
+          <a:stretch>
+            <a:fillRect/>
+          </a:stretch>
+        </p:blipFill>
+        <p:spPr>
+          <a:xfrm>
+            <a:off x="539552" y="2132856"/>
+            <a:ext cx="4320480" cy="4320480"/>
+          </a:xfrm>
+          <a:prstGeom prst="rect">
+            <a:avLst/>
+          </a:prstGeom>
+          <a:extLst>
+            <a:ext uri="{FAA26D3D-D897-4be2-8F04-BA451C77F1D7}">
+              <ma14:placeholderFlag xmlns:ma14="http://schemas.microsoft.com/office/mac/drawingml/2011/main"/>
+            </a:ext>
+          </a:extLst>
+        </p:spPr>
+      </p:pic>
+      <p:sp>
+        <p:nvSpPr>
+          <p:cNvPr id="9" name="Inhaltsplatzhalter 8"/>
+          <p:cNvSpPr>
+            <a:spLocks noGrp="1"/>
+          </p:cNvSpPr>
+          <p:nvPr>
+            <p:ph sz="half" idx="2"/>
+          </p:nvPr>
+        </p:nvSpPr>
+        <p:spPr>
+          <a:xfrm>
+            <a:off x="5292080" y="1916832"/>
+            <a:ext cx="3678560" cy="4536503"/>
+          </a:xfrm>
+        </p:spPr>
+        <p:txBody>
+          <a:bodyPr>
+            <a:noAutofit/>
+          </a:bodyPr>
+          <a:lstStyle/>
+          <a:p>
+            <a:pPr>
+              <a:lnSpc>
+                <a:spcPct val="150000"/>
+              </a:lnSpc>
+            </a:pPr>
+            <a:r>
+              <a:rPr lang="de-DE" sz="2200" dirty="0" smtClean="0">
+                <a:solidFill>
+                  <a:srgbClr val="000000"/>
+                </a:solidFill>
+              </a:rPr>
+              <a:t>Model/View Konzept</a:t>
+            </a:r>
+          </a:p>
+          <a:p>
+            <a:pPr>
+              <a:lnSpc>
+                <a:spcPct val="150000"/>
+              </a:lnSpc>
+            </a:pPr>
+            <a:r>
+              <a:rPr lang="de-DE" sz="2200" dirty="0" smtClean="0">
+                <a:solidFill>
+                  <a:srgbClr val="000000"/>
+                </a:solidFill>
+              </a:rPr>
+              <a:t>View</a:t>
+            </a:r>
+          </a:p>
+          <a:p>
+            <a:pPr lvl="1">
+              <a:lnSpc>
+                <a:spcPct val="150000"/>
+              </a:lnSpc>
+            </a:pPr>
+            <a:r>
+              <a:rPr lang="de-DE" sz="2200" dirty="0" smtClean="0">
+                <a:solidFill>
+                  <a:srgbClr val="000000"/>
+                </a:solidFill>
+              </a:rPr>
+              <a:t>QML</a:t>
+            </a:r>
+          </a:p>
+          <a:p>
+            <a:pPr lvl="1">
+              <a:lnSpc>
+                <a:spcPct val="150000"/>
+              </a:lnSpc>
+            </a:pPr>
+            <a:r>
+              <a:rPr lang="de-DE" sz="2200" dirty="0" err="1" smtClean="0">
+                <a:solidFill>
+                  <a:srgbClr val="000000"/>
+                </a:solidFill>
+              </a:rPr>
+              <a:t>QCostumPlot</a:t>
+            </a:r>
+            <a:endParaRPr lang="de-DE" sz="2200" dirty="0" smtClean="0">
+              <a:solidFill>
+                <a:srgbClr val="000000"/>
+              </a:solidFill>
+            </a:endParaRPr>
+          </a:p>
+          <a:p>
+            <a:pPr>
+              <a:lnSpc>
+                <a:spcPct val="150000"/>
+              </a:lnSpc>
+            </a:pPr>
+            <a:r>
+              <a:rPr lang="de-DE" sz="2200" dirty="0" smtClean="0">
+                <a:solidFill>
+                  <a:srgbClr val="000000"/>
+                </a:solidFill>
+              </a:rPr>
+              <a:t>Model</a:t>
+            </a:r>
+          </a:p>
+          <a:p>
+            <a:pPr lvl="1">
+              <a:lnSpc>
+                <a:spcPct val="150000"/>
+              </a:lnSpc>
+            </a:pPr>
+            <a:r>
+              <a:rPr lang="de-DE" sz="2200" dirty="0" err="1" smtClean="0">
+                <a:solidFill>
+                  <a:srgbClr val="000000"/>
+                </a:solidFill>
+              </a:rPr>
+              <a:t>QAbstractListModel</a:t>
+            </a:r>
+            <a:endParaRPr lang="de-DE" sz="2200" dirty="0" smtClean="0">
+              <a:solidFill>
+                <a:srgbClr val="000000"/>
+              </a:solidFill>
+            </a:endParaRPr>
+          </a:p>
+          <a:p>
+            <a:pPr>
+              <a:lnSpc>
+                <a:spcPct val="150000"/>
+              </a:lnSpc>
+            </a:pPr>
+            <a:r>
+              <a:rPr lang="de-DE" sz="2200" dirty="0" smtClean="0">
+                <a:solidFill>
+                  <a:srgbClr val="000000"/>
+                </a:solidFill>
+              </a:rPr>
+              <a:t>Data</a:t>
+            </a:r>
+          </a:p>
+          <a:p>
+            <a:pPr lvl="1">
+              <a:lnSpc>
+                <a:spcPct val="150000"/>
+              </a:lnSpc>
+            </a:pPr>
+            <a:r>
+              <a:rPr lang="de-DE" sz="2200" dirty="0" err="1" smtClean="0">
+                <a:solidFill>
+                  <a:srgbClr val="000000"/>
+                </a:solidFill>
+              </a:rPr>
+              <a:t>SQLite</a:t>
+            </a:r>
+            <a:r>
+              <a:rPr lang="de-DE" sz="2200" dirty="0" smtClean="0">
+                <a:solidFill>
+                  <a:srgbClr val="000000"/>
+                </a:solidFill>
+              </a:rPr>
+              <a:t> Datenbank</a:t>
+            </a:r>
+          </a:p>
+        </p:txBody>
+      </p:sp>
+    </p:spTree>
+    <p:extLst>
+      <p:ext uri="{BB962C8B-B14F-4D97-AF65-F5344CB8AC3E}">
+        <p14:creationId xmlns:p14="http://schemas.microsoft.com/office/powerpoint/2010/main" val="2662809403"/>
+      </p:ext>
+    </p:extLst>
+  </p:cSld>
+  <p:clrMapOvr>
+    <a:masterClrMapping/>
+  </p:clrMapOvr>
+  <p:timing>
+    <p:tnLst>
+      <p:par>
+        <p:cTn xmlns:p14="http://schemas.microsoft.com/office/powerpoint/2010/main" id="1" dur="indefinite" restart="never" nodeType="tmRoot"/>
+      </p:par>
+    </p:tnLst>
+  </p:timing>
+</p:sld>
+</file>
+
+<file path=ppt/slides/slide8.xml><?xml version="1.0" encoding="utf-8"?>
+<p:sld xmlns:a="http://schemas.openxmlformats.org/drawingml/2006/main" xmlns:r="http://schemas.openxmlformats.org/officeDocument/2006/relationships" xmlns:p="http://schemas.openxmlformats.org/presentationml/2006/main">
+  <p:cSld>
+    <p:spTree>
+      <p:nvGrpSpPr>
+        <p:cNvPr id="1" name=""/>
+        <p:cNvGrpSpPr/>
+        <p:nvPr/>
+      </p:nvGrpSpPr>
+      <p:grpSpPr>
+        <a:xfrm>
+          <a:off x="0" y="0"/>
+          <a:ext cx="0" cy="0"/>
+          <a:chOff x="0" y="0"/>
+          <a:chExt cx="0" cy="0"/>
+        </a:xfrm>
+      </p:grpSpPr>
+      <p:sp>
+        <p:nvSpPr>
+          <p:cNvPr id="6" name="Titel 5"/>
+          <p:cNvSpPr>
+            <a:spLocks noGrp="1"/>
+          </p:cNvSpPr>
+          <p:nvPr>
+            <p:ph type="ctrTitle"/>
+          </p:nvPr>
+        </p:nvSpPr>
+        <p:spPr>
+          <a:xfrm>
+            <a:off x="457200" y="1484783"/>
+            <a:ext cx="8147248" cy="2387129"/>
+          </a:xfrm>
+        </p:spPr>
+        <p:txBody>
+          <a:bodyPr>
+            <a:normAutofit fontScale="90000"/>
+          </a:bodyPr>
+          <a:lstStyle/>
+          <a:p>
+            <a:r>
+              <a:rPr lang="de-DE" sz="8800" dirty="0" err="1" smtClean="0">
+                <a:solidFill>
+                  <a:srgbClr val="FF5454"/>
+                </a:solidFill>
+              </a:rPr>
+              <a:t>Livedemo</a:t>
+            </a:r>
+            <a:r>
+              <a:rPr lang="de-DE" sz="8800" dirty="0" smtClean="0">
+                <a:solidFill>
+                  <a:srgbClr val="FF5454"/>
+                </a:solidFill>
+              </a:rPr>
+              <a:t> von HeartRate2Go</a:t>
+            </a:r>
+            <a:endParaRPr lang="de-DE" sz="8800" dirty="0">
+              <a:solidFill>
+                <a:srgbClr val="FF5454"/>
+              </a:solidFill>
+            </a:endParaRPr>
+          </a:p>
+        </p:txBody>
+      </p:sp>
+    </p:spTree>
+    <p:extLst>
+      <p:ext uri="{BB962C8B-B14F-4D97-AF65-F5344CB8AC3E}">
+        <p14:creationId xmlns:p14="http://schemas.microsoft.com/office/powerpoint/2010/main" val="1236177286"/>
+      </p:ext>
+    </p:extLst>
+  </p:cSld>
+  <p:clrMapOvr>
+    <a:masterClrMapping/>
+  </p:clrMapOvr>
+  <p:timing>
+    <p:tnLst>
+      <p:par>
+        <p:cTn xmlns:p14="http://schemas.microsoft.com/office/powerpoint/2010/main" id="1" dur="indefinite" restart="never" nodeType="tmRoot"/>
+      </p:par>
+    </p:tnLst>
+  </p:timing>
+</p:sld>
+</file>
+
+<file path=ppt/slides/slide9.xml><?xml version="1.0" encoding="utf-8"?>
+<p:sld xmlns:a="http://schemas.openxmlformats.org/drawingml/2006/main" xmlns:r="http://schemas.openxmlformats.org/officeDocument/2006/relationships" xmlns:p="http://schemas.openxmlformats.org/presentationml/2006/main">
+  <p:cSld>
+    <p:spTree>
+      <p:nvGrpSpPr>
+        <p:cNvPr id="1" name=""/>
+        <p:cNvGrpSpPr/>
+        <p:nvPr/>
+      </p:nvGrpSpPr>
+      <p:grpSpPr>
+        <a:xfrm>
+          <a:off x="0" y="0"/>
+          <a:ext cx="0" cy="0"/>
+          <a:chOff x="0" y="0"/>
+          <a:chExt cx="0" cy="0"/>
+        </a:xfrm>
+      </p:grpSpPr>
+      <p:sp>
+        <p:nvSpPr>
+          <p:cNvPr id="2" name="Titel 1"/>
+          <p:cNvSpPr>
+            <a:spLocks noGrp="1"/>
+          </p:cNvSpPr>
+          <p:nvPr>
+            <p:ph type="title"/>
+          </p:nvPr>
+        </p:nvSpPr>
+        <p:spPr/>
+        <p:txBody>
+          <a:bodyPr/>
+          <a:lstStyle/>
+          <a:p>
+            <a:r>
+              <a:rPr lang="de-DE" dirty="0" smtClean="0"/>
+              <a:t>Ausblick von HeartRate2Go</a:t>
+            </a:r>
+            <a:endParaRPr lang="de-DE" dirty="0"/>
+          </a:p>
+        </p:txBody>
+      </p:sp>
+      <p:sp>
+        <p:nvSpPr>
+          <p:cNvPr id="3" name="Inhaltsplatzhalter 2"/>
+          <p:cNvSpPr>
+            <a:spLocks noGrp="1"/>
+          </p:cNvSpPr>
+          <p:nvPr>
+            <p:ph idx="1"/>
+          </p:nvPr>
+        </p:nvSpPr>
+        <p:spPr>
+          <a:xfrm>
+            <a:off x="457200" y="3068960"/>
+            <a:ext cx="8229600" cy="3505576"/>
+          </a:xfrm>
+        </p:spPr>
+        <p:txBody>
+          <a:bodyPr/>
+          <a:lstStyle/>
+          <a:p>
+            <a:r>
+              <a:rPr lang="de-DE" dirty="0" smtClean="0"/>
+              <a:t>Benutzerprofile mit Anamneseabfrage</a:t>
+            </a:r>
+          </a:p>
+          <a:p>
+            <a:r>
+              <a:rPr lang="de-DE" dirty="0" smtClean="0"/>
+              <a:t>Erste Einschätzung </a:t>
+            </a:r>
+            <a:r>
+              <a:rPr lang="de-DE" smtClean="0"/>
+              <a:t>der Werte</a:t>
+            </a:r>
+            <a:endParaRPr lang="de-DE" dirty="0" smtClean="0"/>
+          </a:p>
+          <a:p>
+            <a:r>
+              <a:rPr lang="de-DE" dirty="0" smtClean="0"/>
+              <a:t>Markierungen setzen</a:t>
+            </a:r>
+          </a:p>
+          <a:p>
+            <a:r>
+              <a:rPr lang="de-DE" dirty="0" smtClean="0"/>
+              <a:t>Berechnung des Kalorienverbrauchs</a:t>
+            </a:r>
+          </a:p>
+          <a:p>
+            <a:r>
+              <a:rPr lang="de-DE" dirty="0" smtClean="0"/>
+              <a:t>iOS App</a:t>
+            </a:r>
+            <a:endParaRPr lang="de-DE" dirty="0"/>
+          </a:p>
+        </p:txBody>
+      </p:sp>
+    </p:spTree>
+    <p:extLst>
+      <p:ext uri="{BB962C8B-B14F-4D97-AF65-F5344CB8AC3E}">
+        <p14:creationId xmlns:p14="http://schemas.microsoft.com/office/powerpoint/2010/main" val="2640618294"/>
+      </p:ext>
+    </p:extLst>
+  </p:cSld>
+  <p:clrMapOvr>
+    <a:masterClrMapping/>
+  </p:clrMapOvr>
+  <p:timing>
+    <p:tnLst>
+      <p:par>
+        <p:cTn xmlns:p14="http://schemas.microsoft.com/office/powerpoint/2010/main" id="1" dur="indefinite" restart="never" nodeType="tmRoot"/>
       </p:par>
     </p:tnLst>
   </p:timing>

--- a/presentation/Heartrate2go.pptx
+++ b/presentation/Heartrate2go.pptx
@@ -5,7 +5,7 @@
     <p:sldMasterId id="2147483888" r:id="rId1"/>
   </p:sldMasterIdLst>
   <p:notesMasterIdLst>
-    <p:notesMasterId r:id="rId12"/>
+    <p:notesMasterId r:id="rId11"/>
   </p:notesMasterIdLst>
   <p:sldIdLst>
     <p:sldId id="256" r:id="rId2"/>
@@ -14,10 +14,9 @@
     <p:sldId id="263" r:id="rId5"/>
     <p:sldId id="265" r:id="rId6"/>
     <p:sldId id="266" r:id="rId7"/>
-    <p:sldId id="268" r:id="rId8"/>
-    <p:sldId id="267" r:id="rId9"/>
-    <p:sldId id="261" r:id="rId10"/>
-    <p:sldId id="264" r:id="rId11"/>
+    <p:sldId id="267" r:id="rId8"/>
+    <p:sldId id="261" r:id="rId9"/>
+    <p:sldId id="264" r:id="rId10"/>
   </p:sldIdLst>
   <p:sldSz cx="9144000" cy="6858000" type="screen4x3"/>
   <p:notesSz cx="6858000" cy="9144000"/>
@@ -201,7 +200,7 @@
           <a:p>
             <a:fld id="{9D4E43D9-A15A-4C23-81DA-66E1FF993DF5}" type="datetimeFigureOut">
               <a:rPr lang="de-DE" smtClean="0"/>
-              <a:t>03.01.15</a:t>
+              <a:t>04.01.2015</a:t>
             </a:fld>
             <a:endParaRPr lang="de-DE"/>
           </a:p>
@@ -1513,7 +1512,7 @@
           <a:p>
             <a:fld id="{9C1C9D05-E8C6-4E19-BADC-4FBABAA99AE3}" type="datetimeFigureOut">
               <a:rPr lang="de-DE" smtClean="0"/>
-              <a:t>03.01.15</a:t>
+              <a:t>04.01.2015</a:t>
             </a:fld>
             <a:endParaRPr lang="de-DE"/>
           </a:p>
@@ -1696,7 +1695,7 @@
           <a:p>
             <a:fld id="{9C1C9D05-E8C6-4E19-BADC-4FBABAA99AE3}" type="datetimeFigureOut">
               <a:rPr lang="de-DE" smtClean="0"/>
-              <a:t>03.01.15</a:t>
+              <a:t>04.01.2015</a:t>
             </a:fld>
             <a:endParaRPr lang="de-DE"/>
           </a:p>
@@ -1871,7 +1870,7 @@
           <a:p>
             <a:fld id="{9C1C9D05-E8C6-4E19-BADC-4FBABAA99AE3}" type="datetimeFigureOut">
               <a:rPr lang="de-DE" smtClean="0"/>
-              <a:t>03.01.15</a:t>
+              <a:t>04.01.2015</a:t>
             </a:fld>
             <a:endParaRPr lang="de-DE"/>
           </a:p>
@@ -2036,7 +2035,7 @@
           <a:p>
             <a:fld id="{9C1C9D05-E8C6-4E19-BADC-4FBABAA99AE3}" type="datetimeFigureOut">
               <a:rPr lang="de-DE" smtClean="0"/>
-              <a:t>03.01.15</a:t>
+              <a:t>04.01.2015</a:t>
             </a:fld>
             <a:endParaRPr lang="de-DE"/>
           </a:p>
@@ -2257,7 +2256,7 @@
           <a:p>
             <a:fld id="{9C1C9D05-E8C6-4E19-BADC-4FBABAA99AE3}" type="datetimeFigureOut">
               <a:rPr lang="de-DE" smtClean="0"/>
-              <a:t>03.01.15</a:t>
+              <a:t>04.01.2015</a:t>
             </a:fld>
             <a:endParaRPr lang="de-DE"/>
           </a:p>
@@ -2516,7 +2515,7 @@
           <a:p>
             <a:fld id="{9C1C9D05-E8C6-4E19-BADC-4FBABAA99AE3}" type="datetimeFigureOut">
               <a:rPr lang="de-DE" smtClean="0"/>
-              <a:t>03.01.15</a:t>
+              <a:t>04.01.2015</a:t>
             </a:fld>
             <a:endParaRPr lang="de-DE"/>
           </a:p>
@@ -2920,7 +2919,7 @@
           <a:p>
             <a:fld id="{9C1C9D05-E8C6-4E19-BADC-4FBABAA99AE3}" type="datetimeFigureOut">
               <a:rPr lang="de-DE" smtClean="0"/>
-              <a:t>03.01.15</a:t>
+              <a:t>04.01.2015</a:t>
             </a:fld>
             <a:endParaRPr lang="de-DE"/>
           </a:p>
@@ -3051,7 +3050,7 @@
           <a:p>
             <a:fld id="{9C1C9D05-E8C6-4E19-BADC-4FBABAA99AE3}" type="datetimeFigureOut">
               <a:rPr lang="de-DE" smtClean="0"/>
-              <a:t>03.01.15</a:t>
+              <a:t>04.01.2015</a:t>
             </a:fld>
             <a:endParaRPr lang="de-DE"/>
           </a:p>
@@ -3151,7 +3150,7 @@
           <a:p>
             <a:fld id="{9C1C9D05-E8C6-4E19-BADC-4FBABAA99AE3}" type="datetimeFigureOut">
               <a:rPr lang="de-DE" smtClean="0"/>
-              <a:t>03.01.15</a:t>
+              <a:t>04.01.2015</a:t>
             </a:fld>
             <a:endParaRPr lang="de-DE"/>
           </a:p>
@@ -3396,7 +3395,7 @@
           <a:p>
             <a:fld id="{9C1C9D05-E8C6-4E19-BADC-4FBABAA99AE3}" type="datetimeFigureOut">
               <a:rPr lang="de-DE" smtClean="0"/>
-              <a:t>03.01.15</a:t>
+              <a:t>04.01.2015</a:t>
             </a:fld>
             <a:endParaRPr lang="de-DE"/>
           </a:p>
@@ -3640,7 +3639,7 @@
           <a:p>
             <a:fld id="{9C1C9D05-E8C6-4E19-BADC-4FBABAA99AE3}" type="datetimeFigureOut">
               <a:rPr lang="de-DE" smtClean="0"/>
-              <a:t>03.01.15</a:t>
+              <a:t>04.01.2015</a:t>
             </a:fld>
             <a:endParaRPr lang="de-DE"/>
           </a:p>
@@ -4464,7 +4463,7 @@
           <a:p>
             <a:fld id="{9C1C9D05-E8C6-4E19-BADC-4FBABAA99AE3}" type="datetimeFigureOut">
               <a:rPr lang="de-DE" smtClean="0"/>
-              <a:t>03.01.15</a:t>
+              <a:t>04.01.2015</a:t>
             </a:fld>
             <a:endParaRPr lang="de-DE"/>
           </a:p>
@@ -4911,7 +4910,7 @@
         </p:nvSpPr>
         <p:spPr>
           <a:xfrm>
-            <a:off x="827584" y="4293096"/>
+            <a:off x="827584" y="4437112"/>
             <a:ext cx="7555904" cy="2420888"/>
           </a:xfrm>
         </p:spPr>
@@ -4926,6 +4925,7 @@
                 <a:solidFill>
                   <a:schemeClr val="tx1"/>
                 </a:solidFill>
+                <a:latin typeface="+mj-lt"/>
               </a:rPr>
               <a:t>Frameworkbasierte</a:t>
             </a:r>
@@ -4934,6 +4934,7 @@
                 <a:solidFill>
                   <a:schemeClr val="tx1"/>
                 </a:solidFill>
+                <a:latin typeface="+mj-lt"/>
               </a:rPr>
               <a:t> </a:t>
             </a:r>
@@ -4942,6 +4943,7 @@
                 <a:solidFill>
                   <a:schemeClr val="tx1"/>
                 </a:solidFill>
+                <a:latin typeface="+mj-lt"/>
               </a:rPr>
               <a:t>GUI-Entwicklung</a:t>
             </a:r>
@@ -4951,6 +4953,7 @@
               <a:solidFill>
                 <a:schemeClr val="tx1"/>
               </a:solidFill>
+              <a:latin typeface="+mj-lt"/>
             </a:endParaRPr>
           </a:p>
           <a:p>
@@ -4960,6 +4963,7 @@
                 <a:solidFill>
                   <a:schemeClr val="tx1"/>
                 </a:solidFill>
+                <a:latin typeface="+mj-lt"/>
               </a:rPr>
               <a:t>Ihr HeartRate2Go-Team:</a:t>
             </a:r>
@@ -4970,6 +4974,7 @@
               <a:solidFill>
                 <a:schemeClr val="tx1"/>
               </a:solidFill>
+              <a:latin typeface="+mj-lt"/>
             </a:endParaRPr>
           </a:p>
           <a:p>
@@ -4979,6 +4984,7 @@
                 <a:solidFill>
                   <a:schemeClr val="tx1"/>
                 </a:solidFill>
+                <a:latin typeface="+mj-lt"/>
               </a:rPr>
               <a:t>Patrick Mathias</a:t>
             </a:r>
@@ -4990,6 +4996,7 @@
                 <a:solidFill>
                   <a:schemeClr val="tx1"/>
                 </a:solidFill>
+                <a:latin typeface="+mj-lt"/>
               </a:rPr>
               <a:t>Markus Nebel</a:t>
             </a:r>
@@ -4997,6 +5004,7 @@
               <a:solidFill>
                 <a:schemeClr val="tx1"/>
               </a:solidFill>
+              <a:latin typeface="+mj-lt"/>
             </a:endParaRPr>
           </a:p>
           <a:p>
@@ -5006,6 +5014,7 @@
                 <a:solidFill>
                   <a:schemeClr val="tx1"/>
                 </a:solidFill>
+                <a:latin typeface="+mj-lt"/>
               </a:rPr>
               <a:t>Matthias </a:t>
             </a:r>
@@ -5014,6 +5023,7 @@
                 <a:solidFill>
                   <a:schemeClr val="tx1"/>
                 </a:solidFill>
+                <a:latin typeface="+mj-lt"/>
               </a:rPr>
               <a:t>Böffel</a:t>
             </a:r>
@@ -5021,6 +5031,7 @@
               <a:solidFill>
                 <a:schemeClr val="tx1"/>
               </a:solidFill>
+              <a:latin typeface="+mj-lt"/>
             </a:endParaRPr>
           </a:p>
           <a:p>
@@ -5030,6 +5041,7 @@
                 <a:solidFill>
                   <a:schemeClr val="tx1"/>
                 </a:solidFill>
+                <a:latin typeface="+mj-lt"/>
               </a:rPr>
               <a:t>Janina </a:t>
             </a:r>
@@ -5038,6 +5050,7 @@
                 <a:solidFill>
                   <a:schemeClr val="tx1"/>
                 </a:solidFill>
+                <a:latin typeface="+mj-lt"/>
               </a:rPr>
               <a:t>Sauer </a:t>
             </a:r>
@@ -5075,7 +5088,7 @@
           </a:prstGeom>
           <a:noFill/>
           <a:extLst>
-            <a:ext uri="{909E8E84-426E-40dd-AFC4-6F175D3DCCD1}">
+            <a:ext uri="{909E8E84-426E-40DD-AFC4-6F175D3DCCD1}">
               <a14:hiddenFill xmlns:a14="http://schemas.microsoft.com/office/drawing/2010/main">
                 <a:solidFill>
                   <a:srgbClr val="FFFFFF"/>
@@ -5098,7 +5111,7 @@
   <p:timing>
     <p:tnLst>
       <p:par>
-        <p:cTn xmlns:p14="http://schemas.microsoft.com/office/powerpoint/2010/main" id="1" dur="indefinite" restart="never" nodeType="tmRoot">
+        <p:cTn id="1" dur="indefinite" restart="never" nodeType="tmRoot">
           <p:childTnLst>
             <p:seq concurrent="1" nextAc="seek">
               <p:cTn id="2" dur="indefinite" nodeType="mainSeq">
@@ -5168,7 +5181,1190 @@
 </p:sld>
 </file>
 
-<file path=ppt/slides/slide10.xml><?xml version="1.0" encoding="utf-8"?>
+<file path=ppt/slides/slide2.xml><?xml version="1.0" encoding="utf-8"?>
+<p:sld xmlns:a="http://schemas.openxmlformats.org/drawingml/2006/main" xmlns:r="http://schemas.openxmlformats.org/officeDocument/2006/relationships" xmlns:p="http://schemas.openxmlformats.org/presentationml/2006/main">
+  <p:cSld>
+    <p:spTree>
+      <p:nvGrpSpPr>
+        <p:cNvPr id="1" name=""/>
+        <p:cNvGrpSpPr/>
+        <p:nvPr/>
+      </p:nvGrpSpPr>
+      <p:grpSpPr>
+        <a:xfrm>
+          <a:off x="0" y="0"/>
+          <a:ext cx="0" cy="0"/>
+          <a:chOff x="0" y="0"/>
+          <a:chExt cx="0" cy="0"/>
+        </a:xfrm>
+      </p:grpSpPr>
+      <p:sp>
+        <p:nvSpPr>
+          <p:cNvPr id="2" name="Titel 1"/>
+          <p:cNvSpPr>
+            <a:spLocks noGrp="1"/>
+          </p:cNvSpPr>
+          <p:nvPr>
+            <p:ph type="title"/>
+          </p:nvPr>
+        </p:nvSpPr>
+        <p:spPr/>
+        <p:txBody>
+          <a:bodyPr/>
+          <a:lstStyle/>
+          <a:p>
+            <a:r>
+              <a:rPr lang="de-DE" dirty="0" smtClean="0"/>
+              <a:t>Ziel von HeartRate2Go</a:t>
+            </a:r>
+            <a:endParaRPr lang="de-DE" dirty="0"/>
+          </a:p>
+        </p:txBody>
+      </p:sp>
+      <p:sp>
+        <p:nvSpPr>
+          <p:cNvPr id="3" name="Inhaltsplatzhalter 2"/>
+          <p:cNvSpPr>
+            <a:spLocks noGrp="1"/>
+          </p:cNvSpPr>
+          <p:nvPr>
+            <p:ph idx="1"/>
+          </p:nvPr>
+        </p:nvSpPr>
+        <p:spPr>
+          <a:xfrm>
+            <a:off x="457200" y="3429000"/>
+            <a:ext cx="8219256" cy="3145536"/>
+          </a:xfrm>
+        </p:spPr>
+        <p:txBody>
+          <a:bodyPr/>
+          <a:lstStyle/>
+          <a:p>
+            <a:pPr marL="109728" indent="0">
+              <a:buNone/>
+            </a:pPr>
+            <a:r>
+              <a:rPr lang="de-DE" dirty="0" smtClean="0">
+                <a:latin typeface="+mj-lt"/>
+              </a:rPr>
+              <a:t>Den Puls messen, graphisch darstellen, speichern und dem Anwender so einen guten Überblick über seine Herzfrequenz geben.</a:t>
+            </a:r>
+            <a:endParaRPr lang="de-DE" dirty="0">
+              <a:latin typeface="+mj-lt"/>
+            </a:endParaRPr>
+          </a:p>
+        </p:txBody>
+      </p:sp>
+    </p:spTree>
+    <p:extLst>
+      <p:ext uri="{BB962C8B-B14F-4D97-AF65-F5344CB8AC3E}">
+        <p14:creationId xmlns:p14="http://schemas.microsoft.com/office/powerpoint/2010/main" val="496398657"/>
+      </p:ext>
+    </p:extLst>
+  </p:cSld>
+  <p:clrMapOvr>
+    <a:masterClrMapping/>
+  </p:clrMapOvr>
+  <p:timing>
+    <p:tnLst>
+      <p:par>
+        <p:cTn id="1" dur="indefinite" restart="never" nodeType="tmRoot"/>
+      </p:par>
+    </p:tnLst>
+  </p:timing>
+</p:sld>
+</file>
+
+<file path=ppt/slides/slide3.xml><?xml version="1.0" encoding="utf-8"?>
+<p:sld xmlns:a="http://schemas.openxmlformats.org/drawingml/2006/main" xmlns:r="http://schemas.openxmlformats.org/officeDocument/2006/relationships" xmlns:p="http://schemas.openxmlformats.org/presentationml/2006/main">
+  <p:cSld>
+    <p:spTree>
+      <p:nvGrpSpPr>
+        <p:cNvPr id="1" name=""/>
+        <p:cNvGrpSpPr/>
+        <p:nvPr/>
+      </p:nvGrpSpPr>
+      <p:grpSpPr>
+        <a:xfrm>
+          <a:off x="0" y="0"/>
+          <a:ext cx="0" cy="0"/>
+          <a:chOff x="0" y="0"/>
+          <a:chExt cx="0" cy="0"/>
+        </a:xfrm>
+      </p:grpSpPr>
+      <p:sp>
+        <p:nvSpPr>
+          <p:cNvPr id="2" name="Titel 1"/>
+          <p:cNvSpPr>
+            <a:spLocks noGrp="1"/>
+          </p:cNvSpPr>
+          <p:nvPr>
+            <p:ph type="title"/>
+          </p:nvPr>
+        </p:nvSpPr>
+        <p:spPr/>
+        <p:txBody>
+          <a:bodyPr/>
+          <a:lstStyle/>
+          <a:p>
+            <a:r>
+              <a:rPr lang="de-DE" dirty="0" smtClean="0"/>
+              <a:t>Komponenten von HeartRate2Go</a:t>
+            </a:r>
+            <a:endParaRPr lang="de-DE" dirty="0"/>
+          </a:p>
+        </p:txBody>
+      </p:sp>
+      <p:pic>
+        <p:nvPicPr>
+          <p:cNvPr id="2050" name="Picture 2" descr="C:\Users\LMH\Desktop\ablauf.png"/>
+          <p:cNvPicPr>
+            <a:picLocks noChangeAspect="1" noChangeArrowheads="1"/>
+          </p:cNvPicPr>
+          <p:nvPr/>
+        </p:nvPicPr>
+        <p:blipFill>
+          <a:blip r:embed="rId3">
+            <a:extLst>
+              <a:ext uri="{28A0092B-C50C-407E-A947-70E740481C1C}">
+                <a14:useLocalDpi xmlns:a14="http://schemas.microsoft.com/office/drawing/2010/main" val="0"/>
+              </a:ext>
+            </a:extLst>
+          </a:blip>
+          <a:srcRect/>
+          <a:stretch>
+            <a:fillRect/>
+          </a:stretch>
+        </p:blipFill>
+        <p:spPr bwMode="auto">
+          <a:xfrm>
+            <a:off x="0" y="2348880"/>
+            <a:ext cx="8812528" cy="4316856"/>
+          </a:xfrm>
+          <a:prstGeom prst="rect">
+            <a:avLst/>
+          </a:prstGeom>
+          <a:noFill/>
+          <a:extLst>
+            <a:ext uri="{909E8E84-426E-40DD-AFC4-6F175D3DCCD1}">
+              <a14:hiddenFill xmlns:a14="http://schemas.microsoft.com/office/drawing/2010/main">
+                <a:solidFill>
+                  <a:srgbClr val="FFFFFF"/>
+                </a:solidFill>
+              </a14:hiddenFill>
+            </a:ext>
+          </a:extLst>
+        </p:spPr>
+      </p:pic>
+    </p:spTree>
+    <p:extLst>
+      <p:ext uri="{BB962C8B-B14F-4D97-AF65-F5344CB8AC3E}">
+        <p14:creationId xmlns:p14="http://schemas.microsoft.com/office/powerpoint/2010/main" val="3487149943"/>
+      </p:ext>
+    </p:extLst>
+  </p:cSld>
+  <p:clrMapOvr>
+    <a:masterClrMapping/>
+  </p:clrMapOvr>
+  <p:timing>
+    <p:tnLst>
+      <p:par>
+        <p:cTn id="1" dur="indefinite" restart="never" nodeType="tmRoot"/>
+      </p:par>
+    </p:tnLst>
+  </p:timing>
+</p:sld>
+</file>
+
+<file path=ppt/slides/slide4.xml><?xml version="1.0" encoding="utf-8"?>
+<p:sld xmlns:a="http://schemas.openxmlformats.org/drawingml/2006/main" xmlns:r="http://schemas.openxmlformats.org/officeDocument/2006/relationships" xmlns:p="http://schemas.openxmlformats.org/presentationml/2006/main">
+  <p:cSld>
+    <p:spTree>
+      <p:nvGrpSpPr>
+        <p:cNvPr id="1" name=""/>
+        <p:cNvGrpSpPr/>
+        <p:nvPr/>
+      </p:nvGrpSpPr>
+      <p:grpSpPr>
+        <a:xfrm>
+          <a:off x="0" y="0"/>
+          <a:ext cx="0" cy="0"/>
+          <a:chOff x="0" y="0"/>
+          <a:chExt cx="0" cy="0"/>
+        </a:xfrm>
+      </p:grpSpPr>
+      <p:sp>
+        <p:nvSpPr>
+          <p:cNvPr id="2" name="Titel 1"/>
+          <p:cNvSpPr>
+            <a:spLocks noGrp="1"/>
+          </p:cNvSpPr>
+          <p:nvPr>
+            <p:ph type="title"/>
+          </p:nvPr>
+        </p:nvSpPr>
+        <p:spPr/>
+        <p:txBody>
+          <a:bodyPr>
+            <a:normAutofit/>
+          </a:bodyPr>
+          <a:lstStyle/>
+          <a:p>
+            <a:r>
+              <a:rPr lang="de-DE" dirty="0" err="1" smtClean="0"/>
+              <a:t>Smartwatch</a:t>
+            </a:r>
+            <a:endParaRPr lang="de-DE" dirty="0"/>
+          </a:p>
+        </p:txBody>
+      </p:sp>
+      <p:sp>
+        <p:nvSpPr>
+          <p:cNvPr id="3" name="Inhaltsplatzhalter 2"/>
+          <p:cNvSpPr>
+            <a:spLocks noGrp="1"/>
+          </p:cNvSpPr>
+          <p:nvPr>
+            <p:ph sz="half" idx="1"/>
+          </p:nvPr>
+        </p:nvSpPr>
+        <p:spPr>
+          <a:xfrm>
+            <a:off x="457200" y="2249424"/>
+            <a:ext cx="5915000" cy="4525963"/>
+          </a:xfrm>
+        </p:spPr>
+        <p:txBody>
+          <a:bodyPr>
+            <a:normAutofit fontScale="70000" lnSpcReduction="20000"/>
+          </a:bodyPr>
+          <a:lstStyle/>
+          <a:p>
+            <a:r>
+              <a:rPr lang="de-DE" sz="2600" dirty="0">
+                <a:latin typeface="+mj-lt"/>
+              </a:rPr>
+              <a:t>Zugriff auf Sensoren (Puls und Schrittzähler)</a:t>
+            </a:r>
+          </a:p>
+          <a:p>
+            <a:pPr marL="109728" indent="0">
+              <a:buNone/>
+            </a:pPr>
+            <a:endParaRPr lang="de-DE" sz="2600" dirty="0">
+              <a:latin typeface="+mj-lt"/>
+            </a:endParaRPr>
+          </a:p>
+          <a:p>
+            <a:r>
+              <a:rPr lang="de-DE" sz="2600" dirty="0">
+                <a:latin typeface="+mj-lt"/>
+              </a:rPr>
+              <a:t> Konfiguration über Smartphone</a:t>
+            </a:r>
+          </a:p>
+          <a:p>
+            <a:pPr lvl="1"/>
+            <a:r>
+              <a:rPr lang="de-DE" sz="2200" dirty="0">
+                <a:solidFill>
+                  <a:schemeClr val="tx1"/>
+                </a:solidFill>
+                <a:latin typeface="+mj-lt"/>
+              </a:rPr>
+              <a:t>regelmäßige Vibration zur  Erinnerung</a:t>
+            </a:r>
+          </a:p>
+          <a:p>
+            <a:pPr lvl="1"/>
+            <a:r>
+              <a:rPr lang="de-DE" sz="2200" dirty="0">
+                <a:solidFill>
+                  <a:schemeClr val="tx1"/>
+                </a:solidFill>
+                <a:latin typeface="+mj-lt"/>
+              </a:rPr>
+              <a:t>Bildschirm angeschaltet lassen</a:t>
+            </a:r>
+          </a:p>
+          <a:p>
+            <a:pPr lvl="1"/>
+            <a:r>
+              <a:rPr lang="de-DE" sz="2200" dirty="0">
+                <a:solidFill>
+                  <a:schemeClr val="tx1"/>
+                </a:solidFill>
+                <a:latin typeface="+mj-lt"/>
+              </a:rPr>
+              <a:t>Messungsintervall</a:t>
+            </a:r>
+          </a:p>
+          <a:p>
+            <a:endParaRPr lang="de-DE" sz="2600" dirty="0">
+              <a:latin typeface="+mj-lt"/>
+            </a:endParaRPr>
+          </a:p>
+          <a:p>
+            <a:r>
+              <a:rPr lang="de-DE" sz="2600" dirty="0">
+                <a:latin typeface="+mj-lt"/>
+              </a:rPr>
+              <a:t>Angabe von Messungstyp (Aktivitäts- oder Ruhemessung)</a:t>
+            </a:r>
+          </a:p>
+          <a:p>
+            <a:endParaRPr lang="de-DE" sz="2600" dirty="0">
+              <a:latin typeface="+mj-lt"/>
+            </a:endParaRPr>
+          </a:p>
+          <a:p>
+            <a:r>
+              <a:rPr lang="de-DE" sz="2600" dirty="0">
+                <a:latin typeface="+mj-lt"/>
+              </a:rPr>
+              <a:t>Aktivitätsmessung: kontinuierliche Aufzeichnung von Zeit, Puls und Schrittanzahl</a:t>
+            </a:r>
+          </a:p>
+          <a:p>
+            <a:pPr marL="109728" indent="0">
+              <a:buNone/>
+            </a:pPr>
+            <a:r>
+              <a:rPr lang="de-DE" sz="2600" dirty="0">
+                <a:latin typeface="+mj-lt"/>
+              </a:rPr>
+              <a:t>		</a:t>
+            </a:r>
+          </a:p>
+          <a:p>
+            <a:r>
+              <a:rPr lang="de-DE" sz="2600" dirty="0">
+                <a:latin typeface="+mj-lt"/>
+              </a:rPr>
+              <a:t>Ruhemessung: Messung über 60 Sekunden </a:t>
+            </a:r>
+          </a:p>
+          <a:p>
+            <a:pPr marL="109728" indent="0">
+              <a:buNone/>
+            </a:pPr>
+            <a:endParaRPr lang="de-DE" sz="2600" dirty="0">
+              <a:latin typeface="+mj-lt"/>
+            </a:endParaRPr>
+          </a:p>
+          <a:p>
+            <a:r>
+              <a:rPr lang="de-DE" sz="2600" dirty="0">
+                <a:latin typeface="+mj-lt"/>
+              </a:rPr>
+              <a:t>Abfrage der Stimmung zur späteren Auswertung</a:t>
+            </a:r>
+          </a:p>
+          <a:p>
+            <a:pPr marL="109728" indent="0">
+              <a:buNone/>
+            </a:pPr>
+            <a:endParaRPr lang="de-DE" dirty="0">
+              <a:latin typeface="+mj-lt"/>
+            </a:endParaRPr>
+          </a:p>
+        </p:txBody>
+      </p:sp>
+      <p:pic>
+        <p:nvPicPr>
+          <p:cNvPr id="3075" name="Picture 3" descr="C:\Users\LMH\Desktop\aktivitaet.png"/>
+          <p:cNvPicPr>
+            <a:picLocks noChangeAspect="1" noChangeArrowheads="1"/>
+          </p:cNvPicPr>
+          <p:nvPr/>
+        </p:nvPicPr>
+        <p:blipFill>
+          <a:blip r:embed="rId3">
+            <a:extLst>
+              <a:ext uri="{28A0092B-C50C-407E-A947-70E740481C1C}">
+                <a14:useLocalDpi xmlns:a14="http://schemas.microsoft.com/office/drawing/2010/main" val="0"/>
+              </a:ext>
+            </a:extLst>
+          </a:blip>
+          <a:srcRect/>
+          <a:stretch>
+            <a:fillRect/>
+          </a:stretch>
+        </p:blipFill>
+        <p:spPr bwMode="auto">
+          <a:xfrm>
+            <a:off x="6660232" y="832912"/>
+            <a:ext cx="1746548" cy="5852547"/>
+          </a:xfrm>
+          <a:prstGeom prst="rect">
+            <a:avLst/>
+          </a:prstGeom>
+          <a:noFill/>
+          <a:extLst>
+            <a:ext uri="{909E8E84-426E-40DD-AFC4-6F175D3DCCD1}">
+              <a14:hiddenFill xmlns:a14="http://schemas.microsoft.com/office/drawing/2010/main">
+                <a:solidFill>
+                  <a:srgbClr val="FFFFFF"/>
+                </a:solidFill>
+              </a14:hiddenFill>
+            </a:ext>
+          </a:extLst>
+        </p:spPr>
+      </p:pic>
+    </p:spTree>
+    <p:extLst>
+      <p:ext uri="{BB962C8B-B14F-4D97-AF65-F5344CB8AC3E}">
+        <p14:creationId xmlns:p14="http://schemas.microsoft.com/office/powerpoint/2010/main" val="1224773040"/>
+      </p:ext>
+    </p:extLst>
+  </p:cSld>
+  <p:clrMapOvr>
+    <a:masterClrMapping/>
+  </p:clrMapOvr>
+  <p:timing>
+    <p:tnLst>
+      <p:par>
+        <p:cTn id="1" dur="indefinite" restart="never" nodeType="tmRoot"/>
+      </p:par>
+    </p:tnLst>
+  </p:timing>
+</p:sld>
+</file>
+
+<file path=ppt/slides/slide5.xml><?xml version="1.0" encoding="utf-8"?>
+<p:sld xmlns:a="http://schemas.openxmlformats.org/drawingml/2006/main" xmlns:r="http://schemas.openxmlformats.org/officeDocument/2006/relationships" xmlns:p="http://schemas.openxmlformats.org/presentationml/2006/main">
+  <p:cSld>
+    <p:spTree>
+      <p:nvGrpSpPr>
+        <p:cNvPr id="1" name=""/>
+        <p:cNvGrpSpPr/>
+        <p:nvPr/>
+      </p:nvGrpSpPr>
+      <p:grpSpPr>
+        <a:xfrm>
+          <a:off x="0" y="0"/>
+          <a:ext cx="0" cy="0"/>
+          <a:chOff x="0" y="0"/>
+          <a:chExt cx="0" cy="0"/>
+        </a:xfrm>
+      </p:grpSpPr>
+      <p:sp>
+        <p:nvSpPr>
+          <p:cNvPr id="2" name="Titel 1"/>
+          <p:cNvSpPr>
+            <a:spLocks noGrp="1"/>
+          </p:cNvSpPr>
+          <p:nvPr>
+            <p:ph type="title"/>
+          </p:nvPr>
+        </p:nvSpPr>
+        <p:spPr/>
+        <p:txBody>
+          <a:bodyPr/>
+          <a:lstStyle/>
+          <a:p>
+            <a:r>
+              <a:rPr lang="de-DE" dirty="0" smtClean="0"/>
+              <a:t>Smartphone</a:t>
+            </a:r>
+            <a:endParaRPr lang="de-DE" dirty="0"/>
+          </a:p>
+        </p:txBody>
+      </p:sp>
+      <p:sp>
+        <p:nvSpPr>
+          <p:cNvPr id="4" name="Inhaltsplatzhalter 3"/>
+          <p:cNvSpPr>
+            <a:spLocks noGrp="1"/>
+          </p:cNvSpPr>
+          <p:nvPr>
+            <p:ph sz="half" idx="2"/>
+          </p:nvPr>
+        </p:nvSpPr>
+        <p:spPr>
+          <a:xfrm>
+            <a:off x="3040703" y="2276872"/>
+            <a:ext cx="5646097" cy="4498515"/>
+          </a:xfrm>
+        </p:spPr>
+        <p:txBody>
+          <a:bodyPr>
+            <a:normAutofit lnSpcReduction="10000"/>
+          </a:bodyPr>
+          <a:lstStyle/>
+          <a:p>
+            <a:r>
+              <a:rPr lang="de-DE" dirty="0">
+                <a:latin typeface="+mj-lt"/>
+              </a:rPr>
+              <a:t>Kommunikation über </a:t>
+            </a:r>
+            <a:r>
+              <a:rPr lang="de-DE" dirty="0" err="1">
+                <a:latin typeface="+mj-lt"/>
+              </a:rPr>
+              <a:t>Wearable</a:t>
+            </a:r>
+            <a:r>
+              <a:rPr lang="de-DE" dirty="0">
+                <a:latin typeface="+mj-lt"/>
+              </a:rPr>
+              <a:t>-Bluetooth-API</a:t>
+            </a:r>
+          </a:p>
+          <a:p>
+            <a:endParaRPr lang="de-DE" dirty="0">
+              <a:latin typeface="+mj-lt"/>
+            </a:endParaRPr>
+          </a:p>
+          <a:p>
+            <a:r>
+              <a:rPr lang="de-DE" dirty="0">
+                <a:latin typeface="+mj-lt"/>
+              </a:rPr>
+              <a:t>Background-Service zum Empfangen und Senden von Daten</a:t>
+            </a:r>
+          </a:p>
+          <a:p>
+            <a:endParaRPr lang="de-DE" dirty="0">
+              <a:latin typeface="+mj-lt"/>
+            </a:endParaRPr>
+          </a:p>
+          <a:p>
+            <a:r>
+              <a:rPr lang="de-DE" dirty="0">
+                <a:latin typeface="+mj-lt"/>
+              </a:rPr>
+              <a:t>Anzeige von Puls-Diagrammen über Library "</a:t>
+            </a:r>
+            <a:r>
+              <a:rPr lang="de-DE" dirty="0" err="1">
+                <a:latin typeface="+mj-lt"/>
+              </a:rPr>
+              <a:t>GraphView</a:t>
+            </a:r>
+            <a:r>
+              <a:rPr lang="de-DE" dirty="0">
+                <a:latin typeface="+mj-lt"/>
+              </a:rPr>
+              <a:t>"</a:t>
+            </a:r>
+          </a:p>
+          <a:p>
+            <a:endParaRPr lang="de-DE" dirty="0">
+              <a:latin typeface="+mj-lt"/>
+            </a:endParaRPr>
+          </a:p>
+          <a:p>
+            <a:r>
+              <a:rPr lang="de-DE" dirty="0">
+                <a:latin typeface="+mj-lt"/>
+              </a:rPr>
+              <a:t>Persistente Speicherung der Daten und Auswahl über Dropdown</a:t>
+            </a:r>
+          </a:p>
+          <a:p>
+            <a:endParaRPr lang="de-DE" dirty="0">
+              <a:latin typeface="+mj-lt"/>
+            </a:endParaRPr>
+          </a:p>
+          <a:p>
+            <a:r>
+              <a:rPr lang="de-DE" dirty="0" err="1">
+                <a:latin typeface="+mj-lt"/>
+              </a:rPr>
+              <a:t>Debug</a:t>
+            </a:r>
+            <a:r>
+              <a:rPr lang="de-DE" dirty="0">
+                <a:latin typeface="+mj-lt"/>
+              </a:rPr>
+              <a:t>-Modus zur Erzeugung von zufälligen </a:t>
+            </a:r>
+            <a:r>
+              <a:rPr lang="de-DE" dirty="0" smtClean="0">
+                <a:latin typeface="+mj-lt"/>
+              </a:rPr>
+              <a:t>Daten</a:t>
+            </a:r>
+            <a:endParaRPr lang="de-DE" dirty="0">
+              <a:latin typeface="+mj-lt"/>
+            </a:endParaRPr>
+          </a:p>
+        </p:txBody>
+      </p:sp>
+      <p:pic>
+        <p:nvPicPr>
+          <p:cNvPr id="4098" name="Picture 2" descr="C:\Users\LMH\Desktop\4986.jpg"/>
+          <p:cNvPicPr>
+            <a:picLocks noChangeAspect="1" noChangeArrowheads="1"/>
+          </p:cNvPicPr>
+          <p:nvPr/>
+        </p:nvPicPr>
+        <p:blipFill>
+          <a:blip r:embed="rId2">
+            <a:extLst>
+              <a:ext uri="{28A0092B-C50C-407E-A947-70E740481C1C}">
+                <a14:useLocalDpi xmlns:a14="http://schemas.microsoft.com/office/drawing/2010/main" val="0"/>
+              </a:ext>
+            </a:extLst>
+          </a:blip>
+          <a:srcRect/>
+          <a:stretch>
+            <a:fillRect/>
+          </a:stretch>
+        </p:blipFill>
+        <p:spPr bwMode="auto">
+          <a:xfrm>
+            <a:off x="539552" y="2276872"/>
+            <a:ext cx="2501151" cy="4446490"/>
+          </a:xfrm>
+          <a:prstGeom prst="rect">
+            <a:avLst/>
+          </a:prstGeom>
+          <a:noFill/>
+          <a:extLst>
+            <a:ext uri="{909E8E84-426E-40DD-AFC4-6F175D3DCCD1}">
+              <a14:hiddenFill xmlns:a14="http://schemas.microsoft.com/office/drawing/2010/main">
+                <a:solidFill>
+                  <a:srgbClr val="FFFFFF"/>
+                </a:solidFill>
+              </a14:hiddenFill>
+            </a:ext>
+          </a:extLst>
+        </p:spPr>
+      </p:pic>
+    </p:spTree>
+    <p:extLst>
+      <p:ext uri="{BB962C8B-B14F-4D97-AF65-F5344CB8AC3E}">
+        <p14:creationId xmlns:p14="http://schemas.microsoft.com/office/powerpoint/2010/main" val="952660724"/>
+      </p:ext>
+    </p:extLst>
+  </p:cSld>
+  <p:clrMapOvr>
+    <a:masterClrMapping/>
+  </p:clrMapOvr>
+  <p:timing>
+    <p:tnLst>
+      <p:par>
+        <p:cTn id="1" dur="indefinite" restart="never" nodeType="tmRoot"/>
+      </p:par>
+    </p:tnLst>
+  </p:timing>
+</p:sld>
+</file>
+
+<file path=ppt/slides/slide6.xml><?xml version="1.0" encoding="utf-8"?>
+<p:sld xmlns:a="http://schemas.openxmlformats.org/drawingml/2006/main" xmlns:r="http://schemas.openxmlformats.org/officeDocument/2006/relationships" xmlns:p="http://schemas.openxmlformats.org/presentationml/2006/main">
+  <p:cSld>
+    <p:spTree>
+      <p:nvGrpSpPr>
+        <p:cNvPr id="1" name=""/>
+        <p:cNvGrpSpPr/>
+        <p:nvPr/>
+      </p:nvGrpSpPr>
+      <p:grpSpPr>
+        <a:xfrm>
+          <a:off x="0" y="0"/>
+          <a:ext cx="0" cy="0"/>
+          <a:chOff x="0" y="0"/>
+          <a:chExt cx="0" cy="0"/>
+        </a:xfrm>
+      </p:grpSpPr>
+      <p:sp>
+        <p:nvSpPr>
+          <p:cNvPr id="2" name="Titel 1"/>
+          <p:cNvSpPr>
+            <a:spLocks noGrp="1"/>
+          </p:cNvSpPr>
+          <p:nvPr>
+            <p:ph type="title"/>
+          </p:nvPr>
+        </p:nvSpPr>
+        <p:spPr/>
+        <p:txBody>
+          <a:bodyPr/>
+          <a:lstStyle/>
+          <a:p>
+            <a:r>
+              <a:rPr lang="de-DE" dirty="0" smtClean="0"/>
+              <a:t>PC</a:t>
+            </a:r>
+            <a:endParaRPr lang="de-DE" dirty="0"/>
+          </a:p>
+        </p:txBody>
+      </p:sp>
+      <p:sp>
+        <p:nvSpPr>
+          <p:cNvPr id="4" name="Inhaltsplatzhalter 3"/>
+          <p:cNvSpPr>
+            <a:spLocks noGrp="1"/>
+          </p:cNvSpPr>
+          <p:nvPr>
+            <p:ph sz="half" idx="2"/>
+          </p:nvPr>
+        </p:nvSpPr>
+        <p:spPr>
+          <a:xfrm>
+            <a:off x="4648200" y="1916832"/>
+            <a:ext cx="4038600" cy="4858555"/>
+          </a:xfrm>
+        </p:spPr>
+        <p:txBody>
+          <a:bodyPr>
+            <a:normAutofit fontScale="92500" lnSpcReduction="20000"/>
+          </a:bodyPr>
+          <a:lstStyle/>
+          <a:p>
+            <a:r>
+              <a:rPr lang="de-DE" dirty="0">
+                <a:latin typeface="+mj-lt"/>
+              </a:rPr>
+              <a:t>Kommunikation mit </a:t>
+            </a:r>
+            <a:r>
+              <a:rPr lang="de-DE" dirty="0" smtClean="0">
+                <a:latin typeface="+mj-lt"/>
+              </a:rPr>
+              <a:t>Smartphone</a:t>
+            </a:r>
+          </a:p>
+          <a:p>
+            <a:endParaRPr lang="de-DE" dirty="0">
+              <a:latin typeface="+mj-lt"/>
+            </a:endParaRPr>
+          </a:p>
+          <a:p>
+            <a:r>
+              <a:rPr lang="de-DE" dirty="0">
+                <a:latin typeface="+mj-lt"/>
+              </a:rPr>
+              <a:t>Speicherung der </a:t>
+            </a:r>
+            <a:r>
+              <a:rPr lang="de-DE" dirty="0" smtClean="0">
+                <a:latin typeface="+mj-lt"/>
+              </a:rPr>
+              <a:t>Daten</a:t>
+            </a:r>
+            <a:endParaRPr lang="de-DE" dirty="0">
+              <a:latin typeface="+mj-lt"/>
+            </a:endParaRPr>
+          </a:p>
+          <a:p>
+            <a:endParaRPr lang="de-DE" dirty="0" smtClean="0">
+              <a:latin typeface="+mj-lt"/>
+            </a:endParaRPr>
+          </a:p>
+          <a:p>
+            <a:r>
+              <a:rPr lang="de-DE" dirty="0">
+                <a:latin typeface="+mj-lt"/>
+              </a:rPr>
+              <a:t>Unterscheidung zwischen Ruhe- und Aktivitätsmessung</a:t>
+            </a:r>
+          </a:p>
+          <a:p>
+            <a:pPr marL="109728" indent="0">
+              <a:buNone/>
+            </a:pPr>
+            <a:endParaRPr lang="de-DE" dirty="0">
+              <a:latin typeface="+mj-lt"/>
+            </a:endParaRPr>
+          </a:p>
+          <a:p>
+            <a:r>
+              <a:rPr lang="de-DE" dirty="0" smtClean="0">
+                <a:latin typeface="+mj-lt"/>
+              </a:rPr>
+              <a:t>Graphische Darstellung der Messwerte </a:t>
+            </a:r>
+          </a:p>
+          <a:p>
+            <a:endParaRPr lang="de-DE" dirty="0">
+              <a:latin typeface="+mj-lt"/>
+            </a:endParaRPr>
+          </a:p>
+          <a:p>
+            <a:r>
+              <a:rPr lang="de-DE" dirty="0" smtClean="0">
+                <a:latin typeface="+mj-lt"/>
+              </a:rPr>
+              <a:t>Darstellung </a:t>
+            </a:r>
+            <a:r>
+              <a:rPr lang="de-DE" dirty="0">
+                <a:latin typeface="+mj-lt"/>
+              </a:rPr>
+              <a:t>in tabellarischer </a:t>
+            </a:r>
+            <a:r>
+              <a:rPr lang="de-DE" dirty="0" smtClean="0">
+                <a:latin typeface="+mj-lt"/>
+              </a:rPr>
+              <a:t>Form</a:t>
+            </a:r>
+          </a:p>
+          <a:p>
+            <a:endParaRPr lang="de-DE" dirty="0" smtClean="0">
+              <a:latin typeface="+mj-lt"/>
+            </a:endParaRPr>
+          </a:p>
+          <a:p>
+            <a:r>
+              <a:rPr lang="de-DE" dirty="0" smtClean="0">
+                <a:latin typeface="+mj-lt"/>
+              </a:rPr>
+              <a:t>Selektierung nach Datum</a:t>
+            </a:r>
+          </a:p>
+          <a:p>
+            <a:endParaRPr lang="de-DE" dirty="0" smtClean="0">
+              <a:latin typeface="+mj-lt"/>
+            </a:endParaRPr>
+          </a:p>
+          <a:p>
+            <a:r>
+              <a:rPr lang="de-DE" dirty="0" smtClean="0">
+                <a:latin typeface="+mj-lt"/>
+              </a:rPr>
+              <a:t>Druckfunktion</a:t>
+            </a:r>
+          </a:p>
+          <a:p>
+            <a:endParaRPr lang="de-DE" dirty="0" smtClean="0">
+              <a:latin typeface="+mj-lt"/>
+            </a:endParaRPr>
+          </a:p>
+          <a:p>
+            <a:r>
+              <a:rPr lang="de-DE" dirty="0" smtClean="0">
+                <a:latin typeface="+mj-lt"/>
+              </a:rPr>
+              <a:t>Mehrsprachigkeit</a:t>
+            </a:r>
+          </a:p>
+          <a:p>
+            <a:pPr marL="109728" indent="0">
+              <a:buNone/>
+            </a:pPr>
+            <a:endParaRPr lang="de-DE" dirty="0">
+              <a:latin typeface="+mj-lt"/>
+            </a:endParaRPr>
+          </a:p>
+        </p:txBody>
+      </p:sp>
+      <p:pic>
+        <p:nvPicPr>
+          <p:cNvPr id="5122" name="Picture 2" descr="C:\Users\LMH\Desktop\Bildschirmfoto.png"/>
+          <p:cNvPicPr>
+            <a:picLocks noChangeAspect="1" noChangeArrowheads="1"/>
+          </p:cNvPicPr>
+          <p:nvPr/>
+        </p:nvPicPr>
+        <p:blipFill>
+          <a:blip r:embed="rId2" cstate="print">
+            <a:extLst>
+              <a:ext uri="{28A0092B-C50C-407E-A947-70E740481C1C}">
+                <a14:useLocalDpi xmlns:a14="http://schemas.microsoft.com/office/drawing/2010/main" val="0"/>
+              </a:ext>
+            </a:extLst>
+          </a:blip>
+          <a:srcRect/>
+          <a:stretch>
+            <a:fillRect/>
+          </a:stretch>
+        </p:blipFill>
+        <p:spPr bwMode="auto">
+          <a:xfrm>
+            <a:off x="499170" y="1970598"/>
+            <a:ext cx="4041483" cy="2340000"/>
+          </a:xfrm>
+          <a:prstGeom prst="rect">
+            <a:avLst/>
+          </a:prstGeom>
+          <a:noFill/>
+          <a:extLst>
+            <a:ext uri="{909E8E84-426E-40DD-AFC4-6F175D3DCCD1}">
+              <a14:hiddenFill xmlns:a14="http://schemas.microsoft.com/office/drawing/2010/main">
+                <a:solidFill>
+                  <a:srgbClr val="FFFFFF"/>
+                </a:solidFill>
+              </a14:hiddenFill>
+            </a:ext>
+          </a:extLst>
+        </p:spPr>
+      </p:pic>
+      <p:pic>
+        <p:nvPicPr>
+          <p:cNvPr id="1026" name="Picture 2" descr="C:\Users\LMH\Desktop\Bildschirmfoto 2015-01-02 um 21.55.50.png"/>
+          <p:cNvPicPr>
+            <a:picLocks noChangeAspect="1" noChangeArrowheads="1"/>
+          </p:cNvPicPr>
+          <p:nvPr/>
+        </p:nvPicPr>
+        <p:blipFill>
+          <a:blip r:embed="rId3" cstate="print">
+            <a:extLst>
+              <a:ext uri="{28A0092B-C50C-407E-A947-70E740481C1C}">
+                <a14:useLocalDpi xmlns:a14="http://schemas.microsoft.com/office/drawing/2010/main" val="0"/>
+              </a:ext>
+            </a:extLst>
+          </a:blip>
+          <a:srcRect/>
+          <a:stretch>
+            <a:fillRect/>
+          </a:stretch>
+        </p:blipFill>
+        <p:spPr bwMode="auto">
+          <a:xfrm>
+            <a:off x="499170" y="4375401"/>
+            <a:ext cx="4041483" cy="2340000"/>
+          </a:xfrm>
+          <a:prstGeom prst="rect">
+            <a:avLst/>
+          </a:prstGeom>
+          <a:noFill/>
+          <a:extLst>
+            <a:ext uri="{909E8E84-426E-40DD-AFC4-6F175D3DCCD1}">
+              <a14:hiddenFill xmlns:a14="http://schemas.microsoft.com/office/drawing/2010/main">
+                <a:solidFill>
+                  <a:srgbClr val="FFFFFF"/>
+                </a:solidFill>
+              </a14:hiddenFill>
+            </a:ext>
+          </a:extLst>
+        </p:spPr>
+      </p:pic>
+    </p:spTree>
+    <p:extLst>
+      <p:ext uri="{BB962C8B-B14F-4D97-AF65-F5344CB8AC3E}">
+        <p14:creationId xmlns:p14="http://schemas.microsoft.com/office/powerpoint/2010/main" val="2841675769"/>
+      </p:ext>
+    </p:extLst>
+  </p:cSld>
+  <p:clrMapOvr>
+    <a:masterClrMapping/>
+  </p:clrMapOvr>
+  <p:timing>
+    <p:tnLst>
+      <p:par>
+        <p:cTn id="1" dur="indefinite" restart="never" nodeType="tmRoot"/>
+      </p:par>
+    </p:tnLst>
+  </p:timing>
+</p:sld>
+</file>
+
+<file path=ppt/slides/slide7.xml><?xml version="1.0" encoding="utf-8"?>
+<p:sld xmlns:a="http://schemas.openxmlformats.org/drawingml/2006/main" xmlns:r="http://schemas.openxmlformats.org/officeDocument/2006/relationships" xmlns:p="http://schemas.openxmlformats.org/presentationml/2006/main">
+  <p:cSld>
+    <p:spTree>
+      <p:nvGrpSpPr>
+        <p:cNvPr id="1" name=""/>
+        <p:cNvGrpSpPr/>
+        <p:nvPr/>
+      </p:nvGrpSpPr>
+      <p:grpSpPr>
+        <a:xfrm>
+          <a:off x="0" y="0"/>
+          <a:ext cx="0" cy="0"/>
+          <a:chOff x="0" y="0"/>
+          <a:chExt cx="0" cy="0"/>
+        </a:xfrm>
+      </p:grpSpPr>
+      <p:sp>
+        <p:nvSpPr>
+          <p:cNvPr id="6" name="Titel 5"/>
+          <p:cNvSpPr>
+            <a:spLocks noGrp="1"/>
+          </p:cNvSpPr>
+          <p:nvPr>
+            <p:ph type="ctrTitle"/>
+          </p:nvPr>
+        </p:nvSpPr>
+        <p:spPr>
+          <a:xfrm>
+            <a:off x="457200" y="1484783"/>
+            <a:ext cx="8147248" cy="2387129"/>
+          </a:xfrm>
+        </p:spPr>
+        <p:txBody>
+          <a:bodyPr>
+            <a:normAutofit fontScale="90000"/>
+          </a:bodyPr>
+          <a:lstStyle/>
+          <a:p>
+            <a:r>
+              <a:rPr lang="de-DE" sz="8800" dirty="0" err="1" smtClean="0">
+                <a:solidFill>
+                  <a:srgbClr val="FF5454"/>
+                </a:solidFill>
+              </a:rPr>
+              <a:t>Livedemo</a:t>
+            </a:r>
+            <a:r>
+              <a:rPr lang="de-DE" sz="8800" dirty="0" smtClean="0">
+                <a:solidFill>
+                  <a:srgbClr val="FF5454"/>
+                </a:solidFill>
+              </a:rPr>
+              <a:t> von HeartRate2Go</a:t>
+            </a:r>
+            <a:endParaRPr lang="de-DE" sz="8800" dirty="0">
+              <a:solidFill>
+                <a:srgbClr val="FF5454"/>
+              </a:solidFill>
+            </a:endParaRPr>
+          </a:p>
+        </p:txBody>
+      </p:sp>
+    </p:spTree>
+    <p:extLst>
+      <p:ext uri="{BB962C8B-B14F-4D97-AF65-F5344CB8AC3E}">
+        <p14:creationId xmlns:p14="http://schemas.microsoft.com/office/powerpoint/2010/main" val="1236177286"/>
+      </p:ext>
+    </p:extLst>
+  </p:cSld>
+  <p:clrMapOvr>
+    <a:masterClrMapping/>
+  </p:clrMapOvr>
+  <p:timing>
+    <p:tnLst>
+      <p:par>
+        <p:cTn id="1" dur="indefinite" restart="never" nodeType="tmRoot"/>
+      </p:par>
+    </p:tnLst>
+  </p:timing>
+</p:sld>
+</file>
+
+<file path=ppt/slides/slide8.xml><?xml version="1.0" encoding="utf-8"?>
+<p:sld xmlns:a="http://schemas.openxmlformats.org/drawingml/2006/main" xmlns:r="http://schemas.openxmlformats.org/officeDocument/2006/relationships" xmlns:p="http://schemas.openxmlformats.org/presentationml/2006/main">
+  <p:cSld>
+    <p:spTree>
+      <p:nvGrpSpPr>
+        <p:cNvPr id="1" name=""/>
+        <p:cNvGrpSpPr/>
+        <p:nvPr/>
+      </p:nvGrpSpPr>
+      <p:grpSpPr>
+        <a:xfrm>
+          <a:off x="0" y="0"/>
+          <a:ext cx="0" cy="0"/>
+          <a:chOff x="0" y="0"/>
+          <a:chExt cx="0" cy="0"/>
+        </a:xfrm>
+      </p:grpSpPr>
+      <p:sp>
+        <p:nvSpPr>
+          <p:cNvPr id="2" name="Titel 1"/>
+          <p:cNvSpPr>
+            <a:spLocks noGrp="1"/>
+          </p:cNvSpPr>
+          <p:nvPr>
+            <p:ph type="title"/>
+          </p:nvPr>
+        </p:nvSpPr>
+        <p:spPr/>
+        <p:txBody>
+          <a:bodyPr/>
+          <a:lstStyle/>
+          <a:p>
+            <a:r>
+              <a:rPr lang="de-DE" dirty="0" smtClean="0"/>
+              <a:t>Ausblick von HeartRate2Go</a:t>
+            </a:r>
+            <a:endParaRPr lang="de-DE" dirty="0"/>
+          </a:p>
+        </p:txBody>
+      </p:sp>
+      <p:sp>
+        <p:nvSpPr>
+          <p:cNvPr id="3" name="Inhaltsplatzhalter 2"/>
+          <p:cNvSpPr>
+            <a:spLocks noGrp="1"/>
+          </p:cNvSpPr>
+          <p:nvPr>
+            <p:ph idx="1"/>
+          </p:nvPr>
+        </p:nvSpPr>
+        <p:spPr>
+          <a:xfrm>
+            <a:off x="457200" y="3068960"/>
+            <a:ext cx="8229600" cy="3505576"/>
+          </a:xfrm>
+        </p:spPr>
+        <p:txBody>
+          <a:bodyPr/>
+          <a:lstStyle/>
+          <a:p>
+            <a:r>
+              <a:rPr lang="de-DE" dirty="0" smtClean="0">
+                <a:latin typeface="+mj-lt"/>
+              </a:rPr>
+              <a:t>Benutzerprofile mit Anamneseabfrage</a:t>
+            </a:r>
+          </a:p>
+          <a:p>
+            <a:r>
+              <a:rPr lang="de-DE" dirty="0" smtClean="0">
+                <a:latin typeface="+mj-lt"/>
+              </a:rPr>
+              <a:t>Erste Einschätzung der Werte</a:t>
+            </a:r>
+          </a:p>
+          <a:p>
+            <a:r>
+              <a:rPr lang="de-DE" dirty="0" smtClean="0">
+                <a:latin typeface="+mj-lt"/>
+              </a:rPr>
+              <a:t>Markierungen setzen</a:t>
+            </a:r>
+          </a:p>
+          <a:p>
+            <a:r>
+              <a:rPr lang="de-DE" dirty="0" smtClean="0">
+                <a:latin typeface="+mj-lt"/>
+              </a:rPr>
+              <a:t>Berechnung des Kalorienverbrauchs</a:t>
+            </a:r>
+          </a:p>
+          <a:p>
+            <a:r>
+              <a:rPr lang="de-DE" dirty="0" smtClean="0">
+                <a:latin typeface="+mj-lt"/>
+              </a:rPr>
+              <a:t>iOS App</a:t>
+            </a:r>
+            <a:endParaRPr lang="de-DE" dirty="0">
+              <a:latin typeface="+mj-lt"/>
+            </a:endParaRPr>
+          </a:p>
+        </p:txBody>
+      </p:sp>
+    </p:spTree>
+    <p:extLst>
+      <p:ext uri="{BB962C8B-B14F-4D97-AF65-F5344CB8AC3E}">
+        <p14:creationId xmlns:p14="http://schemas.microsoft.com/office/powerpoint/2010/main" val="2640618294"/>
+      </p:ext>
+    </p:extLst>
+  </p:cSld>
+  <p:clrMapOvr>
+    <a:masterClrMapping/>
+  </p:clrMapOvr>
+  <p:timing>
+    <p:tnLst>
+      <p:par>
+        <p:cTn id="1" dur="indefinite" restart="never" nodeType="tmRoot"/>
+      </p:par>
+    </p:tnLst>
+  </p:timing>
+</p:sld>
+</file>
+
+<file path=ppt/slides/slide9.xml><?xml version="1.0" encoding="utf-8"?>
 <p:sld xmlns:a="http://schemas.openxmlformats.org/drawingml/2006/main" xmlns:r="http://schemas.openxmlformats.org/officeDocument/2006/relationships" xmlns:p="http://schemas.openxmlformats.org/presentationml/2006/main">
   <p:cSld>
     <p:spTree>
@@ -5254,7 +6450,7 @@
           </a:prstGeom>
           <a:noFill/>
           <a:extLst>
-            <a:ext uri="{909E8E84-426E-40dd-AFC4-6F175D3DCCD1}">
+            <a:ext uri="{909E8E84-426E-40DD-AFC4-6F175D3DCCD1}">
               <a14:hiddenFill xmlns:a14="http://schemas.microsoft.com/office/drawing/2010/main">
                 <a:solidFill>
                   <a:srgbClr val="FFFFFF"/>
@@ -5277,7 +6473,7 @@
   <p:timing>
     <p:tnLst>
       <p:par>
-        <p:cTn xmlns:p14="http://schemas.microsoft.com/office/powerpoint/2010/main" id="1" dur="indefinite" restart="never" nodeType="tmRoot">
+        <p:cTn id="1" dur="indefinite" restart="never" nodeType="tmRoot">
           <p:childTnLst>
             <p:seq concurrent="1" nextAc="seek">
               <p:cTn id="2" dur="indefinite" nodeType="mainSeq">
@@ -5345,1361 +6541,6 @@
             </p:seq>
           </p:childTnLst>
         </p:cTn>
-      </p:par>
-    </p:tnLst>
-  </p:timing>
-</p:sld>
-</file>
-
-<file path=ppt/slides/slide2.xml><?xml version="1.0" encoding="utf-8"?>
-<p:sld xmlns:a="http://schemas.openxmlformats.org/drawingml/2006/main" xmlns:r="http://schemas.openxmlformats.org/officeDocument/2006/relationships" xmlns:p="http://schemas.openxmlformats.org/presentationml/2006/main">
-  <p:cSld>
-    <p:spTree>
-      <p:nvGrpSpPr>
-        <p:cNvPr id="1" name=""/>
-        <p:cNvGrpSpPr/>
-        <p:nvPr/>
-      </p:nvGrpSpPr>
-      <p:grpSpPr>
-        <a:xfrm>
-          <a:off x="0" y="0"/>
-          <a:ext cx="0" cy="0"/>
-          <a:chOff x="0" y="0"/>
-          <a:chExt cx="0" cy="0"/>
-        </a:xfrm>
-      </p:grpSpPr>
-      <p:sp>
-        <p:nvSpPr>
-          <p:cNvPr id="2" name="Titel 1"/>
-          <p:cNvSpPr>
-            <a:spLocks noGrp="1"/>
-          </p:cNvSpPr>
-          <p:nvPr>
-            <p:ph type="title"/>
-          </p:nvPr>
-        </p:nvSpPr>
-        <p:spPr/>
-        <p:txBody>
-          <a:bodyPr/>
-          <a:lstStyle/>
-          <a:p>
-            <a:r>
-              <a:rPr lang="de-DE" dirty="0" smtClean="0"/>
-              <a:t>Ziel von HeartRate2Go</a:t>
-            </a:r>
-            <a:endParaRPr lang="de-DE" dirty="0"/>
-          </a:p>
-        </p:txBody>
-      </p:sp>
-      <p:sp>
-        <p:nvSpPr>
-          <p:cNvPr id="3" name="Inhaltsplatzhalter 2"/>
-          <p:cNvSpPr>
-            <a:spLocks noGrp="1"/>
-          </p:cNvSpPr>
-          <p:nvPr>
-            <p:ph idx="1"/>
-          </p:nvPr>
-        </p:nvSpPr>
-        <p:spPr>
-          <a:xfrm>
-            <a:off x="457200" y="3429000"/>
-            <a:ext cx="8219256" cy="3145536"/>
-          </a:xfrm>
-        </p:spPr>
-        <p:txBody>
-          <a:bodyPr/>
-          <a:lstStyle/>
-          <a:p>
-            <a:pPr marL="109728" indent="0">
-              <a:buNone/>
-            </a:pPr>
-            <a:r>
-              <a:rPr lang="de-DE" dirty="0" smtClean="0"/>
-              <a:t>Den Puls messen, graphisch darstellen, speichern und dem Anwender so einen guten Überblick über seine Herzfrequenz geben.</a:t>
-            </a:r>
-            <a:endParaRPr lang="de-DE" dirty="0"/>
-          </a:p>
-        </p:txBody>
-      </p:sp>
-    </p:spTree>
-    <p:extLst>
-      <p:ext uri="{BB962C8B-B14F-4D97-AF65-F5344CB8AC3E}">
-        <p14:creationId xmlns:p14="http://schemas.microsoft.com/office/powerpoint/2010/main" val="496398657"/>
-      </p:ext>
-    </p:extLst>
-  </p:cSld>
-  <p:clrMapOvr>
-    <a:masterClrMapping/>
-  </p:clrMapOvr>
-  <p:timing>
-    <p:tnLst>
-      <p:par>
-        <p:cTn xmlns:p14="http://schemas.microsoft.com/office/powerpoint/2010/main" id="1" dur="indefinite" restart="never" nodeType="tmRoot"/>
-      </p:par>
-    </p:tnLst>
-  </p:timing>
-</p:sld>
-</file>
-
-<file path=ppt/slides/slide3.xml><?xml version="1.0" encoding="utf-8"?>
-<p:sld xmlns:a="http://schemas.openxmlformats.org/drawingml/2006/main" xmlns:r="http://schemas.openxmlformats.org/officeDocument/2006/relationships" xmlns:p="http://schemas.openxmlformats.org/presentationml/2006/main">
-  <p:cSld>
-    <p:spTree>
-      <p:nvGrpSpPr>
-        <p:cNvPr id="1" name=""/>
-        <p:cNvGrpSpPr/>
-        <p:nvPr/>
-      </p:nvGrpSpPr>
-      <p:grpSpPr>
-        <a:xfrm>
-          <a:off x="0" y="0"/>
-          <a:ext cx="0" cy="0"/>
-          <a:chOff x="0" y="0"/>
-          <a:chExt cx="0" cy="0"/>
-        </a:xfrm>
-      </p:grpSpPr>
-      <p:sp>
-        <p:nvSpPr>
-          <p:cNvPr id="2" name="Titel 1"/>
-          <p:cNvSpPr>
-            <a:spLocks noGrp="1"/>
-          </p:cNvSpPr>
-          <p:nvPr>
-            <p:ph type="title"/>
-          </p:nvPr>
-        </p:nvSpPr>
-        <p:spPr/>
-        <p:txBody>
-          <a:bodyPr/>
-          <a:lstStyle/>
-          <a:p>
-            <a:r>
-              <a:rPr lang="de-DE" dirty="0" smtClean="0"/>
-              <a:t>Komponenten von HeartRate2Go</a:t>
-            </a:r>
-            <a:endParaRPr lang="de-DE" dirty="0"/>
-          </a:p>
-        </p:txBody>
-      </p:sp>
-      <p:pic>
-        <p:nvPicPr>
-          <p:cNvPr id="2050" name="Picture 2" descr="C:\Users\LMH\Desktop\ablauf.png"/>
-          <p:cNvPicPr>
-            <a:picLocks noChangeAspect="1" noChangeArrowheads="1"/>
-          </p:cNvPicPr>
-          <p:nvPr/>
-        </p:nvPicPr>
-        <p:blipFill>
-          <a:blip r:embed="rId3">
-            <a:extLst>
-              <a:ext uri="{28A0092B-C50C-407E-A947-70E740481C1C}">
-                <a14:useLocalDpi xmlns:a14="http://schemas.microsoft.com/office/drawing/2010/main" val="0"/>
-              </a:ext>
-            </a:extLst>
-          </a:blip>
-          <a:srcRect/>
-          <a:stretch>
-            <a:fillRect/>
-          </a:stretch>
-        </p:blipFill>
-        <p:spPr bwMode="auto">
-          <a:xfrm>
-            <a:off x="0" y="2348880"/>
-            <a:ext cx="8812528" cy="4316856"/>
-          </a:xfrm>
-          <a:prstGeom prst="rect">
-            <a:avLst/>
-          </a:prstGeom>
-          <a:noFill/>
-          <a:extLst>
-            <a:ext uri="{909E8E84-426E-40dd-AFC4-6F175D3DCCD1}">
-              <a14:hiddenFill xmlns:a14="http://schemas.microsoft.com/office/drawing/2010/main">
-                <a:solidFill>
-                  <a:srgbClr val="FFFFFF"/>
-                </a:solidFill>
-              </a14:hiddenFill>
-            </a:ext>
-          </a:extLst>
-        </p:spPr>
-      </p:pic>
-    </p:spTree>
-    <p:extLst>
-      <p:ext uri="{BB962C8B-B14F-4D97-AF65-F5344CB8AC3E}">
-        <p14:creationId xmlns:p14="http://schemas.microsoft.com/office/powerpoint/2010/main" val="3487149943"/>
-      </p:ext>
-    </p:extLst>
-  </p:cSld>
-  <p:clrMapOvr>
-    <a:masterClrMapping/>
-  </p:clrMapOvr>
-  <p:timing>
-    <p:tnLst>
-      <p:par>
-        <p:cTn xmlns:p14="http://schemas.microsoft.com/office/powerpoint/2010/main" id="1" dur="indefinite" restart="never" nodeType="tmRoot"/>
-      </p:par>
-    </p:tnLst>
-  </p:timing>
-</p:sld>
-</file>
-
-<file path=ppt/slides/slide4.xml><?xml version="1.0" encoding="utf-8"?>
-<p:sld xmlns:a="http://schemas.openxmlformats.org/drawingml/2006/main" xmlns:r="http://schemas.openxmlformats.org/officeDocument/2006/relationships" xmlns:p="http://schemas.openxmlformats.org/presentationml/2006/main">
-  <p:cSld>
-    <p:spTree>
-      <p:nvGrpSpPr>
-        <p:cNvPr id="1" name=""/>
-        <p:cNvGrpSpPr/>
-        <p:nvPr/>
-      </p:nvGrpSpPr>
-      <p:grpSpPr>
-        <a:xfrm>
-          <a:off x="0" y="0"/>
-          <a:ext cx="0" cy="0"/>
-          <a:chOff x="0" y="0"/>
-          <a:chExt cx="0" cy="0"/>
-        </a:xfrm>
-      </p:grpSpPr>
-      <p:sp>
-        <p:nvSpPr>
-          <p:cNvPr id="2" name="Titel 1"/>
-          <p:cNvSpPr>
-            <a:spLocks noGrp="1"/>
-          </p:cNvSpPr>
-          <p:nvPr>
-            <p:ph type="title"/>
-          </p:nvPr>
-        </p:nvSpPr>
-        <p:spPr/>
-        <p:txBody>
-          <a:bodyPr>
-            <a:normAutofit/>
-          </a:bodyPr>
-          <a:lstStyle/>
-          <a:p>
-            <a:r>
-              <a:rPr lang="de-DE" dirty="0" err="1" smtClean="0"/>
-              <a:t>Smartwatch</a:t>
-            </a:r>
-            <a:endParaRPr lang="de-DE" dirty="0"/>
-          </a:p>
-        </p:txBody>
-      </p:sp>
-      <p:sp>
-        <p:nvSpPr>
-          <p:cNvPr id="3" name="Inhaltsplatzhalter 2"/>
-          <p:cNvSpPr>
-            <a:spLocks noGrp="1"/>
-          </p:cNvSpPr>
-          <p:nvPr>
-            <p:ph sz="half" idx="1"/>
-          </p:nvPr>
-        </p:nvSpPr>
-        <p:spPr>
-          <a:xfrm>
-            <a:off x="457200" y="2249424"/>
-            <a:ext cx="5915000" cy="4525963"/>
-          </a:xfrm>
-        </p:spPr>
-        <p:txBody>
-          <a:bodyPr>
-            <a:normAutofit fontScale="70000" lnSpcReduction="20000"/>
-          </a:bodyPr>
-          <a:lstStyle/>
-          <a:p>
-            <a:r>
-              <a:rPr lang="de-DE" sz="2600" dirty="0"/>
-              <a:t>Zugriff auf Sensoren (Puls und Schrittzähler)</a:t>
-            </a:r>
-          </a:p>
-          <a:p>
-            <a:pPr marL="109728" indent="0">
-              <a:buNone/>
-            </a:pPr>
-            <a:endParaRPr lang="de-DE" sz="2600" dirty="0"/>
-          </a:p>
-          <a:p>
-            <a:r>
-              <a:rPr lang="de-DE" sz="2600" dirty="0"/>
-              <a:t> Konfiguration über Smartphone</a:t>
-            </a:r>
-          </a:p>
-          <a:p>
-            <a:pPr lvl="1"/>
-            <a:r>
-              <a:rPr lang="de-DE" sz="2200" dirty="0">
-                <a:solidFill>
-                  <a:schemeClr val="tx1"/>
-                </a:solidFill>
-              </a:rPr>
-              <a:t>regelmäßige Vibration zur  Erinnerung</a:t>
-            </a:r>
-          </a:p>
-          <a:p>
-            <a:pPr lvl="1"/>
-            <a:r>
-              <a:rPr lang="de-DE" sz="2200" dirty="0">
-                <a:solidFill>
-                  <a:schemeClr val="tx1"/>
-                </a:solidFill>
-              </a:rPr>
-              <a:t>Bildschirm angeschaltet lassen</a:t>
-            </a:r>
-          </a:p>
-          <a:p>
-            <a:pPr lvl="1"/>
-            <a:r>
-              <a:rPr lang="de-DE" sz="2200" dirty="0">
-                <a:solidFill>
-                  <a:schemeClr val="tx1"/>
-                </a:solidFill>
-              </a:rPr>
-              <a:t>Messungsintervall</a:t>
-            </a:r>
-          </a:p>
-          <a:p>
-            <a:endParaRPr lang="de-DE" sz="2600" dirty="0"/>
-          </a:p>
-          <a:p>
-            <a:r>
-              <a:rPr lang="de-DE" sz="2600" dirty="0"/>
-              <a:t>Angabe von Messungstyp (Aktivitäts- oder Ruhemessung)</a:t>
-            </a:r>
-          </a:p>
-          <a:p>
-            <a:endParaRPr lang="de-DE" sz="2600" dirty="0"/>
-          </a:p>
-          <a:p>
-            <a:r>
-              <a:rPr lang="de-DE" sz="2600" dirty="0"/>
-              <a:t>Aktivitätsmessung: kontinuierliche Aufzeichnung von Zeit, Puls und Schrittanzahl</a:t>
-            </a:r>
-          </a:p>
-          <a:p>
-            <a:pPr marL="109728" indent="0">
-              <a:buNone/>
-            </a:pPr>
-            <a:r>
-              <a:rPr lang="de-DE" sz="2600" dirty="0"/>
-              <a:t>		</a:t>
-            </a:r>
-          </a:p>
-          <a:p>
-            <a:r>
-              <a:rPr lang="de-DE" sz="2600" dirty="0"/>
-              <a:t>Ruhemessung: Messung über 60 Sekunden und Bildung des Modal-Wertes</a:t>
-            </a:r>
-          </a:p>
-          <a:p>
-            <a:endParaRPr lang="de-DE" sz="2600" dirty="0"/>
-          </a:p>
-          <a:p>
-            <a:r>
-              <a:rPr lang="de-DE" sz="2600" dirty="0"/>
-              <a:t>Abfrage der Stimmung zur späteren Auswertung</a:t>
-            </a:r>
-          </a:p>
-          <a:p>
-            <a:pPr marL="109728" indent="0">
-              <a:buNone/>
-            </a:pPr>
-            <a:endParaRPr lang="de-DE" dirty="0"/>
-          </a:p>
-        </p:txBody>
-      </p:sp>
-      <p:pic>
-        <p:nvPicPr>
-          <p:cNvPr id="3075" name="Picture 3" descr="C:\Users\LMH\Desktop\aktivitaet.png"/>
-          <p:cNvPicPr>
-            <a:picLocks noChangeAspect="1" noChangeArrowheads="1"/>
-          </p:cNvPicPr>
-          <p:nvPr/>
-        </p:nvPicPr>
-        <p:blipFill>
-          <a:blip r:embed="rId3">
-            <a:extLst>
-              <a:ext uri="{28A0092B-C50C-407E-A947-70E740481C1C}">
-                <a14:useLocalDpi xmlns:a14="http://schemas.microsoft.com/office/drawing/2010/main" val="0"/>
-              </a:ext>
-            </a:extLst>
-          </a:blip>
-          <a:srcRect/>
-          <a:stretch>
-            <a:fillRect/>
-          </a:stretch>
-        </p:blipFill>
-        <p:spPr bwMode="auto">
-          <a:xfrm>
-            <a:off x="6660232" y="832912"/>
-            <a:ext cx="1746548" cy="5852547"/>
-          </a:xfrm>
-          <a:prstGeom prst="rect">
-            <a:avLst/>
-          </a:prstGeom>
-          <a:noFill/>
-          <a:extLst>
-            <a:ext uri="{909E8E84-426E-40dd-AFC4-6F175D3DCCD1}">
-              <a14:hiddenFill xmlns:a14="http://schemas.microsoft.com/office/drawing/2010/main">
-                <a:solidFill>
-                  <a:srgbClr val="FFFFFF"/>
-                </a:solidFill>
-              </a14:hiddenFill>
-            </a:ext>
-          </a:extLst>
-        </p:spPr>
-      </p:pic>
-    </p:spTree>
-    <p:extLst>
-      <p:ext uri="{BB962C8B-B14F-4D97-AF65-F5344CB8AC3E}">
-        <p14:creationId xmlns:p14="http://schemas.microsoft.com/office/powerpoint/2010/main" val="1224773040"/>
-      </p:ext>
-    </p:extLst>
-  </p:cSld>
-  <p:clrMapOvr>
-    <a:masterClrMapping/>
-  </p:clrMapOvr>
-  <p:timing>
-    <p:tnLst>
-      <p:par>
-        <p:cTn xmlns:p14="http://schemas.microsoft.com/office/powerpoint/2010/main" id="1" dur="indefinite" restart="never" nodeType="tmRoot"/>
-      </p:par>
-    </p:tnLst>
-  </p:timing>
-</p:sld>
-</file>
-
-<file path=ppt/slides/slide5.xml><?xml version="1.0" encoding="utf-8"?>
-<p:sld xmlns:a="http://schemas.openxmlformats.org/drawingml/2006/main" xmlns:r="http://schemas.openxmlformats.org/officeDocument/2006/relationships" xmlns:p="http://schemas.openxmlformats.org/presentationml/2006/main">
-  <p:cSld>
-    <p:spTree>
-      <p:nvGrpSpPr>
-        <p:cNvPr id="1" name=""/>
-        <p:cNvGrpSpPr/>
-        <p:nvPr/>
-      </p:nvGrpSpPr>
-      <p:grpSpPr>
-        <a:xfrm>
-          <a:off x="0" y="0"/>
-          <a:ext cx="0" cy="0"/>
-          <a:chOff x="0" y="0"/>
-          <a:chExt cx="0" cy="0"/>
-        </a:xfrm>
-      </p:grpSpPr>
-      <p:sp>
-        <p:nvSpPr>
-          <p:cNvPr id="2" name="Titel 1"/>
-          <p:cNvSpPr>
-            <a:spLocks noGrp="1"/>
-          </p:cNvSpPr>
-          <p:nvPr>
-            <p:ph type="title"/>
-          </p:nvPr>
-        </p:nvSpPr>
-        <p:spPr/>
-        <p:txBody>
-          <a:bodyPr/>
-          <a:lstStyle/>
-          <a:p>
-            <a:r>
-              <a:rPr lang="de-DE" dirty="0" smtClean="0"/>
-              <a:t>Smartphone</a:t>
-            </a:r>
-            <a:endParaRPr lang="de-DE" dirty="0"/>
-          </a:p>
-        </p:txBody>
-      </p:sp>
-      <p:sp>
-        <p:nvSpPr>
-          <p:cNvPr id="4" name="Inhaltsplatzhalter 3"/>
-          <p:cNvSpPr>
-            <a:spLocks noGrp="1"/>
-          </p:cNvSpPr>
-          <p:nvPr>
-            <p:ph sz="half" idx="2"/>
-          </p:nvPr>
-        </p:nvSpPr>
-        <p:spPr>
-          <a:xfrm>
-            <a:off x="3040703" y="2276872"/>
-            <a:ext cx="5646097" cy="4498515"/>
-          </a:xfrm>
-        </p:spPr>
-        <p:txBody>
-          <a:bodyPr>
-            <a:normAutofit lnSpcReduction="10000"/>
-          </a:bodyPr>
-          <a:lstStyle/>
-          <a:p>
-            <a:r>
-              <a:rPr lang="de-DE" dirty="0"/>
-              <a:t>Kommunikation über </a:t>
-            </a:r>
-            <a:r>
-              <a:rPr lang="de-DE" dirty="0" err="1"/>
-              <a:t>Wearable</a:t>
-            </a:r>
-            <a:r>
-              <a:rPr lang="de-DE" dirty="0"/>
-              <a:t>-Bluetooth-API</a:t>
-            </a:r>
-          </a:p>
-          <a:p>
-            <a:endParaRPr lang="de-DE" dirty="0"/>
-          </a:p>
-          <a:p>
-            <a:r>
-              <a:rPr lang="de-DE" dirty="0"/>
-              <a:t>Background-Service zum Empfangen und Senden von Daten</a:t>
-            </a:r>
-          </a:p>
-          <a:p>
-            <a:endParaRPr lang="de-DE" dirty="0"/>
-          </a:p>
-          <a:p>
-            <a:r>
-              <a:rPr lang="de-DE" dirty="0"/>
-              <a:t>Anzeige von Puls-Diagrammen über Library "</a:t>
-            </a:r>
-            <a:r>
-              <a:rPr lang="de-DE" dirty="0" err="1"/>
-              <a:t>GraphView</a:t>
-            </a:r>
-            <a:r>
-              <a:rPr lang="de-DE" dirty="0"/>
-              <a:t>"</a:t>
-            </a:r>
-          </a:p>
-          <a:p>
-            <a:endParaRPr lang="de-DE" dirty="0"/>
-          </a:p>
-          <a:p>
-            <a:r>
-              <a:rPr lang="de-DE" dirty="0"/>
-              <a:t>Persistente Speicherung der Daten und Auswahl über Dropdown</a:t>
-            </a:r>
-          </a:p>
-          <a:p>
-            <a:endParaRPr lang="de-DE" dirty="0"/>
-          </a:p>
-          <a:p>
-            <a:r>
-              <a:rPr lang="de-DE" dirty="0" err="1"/>
-              <a:t>Debug</a:t>
-            </a:r>
-            <a:r>
-              <a:rPr lang="de-DE" dirty="0"/>
-              <a:t>-Modus zur Erzeugung von zufälligen Daten</a:t>
-            </a:r>
-          </a:p>
-          <a:p>
-            <a:endParaRPr lang="de-DE" dirty="0"/>
-          </a:p>
-        </p:txBody>
-      </p:sp>
-      <p:pic>
-        <p:nvPicPr>
-          <p:cNvPr id="4098" name="Picture 2" descr="C:\Users\LMH\Desktop\4986.jpg"/>
-          <p:cNvPicPr>
-            <a:picLocks noChangeAspect="1" noChangeArrowheads="1"/>
-          </p:cNvPicPr>
-          <p:nvPr/>
-        </p:nvPicPr>
-        <p:blipFill>
-          <a:blip r:embed="rId2">
-            <a:extLst>
-              <a:ext uri="{28A0092B-C50C-407E-A947-70E740481C1C}">
-                <a14:useLocalDpi xmlns:a14="http://schemas.microsoft.com/office/drawing/2010/main" val="0"/>
-              </a:ext>
-            </a:extLst>
-          </a:blip>
-          <a:srcRect/>
-          <a:stretch>
-            <a:fillRect/>
-          </a:stretch>
-        </p:blipFill>
-        <p:spPr bwMode="auto">
-          <a:xfrm>
-            <a:off x="539552" y="2276872"/>
-            <a:ext cx="2501151" cy="4446490"/>
-          </a:xfrm>
-          <a:prstGeom prst="rect">
-            <a:avLst/>
-          </a:prstGeom>
-          <a:noFill/>
-          <a:extLst>
-            <a:ext uri="{909E8E84-426E-40dd-AFC4-6F175D3DCCD1}">
-              <a14:hiddenFill xmlns:a14="http://schemas.microsoft.com/office/drawing/2010/main">
-                <a:solidFill>
-                  <a:srgbClr val="FFFFFF"/>
-                </a:solidFill>
-              </a14:hiddenFill>
-            </a:ext>
-          </a:extLst>
-        </p:spPr>
-      </p:pic>
-    </p:spTree>
-    <p:extLst>
-      <p:ext uri="{BB962C8B-B14F-4D97-AF65-F5344CB8AC3E}">
-        <p14:creationId xmlns:p14="http://schemas.microsoft.com/office/powerpoint/2010/main" val="952660724"/>
-      </p:ext>
-    </p:extLst>
-  </p:cSld>
-  <p:clrMapOvr>
-    <a:masterClrMapping/>
-  </p:clrMapOvr>
-  <p:timing>
-    <p:tnLst>
-      <p:par>
-        <p:cTn xmlns:p14="http://schemas.microsoft.com/office/powerpoint/2010/main" id="1" dur="indefinite" restart="never" nodeType="tmRoot"/>
-      </p:par>
-    </p:tnLst>
-  </p:timing>
-</p:sld>
-</file>
-
-<file path=ppt/slides/slide6.xml><?xml version="1.0" encoding="utf-8"?>
-<p:sld xmlns:a="http://schemas.openxmlformats.org/drawingml/2006/main" xmlns:r="http://schemas.openxmlformats.org/officeDocument/2006/relationships" xmlns:p="http://schemas.openxmlformats.org/presentationml/2006/main">
-  <p:cSld>
-    <p:spTree>
-      <p:nvGrpSpPr>
-        <p:cNvPr id="1" name=""/>
-        <p:cNvGrpSpPr/>
-        <p:nvPr/>
-      </p:nvGrpSpPr>
-      <p:grpSpPr>
-        <a:xfrm>
-          <a:off x="0" y="0"/>
-          <a:ext cx="0" cy="0"/>
-          <a:chOff x="0" y="0"/>
-          <a:chExt cx="0" cy="0"/>
-        </a:xfrm>
-      </p:grpSpPr>
-      <p:sp>
-        <p:nvSpPr>
-          <p:cNvPr id="2" name="Titel 1"/>
-          <p:cNvSpPr>
-            <a:spLocks noGrp="1"/>
-          </p:cNvSpPr>
-          <p:nvPr>
-            <p:ph type="title"/>
-          </p:nvPr>
-        </p:nvSpPr>
-        <p:spPr>
-          <a:xfrm>
-            <a:off x="467544" y="692696"/>
-            <a:ext cx="8229600" cy="1066800"/>
-          </a:xfrm>
-        </p:spPr>
-        <p:txBody>
-          <a:bodyPr/>
-          <a:lstStyle/>
-          <a:p>
-            <a:r>
-              <a:rPr lang="de-DE" dirty="0" smtClean="0"/>
-              <a:t>Desktop-Anwendung</a:t>
-            </a:r>
-            <a:endParaRPr lang="de-DE" dirty="0"/>
-          </a:p>
-        </p:txBody>
-      </p:sp>
-      <p:sp>
-        <p:nvSpPr>
-          <p:cNvPr id="4" name="Inhaltsplatzhalter 3"/>
-          <p:cNvSpPr>
-            <a:spLocks noGrp="1"/>
-          </p:cNvSpPr>
-          <p:nvPr>
-            <p:ph sz="half" idx="2"/>
-          </p:nvPr>
-        </p:nvSpPr>
-        <p:spPr>
-          <a:xfrm>
-            <a:off x="4644008" y="1772816"/>
-            <a:ext cx="4316288" cy="4858555"/>
-          </a:xfrm>
-        </p:spPr>
-        <p:txBody>
-          <a:bodyPr>
-            <a:noAutofit/>
-          </a:bodyPr>
-          <a:lstStyle/>
-          <a:p>
-            <a:pPr>
-              <a:lnSpc>
-                <a:spcPct val="150000"/>
-              </a:lnSpc>
-            </a:pPr>
-            <a:r>
-              <a:rPr lang="de-DE" sz="1800" dirty="0"/>
-              <a:t>Kommunikation mit </a:t>
-            </a:r>
-            <a:r>
-              <a:rPr lang="de-DE" sz="1800" dirty="0" smtClean="0"/>
-              <a:t>Smartphone</a:t>
-            </a:r>
-          </a:p>
-          <a:p>
-            <a:pPr>
-              <a:lnSpc>
-                <a:spcPct val="150000"/>
-              </a:lnSpc>
-            </a:pPr>
-            <a:r>
-              <a:rPr lang="de-DE" sz="1800" dirty="0" smtClean="0"/>
-              <a:t>Plattformunabhängig</a:t>
-            </a:r>
-            <a:endParaRPr lang="de-DE" sz="1800" dirty="0"/>
-          </a:p>
-          <a:p>
-            <a:pPr>
-              <a:lnSpc>
-                <a:spcPct val="150000"/>
-              </a:lnSpc>
-            </a:pPr>
-            <a:r>
-              <a:rPr lang="de-DE" sz="1800" dirty="0"/>
-              <a:t>Speicherung der </a:t>
-            </a:r>
-            <a:r>
-              <a:rPr lang="de-DE" sz="1800" dirty="0" smtClean="0"/>
-              <a:t>Daten</a:t>
-            </a:r>
-            <a:endParaRPr lang="de-DE" sz="1800" dirty="0" smtClean="0"/>
-          </a:p>
-          <a:p>
-            <a:pPr>
-              <a:lnSpc>
-                <a:spcPct val="150000"/>
-              </a:lnSpc>
-            </a:pPr>
-            <a:r>
-              <a:rPr lang="de-DE" sz="1800" dirty="0"/>
-              <a:t>Unterscheidung zwischen Ruhe- und </a:t>
-            </a:r>
-            <a:r>
-              <a:rPr lang="de-DE" sz="1800" dirty="0" smtClean="0"/>
-              <a:t>Aktivitätsmessung</a:t>
-            </a:r>
-            <a:endParaRPr lang="de-DE" sz="1800" dirty="0"/>
-          </a:p>
-          <a:p>
-            <a:pPr>
-              <a:lnSpc>
-                <a:spcPct val="150000"/>
-              </a:lnSpc>
-            </a:pPr>
-            <a:r>
-              <a:rPr lang="de-DE" sz="1800" dirty="0" smtClean="0"/>
-              <a:t>Graphische Darstellung der Messwerte </a:t>
-            </a:r>
-            <a:endParaRPr lang="de-DE" sz="1800" dirty="0"/>
-          </a:p>
-          <a:p>
-            <a:pPr>
-              <a:lnSpc>
-                <a:spcPct val="150000"/>
-              </a:lnSpc>
-            </a:pPr>
-            <a:r>
-              <a:rPr lang="de-DE" sz="1800" dirty="0" smtClean="0"/>
-              <a:t>Darstellung </a:t>
-            </a:r>
-            <a:r>
-              <a:rPr lang="de-DE" sz="1800" dirty="0"/>
-              <a:t>in tabellarischer </a:t>
-            </a:r>
-            <a:r>
-              <a:rPr lang="de-DE" sz="1800" dirty="0" smtClean="0"/>
-              <a:t>Form</a:t>
-            </a:r>
-            <a:endParaRPr lang="de-DE" sz="1800" dirty="0" smtClean="0"/>
-          </a:p>
-          <a:p>
-            <a:pPr>
-              <a:lnSpc>
-                <a:spcPct val="150000"/>
-              </a:lnSpc>
-            </a:pPr>
-            <a:r>
-              <a:rPr lang="de-DE" sz="1800" dirty="0" smtClean="0"/>
-              <a:t>Selektierung nach </a:t>
-            </a:r>
-            <a:r>
-              <a:rPr lang="de-DE" sz="1800" dirty="0" smtClean="0"/>
-              <a:t>Datum</a:t>
-            </a:r>
-            <a:endParaRPr lang="de-DE" sz="1800" dirty="0" smtClean="0"/>
-          </a:p>
-          <a:p>
-            <a:pPr>
-              <a:lnSpc>
-                <a:spcPct val="150000"/>
-              </a:lnSpc>
-            </a:pPr>
-            <a:r>
-              <a:rPr lang="de-DE" sz="1800" dirty="0" smtClean="0"/>
-              <a:t>Druckfunktion</a:t>
-            </a:r>
-            <a:endParaRPr lang="de-DE" sz="1800" dirty="0" smtClean="0"/>
-          </a:p>
-          <a:p>
-            <a:pPr>
-              <a:lnSpc>
-                <a:spcPct val="150000"/>
-              </a:lnSpc>
-            </a:pPr>
-            <a:r>
-              <a:rPr lang="de-DE" sz="1800" dirty="0" smtClean="0"/>
-              <a:t>Mehrsprachigkeit</a:t>
-            </a:r>
-            <a:endParaRPr lang="de-DE" sz="1800" dirty="0" smtClean="0"/>
-          </a:p>
-        </p:txBody>
-      </p:sp>
-      <p:pic>
-        <p:nvPicPr>
-          <p:cNvPr id="5122" name="Picture 2" descr="C:\Users\LMH\Desktop\Bildschirmfoto.png"/>
-          <p:cNvPicPr>
-            <a:picLocks noChangeAspect="1" noChangeArrowheads="1"/>
-          </p:cNvPicPr>
-          <p:nvPr/>
-        </p:nvPicPr>
-        <p:blipFill>
-          <a:blip r:embed="rId2" cstate="print">
-            <a:extLst>
-              <a:ext uri="{28A0092B-C50C-407E-A947-70E740481C1C}">
-                <a14:useLocalDpi xmlns:a14="http://schemas.microsoft.com/office/drawing/2010/main" val="0"/>
-              </a:ext>
-            </a:extLst>
-          </a:blip>
-          <a:srcRect/>
-          <a:stretch>
-            <a:fillRect/>
-          </a:stretch>
-        </p:blipFill>
-        <p:spPr bwMode="auto">
-          <a:xfrm>
-            <a:off x="251520" y="1700808"/>
-            <a:ext cx="4248472" cy="2478785"/>
-          </a:xfrm>
-          <a:prstGeom prst="rect">
-            <a:avLst/>
-          </a:prstGeom>
-          <a:noFill/>
-          <a:extLst>
-            <a:ext uri="{909E8E84-426E-40dd-AFC4-6F175D3DCCD1}">
-              <a14:hiddenFill xmlns:a14="http://schemas.microsoft.com/office/drawing/2010/main">
-                <a:solidFill>
-                  <a:srgbClr val="FFFFFF"/>
-                </a:solidFill>
-              </a14:hiddenFill>
-            </a:ext>
-          </a:extLst>
-        </p:spPr>
-      </p:pic>
-      <p:pic>
-        <p:nvPicPr>
-          <p:cNvPr id="3" name="Bild 2" descr="Bildschirmfoto 2015-01-02 um 21.55.50.png"/>
-          <p:cNvPicPr>
-            <a:picLocks noChangeAspect="1"/>
-          </p:cNvPicPr>
-          <p:nvPr/>
-        </p:nvPicPr>
-        <p:blipFill>
-          <a:blip r:embed="rId3">
-            <a:extLst>
-              <a:ext uri="{28A0092B-C50C-407E-A947-70E740481C1C}">
-                <a14:useLocalDpi xmlns:a14="http://schemas.microsoft.com/office/drawing/2010/main" val="0"/>
-              </a:ext>
-            </a:extLst>
-          </a:blip>
-          <a:stretch>
-            <a:fillRect/>
-          </a:stretch>
-        </p:blipFill>
-        <p:spPr>
-          <a:xfrm>
-            <a:off x="251520" y="4293096"/>
-            <a:ext cx="4248472" cy="2448272"/>
-          </a:xfrm>
-          <a:prstGeom prst="rect">
-            <a:avLst/>
-          </a:prstGeom>
-        </p:spPr>
-      </p:pic>
-    </p:spTree>
-    <p:extLst>
-      <p:ext uri="{BB962C8B-B14F-4D97-AF65-F5344CB8AC3E}">
-        <p14:creationId xmlns:p14="http://schemas.microsoft.com/office/powerpoint/2010/main" val="2841675769"/>
-      </p:ext>
-    </p:extLst>
-  </p:cSld>
-  <p:clrMapOvr>
-    <a:masterClrMapping/>
-  </p:clrMapOvr>
-  <p:timing>
-    <p:tnLst>
-      <p:par>
-        <p:cTn xmlns:p14="http://schemas.microsoft.com/office/powerpoint/2010/main" id="1" dur="indefinite" restart="never" nodeType="tmRoot"/>
-      </p:par>
-    </p:tnLst>
-  </p:timing>
-</p:sld>
-</file>
-
-<file path=ppt/slides/slide7.xml><?xml version="1.0" encoding="utf-8"?>
-<p:sld xmlns:a="http://schemas.openxmlformats.org/drawingml/2006/main" xmlns:r="http://schemas.openxmlformats.org/officeDocument/2006/relationships" xmlns:p="http://schemas.openxmlformats.org/presentationml/2006/main">
-  <p:cSld>
-    <p:spTree>
-      <p:nvGrpSpPr>
-        <p:cNvPr id="1" name=""/>
-        <p:cNvGrpSpPr/>
-        <p:nvPr/>
-      </p:nvGrpSpPr>
-      <p:grpSpPr>
-        <a:xfrm>
-          <a:off x="0" y="0"/>
-          <a:ext cx="0" cy="0"/>
-          <a:chOff x="0" y="0"/>
-          <a:chExt cx="0" cy="0"/>
-        </a:xfrm>
-      </p:grpSpPr>
-      <p:sp>
-        <p:nvSpPr>
-          <p:cNvPr id="2" name="Titel 1"/>
-          <p:cNvSpPr>
-            <a:spLocks noGrp="1"/>
-          </p:cNvSpPr>
-          <p:nvPr>
-            <p:ph type="title"/>
-          </p:nvPr>
-        </p:nvSpPr>
-        <p:spPr>
-          <a:xfrm>
-            <a:off x="611560" y="836712"/>
-            <a:ext cx="8229600" cy="1066800"/>
-          </a:xfrm>
-        </p:spPr>
-        <p:txBody>
-          <a:bodyPr/>
-          <a:lstStyle/>
-          <a:p>
-            <a:r>
-              <a:rPr lang="de-DE" dirty="0" smtClean="0"/>
-              <a:t>Architektur Desktop-Anwendung</a:t>
-            </a:r>
-            <a:endParaRPr lang="de-DE" dirty="0"/>
-          </a:p>
-        </p:txBody>
-      </p:sp>
-      <p:pic>
-        <p:nvPicPr>
-          <p:cNvPr id="5" name="Bild 4"/>
-          <p:cNvPicPr/>
-          <p:nvPr/>
-        </p:nvPicPr>
-        <p:blipFill>
-          <a:blip r:embed="rId2">
-            <a:extLst>
-              <a:ext uri="{28A0092B-C50C-407E-A947-70E740481C1C}">
-                <a14:useLocalDpi xmlns:a14="http://schemas.microsoft.com/office/drawing/2010/main" val="0"/>
-              </a:ext>
-            </a:extLst>
-          </a:blip>
-          <a:stretch>
-            <a:fillRect/>
-          </a:stretch>
-        </p:blipFill>
-        <p:spPr>
-          <a:xfrm>
-            <a:off x="539552" y="2132856"/>
-            <a:ext cx="4320480" cy="4320480"/>
-          </a:xfrm>
-          <a:prstGeom prst="rect">
-            <a:avLst/>
-          </a:prstGeom>
-          <a:extLst>
-            <a:ext uri="{FAA26D3D-D897-4be2-8F04-BA451C77F1D7}">
-              <ma14:placeholderFlag xmlns:ma14="http://schemas.microsoft.com/office/mac/drawingml/2011/main"/>
-            </a:ext>
-          </a:extLst>
-        </p:spPr>
-      </p:pic>
-      <p:sp>
-        <p:nvSpPr>
-          <p:cNvPr id="9" name="Inhaltsplatzhalter 8"/>
-          <p:cNvSpPr>
-            <a:spLocks noGrp="1"/>
-          </p:cNvSpPr>
-          <p:nvPr>
-            <p:ph sz="half" idx="2"/>
-          </p:nvPr>
-        </p:nvSpPr>
-        <p:spPr>
-          <a:xfrm>
-            <a:off x="5292080" y="1916832"/>
-            <a:ext cx="3678560" cy="4536503"/>
-          </a:xfrm>
-        </p:spPr>
-        <p:txBody>
-          <a:bodyPr>
-            <a:noAutofit/>
-          </a:bodyPr>
-          <a:lstStyle/>
-          <a:p>
-            <a:pPr>
-              <a:lnSpc>
-                <a:spcPct val="150000"/>
-              </a:lnSpc>
-            </a:pPr>
-            <a:r>
-              <a:rPr lang="de-DE" sz="2200" dirty="0" smtClean="0">
-                <a:solidFill>
-                  <a:srgbClr val="000000"/>
-                </a:solidFill>
-              </a:rPr>
-              <a:t>Model/View Konzept</a:t>
-            </a:r>
-          </a:p>
-          <a:p>
-            <a:pPr>
-              <a:lnSpc>
-                <a:spcPct val="150000"/>
-              </a:lnSpc>
-            </a:pPr>
-            <a:r>
-              <a:rPr lang="de-DE" sz="2200" dirty="0" smtClean="0">
-                <a:solidFill>
-                  <a:srgbClr val="000000"/>
-                </a:solidFill>
-              </a:rPr>
-              <a:t>View</a:t>
-            </a:r>
-          </a:p>
-          <a:p>
-            <a:pPr lvl="1">
-              <a:lnSpc>
-                <a:spcPct val="150000"/>
-              </a:lnSpc>
-            </a:pPr>
-            <a:r>
-              <a:rPr lang="de-DE" sz="2200" dirty="0" smtClean="0">
-                <a:solidFill>
-                  <a:srgbClr val="000000"/>
-                </a:solidFill>
-              </a:rPr>
-              <a:t>QML</a:t>
-            </a:r>
-          </a:p>
-          <a:p>
-            <a:pPr lvl="1">
-              <a:lnSpc>
-                <a:spcPct val="150000"/>
-              </a:lnSpc>
-            </a:pPr>
-            <a:r>
-              <a:rPr lang="de-DE" sz="2200" dirty="0" err="1" smtClean="0">
-                <a:solidFill>
-                  <a:srgbClr val="000000"/>
-                </a:solidFill>
-              </a:rPr>
-              <a:t>QCostumPlot</a:t>
-            </a:r>
-            <a:endParaRPr lang="de-DE" sz="2200" dirty="0" smtClean="0">
-              <a:solidFill>
-                <a:srgbClr val="000000"/>
-              </a:solidFill>
-            </a:endParaRPr>
-          </a:p>
-          <a:p>
-            <a:pPr>
-              <a:lnSpc>
-                <a:spcPct val="150000"/>
-              </a:lnSpc>
-            </a:pPr>
-            <a:r>
-              <a:rPr lang="de-DE" sz="2200" dirty="0" smtClean="0">
-                <a:solidFill>
-                  <a:srgbClr val="000000"/>
-                </a:solidFill>
-              </a:rPr>
-              <a:t>Model</a:t>
-            </a:r>
-          </a:p>
-          <a:p>
-            <a:pPr lvl="1">
-              <a:lnSpc>
-                <a:spcPct val="150000"/>
-              </a:lnSpc>
-            </a:pPr>
-            <a:r>
-              <a:rPr lang="de-DE" sz="2200" dirty="0" err="1" smtClean="0">
-                <a:solidFill>
-                  <a:srgbClr val="000000"/>
-                </a:solidFill>
-              </a:rPr>
-              <a:t>QAbstractListModel</a:t>
-            </a:r>
-            <a:endParaRPr lang="de-DE" sz="2200" dirty="0" smtClean="0">
-              <a:solidFill>
-                <a:srgbClr val="000000"/>
-              </a:solidFill>
-            </a:endParaRPr>
-          </a:p>
-          <a:p>
-            <a:pPr>
-              <a:lnSpc>
-                <a:spcPct val="150000"/>
-              </a:lnSpc>
-            </a:pPr>
-            <a:r>
-              <a:rPr lang="de-DE" sz="2200" dirty="0" smtClean="0">
-                <a:solidFill>
-                  <a:srgbClr val="000000"/>
-                </a:solidFill>
-              </a:rPr>
-              <a:t>Data</a:t>
-            </a:r>
-          </a:p>
-          <a:p>
-            <a:pPr lvl="1">
-              <a:lnSpc>
-                <a:spcPct val="150000"/>
-              </a:lnSpc>
-            </a:pPr>
-            <a:r>
-              <a:rPr lang="de-DE" sz="2200" dirty="0" err="1" smtClean="0">
-                <a:solidFill>
-                  <a:srgbClr val="000000"/>
-                </a:solidFill>
-              </a:rPr>
-              <a:t>SQLite</a:t>
-            </a:r>
-            <a:r>
-              <a:rPr lang="de-DE" sz="2200" dirty="0" smtClean="0">
-                <a:solidFill>
-                  <a:srgbClr val="000000"/>
-                </a:solidFill>
-              </a:rPr>
-              <a:t> Datenbank</a:t>
-            </a:r>
-          </a:p>
-        </p:txBody>
-      </p:sp>
-    </p:spTree>
-    <p:extLst>
-      <p:ext uri="{BB962C8B-B14F-4D97-AF65-F5344CB8AC3E}">
-        <p14:creationId xmlns:p14="http://schemas.microsoft.com/office/powerpoint/2010/main" val="2662809403"/>
-      </p:ext>
-    </p:extLst>
-  </p:cSld>
-  <p:clrMapOvr>
-    <a:masterClrMapping/>
-  </p:clrMapOvr>
-  <p:timing>
-    <p:tnLst>
-      <p:par>
-        <p:cTn xmlns:p14="http://schemas.microsoft.com/office/powerpoint/2010/main" id="1" dur="indefinite" restart="never" nodeType="tmRoot"/>
-      </p:par>
-    </p:tnLst>
-  </p:timing>
-</p:sld>
-</file>
-
-<file path=ppt/slides/slide8.xml><?xml version="1.0" encoding="utf-8"?>
-<p:sld xmlns:a="http://schemas.openxmlformats.org/drawingml/2006/main" xmlns:r="http://schemas.openxmlformats.org/officeDocument/2006/relationships" xmlns:p="http://schemas.openxmlformats.org/presentationml/2006/main">
-  <p:cSld>
-    <p:spTree>
-      <p:nvGrpSpPr>
-        <p:cNvPr id="1" name=""/>
-        <p:cNvGrpSpPr/>
-        <p:nvPr/>
-      </p:nvGrpSpPr>
-      <p:grpSpPr>
-        <a:xfrm>
-          <a:off x="0" y="0"/>
-          <a:ext cx="0" cy="0"/>
-          <a:chOff x="0" y="0"/>
-          <a:chExt cx="0" cy="0"/>
-        </a:xfrm>
-      </p:grpSpPr>
-      <p:sp>
-        <p:nvSpPr>
-          <p:cNvPr id="6" name="Titel 5"/>
-          <p:cNvSpPr>
-            <a:spLocks noGrp="1"/>
-          </p:cNvSpPr>
-          <p:nvPr>
-            <p:ph type="ctrTitle"/>
-          </p:nvPr>
-        </p:nvSpPr>
-        <p:spPr>
-          <a:xfrm>
-            <a:off x="457200" y="1484783"/>
-            <a:ext cx="8147248" cy="2387129"/>
-          </a:xfrm>
-        </p:spPr>
-        <p:txBody>
-          <a:bodyPr>
-            <a:normAutofit fontScale="90000"/>
-          </a:bodyPr>
-          <a:lstStyle/>
-          <a:p>
-            <a:r>
-              <a:rPr lang="de-DE" sz="8800" dirty="0" err="1" smtClean="0">
-                <a:solidFill>
-                  <a:srgbClr val="FF5454"/>
-                </a:solidFill>
-              </a:rPr>
-              <a:t>Livedemo</a:t>
-            </a:r>
-            <a:r>
-              <a:rPr lang="de-DE" sz="8800" dirty="0" smtClean="0">
-                <a:solidFill>
-                  <a:srgbClr val="FF5454"/>
-                </a:solidFill>
-              </a:rPr>
-              <a:t> von HeartRate2Go</a:t>
-            </a:r>
-            <a:endParaRPr lang="de-DE" sz="8800" dirty="0">
-              <a:solidFill>
-                <a:srgbClr val="FF5454"/>
-              </a:solidFill>
-            </a:endParaRPr>
-          </a:p>
-        </p:txBody>
-      </p:sp>
-    </p:spTree>
-    <p:extLst>
-      <p:ext uri="{BB962C8B-B14F-4D97-AF65-F5344CB8AC3E}">
-        <p14:creationId xmlns:p14="http://schemas.microsoft.com/office/powerpoint/2010/main" val="1236177286"/>
-      </p:ext>
-    </p:extLst>
-  </p:cSld>
-  <p:clrMapOvr>
-    <a:masterClrMapping/>
-  </p:clrMapOvr>
-  <p:timing>
-    <p:tnLst>
-      <p:par>
-        <p:cTn xmlns:p14="http://schemas.microsoft.com/office/powerpoint/2010/main" id="1" dur="indefinite" restart="never" nodeType="tmRoot"/>
-      </p:par>
-    </p:tnLst>
-  </p:timing>
-</p:sld>
-</file>
-
-<file path=ppt/slides/slide9.xml><?xml version="1.0" encoding="utf-8"?>
-<p:sld xmlns:a="http://schemas.openxmlformats.org/drawingml/2006/main" xmlns:r="http://schemas.openxmlformats.org/officeDocument/2006/relationships" xmlns:p="http://schemas.openxmlformats.org/presentationml/2006/main">
-  <p:cSld>
-    <p:spTree>
-      <p:nvGrpSpPr>
-        <p:cNvPr id="1" name=""/>
-        <p:cNvGrpSpPr/>
-        <p:nvPr/>
-      </p:nvGrpSpPr>
-      <p:grpSpPr>
-        <a:xfrm>
-          <a:off x="0" y="0"/>
-          <a:ext cx="0" cy="0"/>
-          <a:chOff x="0" y="0"/>
-          <a:chExt cx="0" cy="0"/>
-        </a:xfrm>
-      </p:grpSpPr>
-      <p:sp>
-        <p:nvSpPr>
-          <p:cNvPr id="2" name="Titel 1"/>
-          <p:cNvSpPr>
-            <a:spLocks noGrp="1"/>
-          </p:cNvSpPr>
-          <p:nvPr>
-            <p:ph type="title"/>
-          </p:nvPr>
-        </p:nvSpPr>
-        <p:spPr/>
-        <p:txBody>
-          <a:bodyPr/>
-          <a:lstStyle/>
-          <a:p>
-            <a:r>
-              <a:rPr lang="de-DE" dirty="0" smtClean="0"/>
-              <a:t>Ausblick von HeartRate2Go</a:t>
-            </a:r>
-            <a:endParaRPr lang="de-DE" dirty="0"/>
-          </a:p>
-        </p:txBody>
-      </p:sp>
-      <p:sp>
-        <p:nvSpPr>
-          <p:cNvPr id="3" name="Inhaltsplatzhalter 2"/>
-          <p:cNvSpPr>
-            <a:spLocks noGrp="1"/>
-          </p:cNvSpPr>
-          <p:nvPr>
-            <p:ph idx="1"/>
-          </p:nvPr>
-        </p:nvSpPr>
-        <p:spPr>
-          <a:xfrm>
-            <a:off x="457200" y="3068960"/>
-            <a:ext cx="8229600" cy="3505576"/>
-          </a:xfrm>
-        </p:spPr>
-        <p:txBody>
-          <a:bodyPr/>
-          <a:lstStyle/>
-          <a:p>
-            <a:r>
-              <a:rPr lang="de-DE" dirty="0" smtClean="0"/>
-              <a:t>Benutzerprofile mit Anamneseabfrage</a:t>
-            </a:r>
-          </a:p>
-          <a:p>
-            <a:r>
-              <a:rPr lang="de-DE" dirty="0" smtClean="0"/>
-              <a:t>Erste Einschätzung </a:t>
-            </a:r>
-            <a:r>
-              <a:rPr lang="de-DE" smtClean="0"/>
-              <a:t>der Werte</a:t>
-            </a:r>
-            <a:endParaRPr lang="de-DE" dirty="0" smtClean="0"/>
-          </a:p>
-          <a:p>
-            <a:r>
-              <a:rPr lang="de-DE" dirty="0" smtClean="0"/>
-              <a:t>Markierungen setzen</a:t>
-            </a:r>
-          </a:p>
-          <a:p>
-            <a:r>
-              <a:rPr lang="de-DE" dirty="0" smtClean="0"/>
-              <a:t>Berechnung des Kalorienverbrauchs</a:t>
-            </a:r>
-          </a:p>
-          <a:p>
-            <a:r>
-              <a:rPr lang="de-DE" dirty="0" smtClean="0"/>
-              <a:t>iOS App</a:t>
-            </a:r>
-            <a:endParaRPr lang="de-DE" dirty="0"/>
-          </a:p>
-        </p:txBody>
-      </p:sp>
-    </p:spTree>
-    <p:extLst>
-      <p:ext uri="{BB962C8B-B14F-4D97-AF65-F5344CB8AC3E}">
-        <p14:creationId xmlns:p14="http://schemas.microsoft.com/office/powerpoint/2010/main" val="2640618294"/>
-      </p:ext>
-    </p:extLst>
-  </p:cSld>
-  <p:clrMapOvr>
-    <a:masterClrMapping/>
-  </p:clrMapOvr>
-  <p:timing>
-    <p:tnLst>
-      <p:par>
-        <p:cTn xmlns:p14="http://schemas.microsoft.com/office/powerpoint/2010/main" id="1" dur="indefinite" restart="never" nodeType="tmRoot"/>
       </p:par>
     </p:tnLst>
   </p:timing>

--- a/presentation/Heartrate2go.pptx
+++ b/presentation/Heartrate2go.pptx
@@ -5,7 +5,7 @@
     <p:sldMasterId id="2147483888" r:id="rId1"/>
   </p:sldMasterIdLst>
   <p:notesMasterIdLst>
-    <p:notesMasterId r:id="rId11"/>
+    <p:notesMasterId r:id="rId12"/>
   </p:notesMasterIdLst>
   <p:sldIdLst>
     <p:sldId id="256" r:id="rId2"/>
@@ -14,9 +14,10 @@
     <p:sldId id="263" r:id="rId5"/>
     <p:sldId id="265" r:id="rId6"/>
     <p:sldId id="266" r:id="rId7"/>
-    <p:sldId id="267" r:id="rId8"/>
-    <p:sldId id="261" r:id="rId9"/>
-    <p:sldId id="264" r:id="rId10"/>
+    <p:sldId id="269" r:id="rId8"/>
+    <p:sldId id="267" r:id="rId9"/>
+    <p:sldId id="261" r:id="rId10"/>
+    <p:sldId id="264" r:id="rId11"/>
   </p:sldIdLst>
   <p:sldSz cx="9144000" cy="6858000" type="screen4x3"/>
   <p:notesSz cx="6858000" cy="9144000"/>
@@ -200,7 +201,7 @@
           <a:p>
             <a:fld id="{9D4E43D9-A15A-4C23-81DA-66E1FF993DF5}" type="datetimeFigureOut">
               <a:rPr lang="de-DE" smtClean="0"/>
-              <a:t>04.01.2015</a:t>
+              <a:t>04.01.15</a:t>
             </a:fld>
             <a:endParaRPr lang="de-DE"/>
           </a:p>
@@ -1512,7 +1513,7 @@
           <a:p>
             <a:fld id="{9C1C9D05-E8C6-4E19-BADC-4FBABAA99AE3}" type="datetimeFigureOut">
               <a:rPr lang="de-DE" smtClean="0"/>
-              <a:t>04.01.2015</a:t>
+              <a:t>04.01.15</a:t>
             </a:fld>
             <a:endParaRPr lang="de-DE"/>
           </a:p>
@@ -1695,7 +1696,7 @@
           <a:p>
             <a:fld id="{9C1C9D05-E8C6-4E19-BADC-4FBABAA99AE3}" type="datetimeFigureOut">
               <a:rPr lang="de-DE" smtClean="0"/>
-              <a:t>04.01.2015</a:t>
+              <a:t>04.01.15</a:t>
             </a:fld>
             <a:endParaRPr lang="de-DE"/>
           </a:p>
@@ -1870,7 +1871,7 @@
           <a:p>
             <a:fld id="{9C1C9D05-E8C6-4E19-BADC-4FBABAA99AE3}" type="datetimeFigureOut">
               <a:rPr lang="de-DE" smtClean="0"/>
-              <a:t>04.01.2015</a:t>
+              <a:t>04.01.15</a:t>
             </a:fld>
             <a:endParaRPr lang="de-DE"/>
           </a:p>
@@ -2035,7 +2036,7 @@
           <a:p>
             <a:fld id="{9C1C9D05-E8C6-4E19-BADC-4FBABAA99AE3}" type="datetimeFigureOut">
               <a:rPr lang="de-DE" smtClean="0"/>
-              <a:t>04.01.2015</a:t>
+              <a:t>04.01.15</a:t>
             </a:fld>
             <a:endParaRPr lang="de-DE"/>
           </a:p>
@@ -2256,7 +2257,7 @@
           <a:p>
             <a:fld id="{9C1C9D05-E8C6-4E19-BADC-4FBABAA99AE3}" type="datetimeFigureOut">
               <a:rPr lang="de-DE" smtClean="0"/>
-              <a:t>04.01.2015</a:t>
+              <a:t>04.01.15</a:t>
             </a:fld>
             <a:endParaRPr lang="de-DE"/>
           </a:p>
@@ -2515,7 +2516,7 @@
           <a:p>
             <a:fld id="{9C1C9D05-E8C6-4E19-BADC-4FBABAA99AE3}" type="datetimeFigureOut">
               <a:rPr lang="de-DE" smtClean="0"/>
-              <a:t>04.01.2015</a:t>
+              <a:t>04.01.15</a:t>
             </a:fld>
             <a:endParaRPr lang="de-DE"/>
           </a:p>
@@ -2919,7 +2920,7 @@
           <a:p>
             <a:fld id="{9C1C9D05-E8C6-4E19-BADC-4FBABAA99AE3}" type="datetimeFigureOut">
               <a:rPr lang="de-DE" smtClean="0"/>
-              <a:t>04.01.2015</a:t>
+              <a:t>04.01.15</a:t>
             </a:fld>
             <a:endParaRPr lang="de-DE"/>
           </a:p>
@@ -3050,7 +3051,7 @@
           <a:p>
             <a:fld id="{9C1C9D05-E8C6-4E19-BADC-4FBABAA99AE3}" type="datetimeFigureOut">
               <a:rPr lang="de-DE" smtClean="0"/>
-              <a:t>04.01.2015</a:t>
+              <a:t>04.01.15</a:t>
             </a:fld>
             <a:endParaRPr lang="de-DE"/>
           </a:p>
@@ -3150,7 +3151,7 @@
           <a:p>
             <a:fld id="{9C1C9D05-E8C6-4E19-BADC-4FBABAA99AE3}" type="datetimeFigureOut">
               <a:rPr lang="de-DE" smtClean="0"/>
-              <a:t>04.01.2015</a:t>
+              <a:t>04.01.15</a:t>
             </a:fld>
             <a:endParaRPr lang="de-DE"/>
           </a:p>
@@ -3395,7 +3396,7 @@
           <a:p>
             <a:fld id="{9C1C9D05-E8C6-4E19-BADC-4FBABAA99AE3}" type="datetimeFigureOut">
               <a:rPr lang="de-DE" smtClean="0"/>
-              <a:t>04.01.2015</a:t>
+              <a:t>04.01.15</a:t>
             </a:fld>
             <a:endParaRPr lang="de-DE"/>
           </a:p>
@@ -3639,7 +3640,7 @@
           <a:p>
             <a:fld id="{9C1C9D05-E8C6-4E19-BADC-4FBABAA99AE3}" type="datetimeFigureOut">
               <a:rPr lang="de-DE" smtClean="0"/>
-              <a:t>04.01.2015</a:t>
+              <a:t>04.01.15</a:t>
             </a:fld>
             <a:endParaRPr lang="de-DE"/>
           </a:p>
@@ -4463,7 +4464,7 @@
           <a:p>
             <a:fld id="{9C1C9D05-E8C6-4E19-BADC-4FBABAA99AE3}" type="datetimeFigureOut">
               <a:rPr lang="de-DE" smtClean="0"/>
-              <a:t>04.01.2015</a:t>
+              <a:t>04.01.15</a:t>
             </a:fld>
             <a:endParaRPr lang="de-DE"/>
           </a:p>
@@ -5088,7 +5089,7 @@
           </a:prstGeom>
           <a:noFill/>
           <a:extLst>
-            <a:ext uri="{909E8E84-426E-40DD-AFC4-6F175D3DCCD1}">
+            <a:ext uri="{909E8E84-426E-40dd-AFC4-6F175D3DCCD1}">
               <a14:hiddenFill xmlns:a14="http://schemas.microsoft.com/office/drawing/2010/main">
                 <a:solidFill>
                   <a:srgbClr val="FFFFFF"/>
@@ -5111,7 +5112,7 @@
   <p:timing>
     <p:tnLst>
       <p:par>
-        <p:cTn id="1" dur="indefinite" restart="never" nodeType="tmRoot">
+        <p:cTn xmlns:p14="http://schemas.microsoft.com/office/powerpoint/2010/main" id="1" dur="indefinite" restart="never" nodeType="tmRoot">
           <p:childTnLst>
             <p:seq concurrent="1" nextAc="seek">
               <p:cTn id="2" dur="indefinite" nodeType="mainSeq">
@@ -5181,1190 +5182,7 @@
 </p:sld>
 </file>
 
-<file path=ppt/slides/slide2.xml><?xml version="1.0" encoding="utf-8"?>
-<p:sld xmlns:a="http://schemas.openxmlformats.org/drawingml/2006/main" xmlns:r="http://schemas.openxmlformats.org/officeDocument/2006/relationships" xmlns:p="http://schemas.openxmlformats.org/presentationml/2006/main">
-  <p:cSld>
-    <p:spTree>
-      <p:nvGrpSpPr>
-        <p:cNvPr id="1" name=""/>
-        <p:cNvGrpSpPr/>
-        <p:nvPr/>
-      </p:nvGrpSpPr>
-      <p:grpSpPr>
-        <a:xfrm>
-          <a:off x="0" y="0"/>
-          <a:ext cx="0" cy="0"/>
-          <a:chOff x="0" y="0"/>
-          <a:chExt cx="0" cy="0"/>
-        </a:xfrm>
-      </p:grpSpPr>
-      <p:sp>
-        <p:nvSpPr>
-          <p:cNvPr id="2" name="Titel 1"/>
-          <p:cNvSpPr>
-            <a:spLocks noGrp="1"/>
-          </p:cNvSpPr>
-          <p:nvPr>
-            <p:ph type="title"/>
-          </p:nvPr>
-        </p:nvSpPr>
-        <p:spPr/>
-        <p:txBody>
-          <a:bodyPr/>
-          <a:lstStyle/>
-          <a:p>
-            <a:r>
-              <a:rPr lang="de-DE" dirty="0" smtClean="0"/>
-              <a:t>Ziel von HeartRate2Go</a:t>
-            </a:r>
-            <a:endParaRPr lang="de-DE" dirty="0"/>
-          </a:p>
-        </p:txBody>
-      </p:sp>
-      <p:sp>
-        <p:nvSpPr>
-          <p:cNvPr id="3" name="Inhaltsplatzhalter 2"/>
-          <p:cNvSpPr>
-            <a:spLocks noGrp="1"/>
-          </p:cNvSpPr>
-          <p:nvPr>
-            <p:ph idx="1"/>
-          </p:nvPr>
-        </p:nvSpPr>
-        <p:spPr>
-          <a:xfrm>
-            <a:off x="457200" y="3429000"/>
-            <a:ext cx="8219256" cy="3145536"/>
-          </a:xfrm>
-        </p:spPr>
-        <p:txBody>
-          <a:bodyPr/>
-          <a:lstStyle/>
-          <a:p>
-            <a:pPr marL="109728" indent="0">
-              <a:buNone/>
-            </a:pPr>
-            <a:r>
-              <a:rPr lang="de-DE" dirty="0" smtClean="0">
-                <a:latin typeface="+mj-lt"/>
-              </a:rPr>
-              <a:t>Den Puls messen, graphisch darstellen, speichern und dem Anwender so einen guten Überblick über seine Herzfrequenz geben.</a:t>
-            </a:r>
-            <a:endParaRPr lang="de-DE" dirty="0">
-              <a:latin typeface="+mj-lt"/>
-            </a:endParaRPr>
-          </a:p>
-        </p:txBody>
-      </p:sp>
-    </p:spTree>
-    <p:extLst>
-      <p:ext uri="{BB962C8B-B14F-4D97-AF65-F5344CB8AC3E}">
-        <p14:creationId xmlns:p14="http://schemas.microsoft.com/office/powerpoint/2010/main" val="496398657"/>
-      </p:ext>
-    </p:extLst>
-  </p:cSld>
-  <p:clrMapOvr>
-    <a:masterClrMapping/>
-  </p:clrMapOvr>
-  <p:timing>
-    <p:tnLst>
-      <p:par>
-        <p:cTn id="1" dur="indefinite" restart="never" nodeType="tmRoot"/>
-      </p:par>
-    </p:tnLst>
-  </p:timing>
-</p:sld>
-</file>
-
-<file path=ppt/slides/slide3.xml><?xml version="1.0" encoding="utf-8"?>
-<p:sld xmlns:a="http://schemas.openxmlformats.org/drawingml/2006/main" xmlns:r="http://schemas.openxmlformats.org/officeDocument/2006/relationships" xmlns:p="http://schemas.openxmlformats.org/presentationml/2006/main">
-  <p:cSld>
-    <p:spTree>
-      <p:nvGrpSpPr>
-        <p:cNvPr id="1" name=""/>
-        <p:cNvGrpSpPr/>
-        <p:nvPr/>
-      </p:nvGrpSpPr>
-      <p:grpSpPr>
-        <a:xfrm>
-          <a:off x="0" y="0"/>
-          <a:ext cx="0" cy="0"/>
-          <a:chOff x="0" y="0"/>
-          <a:chExt cx="0" cy="0"/>
-        </a:xfrm>
-      </p:grpSpPr>
-      <p:sp>
-        <p:nvSpPr>
-          <p:cNvPr id="2" name="Titel 1"/>
-          <p:cNvSpPr>
-            <a:spLocks noGrp="1"/>
-          </p:cNvSpPr>
-          <p:nvPr>
-            <p:ph type="title"/>
-          </p:nvPr>
-        </p:nvSpPr>
-        <p:spPr/>
-        <p:txBody>
-          <a:bodyPr/>
-          <a:lstStyle/>
-          <a:p>
-            <a:r>
-              <a:rPr lang="de-DE" dirty="0" smtClean="0"/>
-              <a:t>Komponenten von HeartRate2Go</a:t>
-            </a:r>
-            <a:endParaRPr lang="de-DE" dirty="0"/>
-          </a:p>
-        </p:txBody>
-      </p:sp>
-      <p:pic>
-        <p:nvPicPr>
-          <p:cNvPr id="2050" name="Picture 2" descr="C:\Users\LMH\Desktop\ablauf.png"/>
-          <p:cNvPicPr>
-            <a:picLocks noChangeAspect="1" noChangeArrowheads="1"/>
-          </p:cNvPicPr>
-          <p:nvPr/>
-        </p:nvPicPr>
-        <p:blipFill>
-          <a:blip r:embed="rId3">
-            <a:extLst>
-              <a:ext uri="{28A0092B-C50C-407E-A947-70E740481C1C}">
-                <a14:useLocalDpi xmlns:a14="http://schemas.microsoft.com/office/drawing/2010/main" val="0"/>
-              </a:ext>
-            </a:extLst>
-          </a:blip>
-          <a:srcRect/>
-          <a:stretch>
-            <a:fillRect/>
-          </a:stretch>
-        </p:blipFill>
-        <p:spPr bwMode="auto">
-          <a:xfrm>
-            <a:off x="0" y="2348880"/>
-            <a:ext cx="8812528" cy="4316856"/>
-          </a:xfrm>
-          <a:prstGeom prst="rect">
-            <a:avLst/>
-          </a:prstGeom>
-          <a:noFill/>
-          <a:extLst>
-            <a:ext uri="{909E8E84-426E-40DD-AFC4-6F175D3DCCD1}">
-              <a14:hiddenFill xmlns:a14="http://schemas.microsoft.com/office/drawing/2010/main">
-                <a:solidFill>
-                  <a:srgbClr val="FFFFFF"/>
-                </a:solidFill>
-              </a14:hiddenFill>
-            </a:ext>
-          </a:extLst>
-        </p:spPr>
-      </p:pic>
-    </p:spTree>
-    <p:extLst>
-      <p:ext uri="{BB962C8B-B14F-4D97-AF65-F5344CB8AC3E}">
-        <p14:creationId xmlns:p14="http://schemas.microsoft.com/office/powerpoint/2010/main" val="3487149943"/>
-      </p:ext>
-    </p:extLst>
-  </p:cSld>
-  <p:clrMapOvr>
-    <a:masterClrMapping/>
-  </p:clrMapOvr>
-  <p:timing>
-    <p:tnLst>
-      <p:par>
-        <p:cTn id="1" dur="indefinite" restart="never" nodeType="tmRoot"/>
-      </p:par>
-    </p:tnLst>
-  </p:timing>
-</p:sld>
-</file>
-
-<file path=ppt/slides/slide4.xml><?xml version="1.0" encoding="utf-8"?>
-<p:sld xmlns:a="http://schemas.openxmlformats.org/drawingml/2006/main" xmlns:r="http://schemas.openxmlformats.org/officeDocument/2006/relationships" xmlns:p="http://schemas.openxmlformats.org/presentationml/2006/main">
-  <p:cSld>
-    <p:spTree>
-      <p:nvGrpSpPr>
-        <p:cNvPr id="1" name=""/>
-        <p:cNvGrpSpPr/>
-        <p:nvPr/>
-      </p:nvGrpSpPr>
-      <p:grpSpPr>
-        <a:xfrm>
-          <a:off x="0" y="0"/>
-          <a:ext cx="0" cy="0"/>
-          <a:chOff x="0" y="0"/>
-          <a:chExt cx="0" cy="0"/>
-        </a:xfrm>
-      </p:grpSpPr>
-      <p:sp>
-        <p:nvSpPr>
-          <p:cNvPr id="2" name="Titel 1"/>
-          <p:cNvSpPr>
-            <a:spLocks noGrp="1"/>
-          </p:cNvSpPr>
-          <p:nvPr>
-            <p:ph type="title"/>
-          </p:nvPr>
-        </p:nvSpPr>
-        <p:spPr/>
-        <p:txBody>
-          <a:bodyPr>
-            <a:normAutofit/>
-          </a:bodyPr>
-          <a:lstStyle/>
-          <a:p>
-            <a:r>
-              <a:rPr lang="de-DE" dirty="0" err="1" smtClean="0"/>
-              <a:t>Smartwatch</a:t>
-            </a:r>
-            <a:endParaRPr lang="de-DE" dirty="0"/>
-          </a:p>
-        </p:txBody>
-      </p:sp>
-      <p:sp>
-        <p:nvSpPr>
-          <p:cNvPr id="3" name="Inhaltsplatzhalter 2"/>
-          <p:cNvSpPr>
-            <a:spLocks noGrp="1"/>
-          </p:cNvSpPr>
-          <p:nvPr>
-            <p:ph sz="half" idx="1"/>
-          </p:nvPr>
-        </p:nvSpPr>
-        <p:spPr>
-          <a:xfrm>
-            <a:off x="457200" y="2249424"/>
-            <a:ext cx="5915000" cy="4525963"/>
-          </a:xfrm>
-        </p:spPr>
-        <p:txBody>
-          <a:bodyPr>
-            <a:normAutofit fontScale="70000" lnSpcReduction="20000"/>
-          </a:bodyPr>
-          <a:lstStyle/>
-          <a:p>
-            <a:r>
-              <a:rPr lang="de-DE" sz="2600" dirty="0">
-                <a:latin typeface="+mj-lt"/>
-              </a:rPr>
-              <a:t>Zugriff auf Sensoren (Puls und Schrittzähler)</a:t>
-            </a:r>
-          </a:p>
-          <a:p>
-            <a:pPr marL="109728" indent="0">
-              <a:buNone/>
-            </a:pPr>
-            <a:endParaRPr lang="de-DE" sz="2600" dirty="0">
-              <a:latin typeface="+mj-lt"/>
-            </a:endParaRPr>
-          </a:p>
-          <a:p>
-            <a:r>
-              <a:rPr lang="de-DE" sz="2600" dirty="0">
-                <a:latin typeface="+mj-lt"/>
-              </a:rPr>
-              <a:t> Konfiguration über Smartphone</a:t>
-            </a:r>
-          </a:p>
-          <a:p>
-            <a:pPr lvl="1"/>
-            <a:r>
-              <a:rPr lang="de-DE" sz="2200" dirty="0">
-                <a:solidFill>
-                  <a:schemeClr val="tx1"/>
-                </a:solidFill>
-                <a:latin typeface="+mj-lt"/>
-              </a:rPr>
-              <a:t>regelmäßige Vibration zur  Erinnerung</a:t>
-            </a:r>
-          </a:p>
-          <a:p>
-            <a:pPr lvl="1"/>
-            <a:r>
-              <a:rPr lang="de-DE" sz="2200" dirty="0">
-                <a:solidFill>
-                  <a:schemeClr val="tx1"/>
-                </a:solidFill>
-                <a:latin typeface="+mj-lt"/>
-              </a:rPr>
-              <a:t>Bildschirm angeschaltet lassen</a:t>
-            </a:r>
-          </a:p>
-          <a:p>
-            <a:pPr lvl="1"/>
-            <a:r>
-              <a:rPr lang="de-DE" sz="2200" dirty="0">
-                <a:solidFill>
-                  <a:schemeClr val="tx1"/>
-                </a:solidFill>
-                <a:latin typeface="+mj-lt"/>
-              </a:rPr>
-              <a:t>Messungsintervall</a:t>
-            </a:r>
-          </a:p>
-          <a:p>
-            <a:endParaRPr lang="de-DE" sz="2600" dirty="0">
-              <a:latin typeface="+mj-lt"/>
-            </a:endParaRPr>
-          </a:p>
-          <a:p>
-            <a:r>
-              <a:rPr lang="de-DE" sz="2600" dirty="0">
-                <a:latin typeface="+mj-lt"/>
-              </a:rPr>
-              <a:t>Angabe von Messungstyp (Aktivitäts- oder Ruhemessung)</a:t>
-            </a:r>
-          </a:p>
-          <a:p>
-            <a:endParaRPr lang="de-DE" sz="2600" dirty="0">
-              <a:latin typeface="+mj-lt"/>
-            </a:endParaRPr>
-          </a:p>
-          <a:p>
-            <a:r>
-              <a:rPr lang="de-DE" sz="2600" dirty="0">
-                <a:latin typeface="+mj-lt"/>
-              </a:rPr>
-              <a:t>Aktivitätsmessung: kontinuierliche Aufzeichnung von Zeit, Puls und Schrittanzahl</a:t>
-            </a:r>
-          </a:p>
-          <a:p>
-            <a:pPr marL="109728" indent="0">
-              <a:buNone/>
-            </a:pPr>
-            <a:r>
-              <a:rPr lang="de-DE" sz="2600" dirty="0">
-                <a:latin typeface="+mj-lt"/>
-              </a:rPr>
-              <a:t>		</a:t>
-            </a:r>
-          </a:p>
-          <a:p>
-            <a:r>
-              <a:rPr lang="de-DE" sz="2600" dirty="0">
-                <a:latin typeface="+mj-lt"/>
-              </a:rPr>
-              <a:t>Ruhemessung: Messung über 60 Sekunden </a:t>
-            </a:r>
-          </a:p>
-          <a:p>
-            <a:pPr marL="109728" indent="0">
-              <a:buNone/>
-            </a:pPr>
-            <a:endParaRPr lang="de-DE" sz="2600" dirty="0">
-              <a:latin typeface="+mj-lt"/>
-            </a:endParaRPr>
-          </a:p>
-          <a:p>
-            <a:r>
-              <a:rPr lang="de-DE" sz="2600" dirty="0">
-                <a:latin typeface="+mj-lt"/>
-              </a:rPr>
-              <a:t>Abfrage der Stimmung zur späteren Auswertung</a:t>
-            </a:r>
-          </a:p>
-          <a:p>
-            <a:pPr marL="109728" indent="0">
-              <a:buNone/>
-            </a:pPr>
-            <a:endParaRPr lang="de-DE" dirty="0">
-              <a:latin typeface="+mj-lt"/>
-            </a:endParaRPr>
-          </a:p>
-        </p:txBody>
-      </p:sp>
-      <p:pic>
-        <p:nvPicPr>
-          <p:cNvPr id="3075" name="Picture 3" descr="C:\Users\LMH\Desktop\aktivitaet.png"/>
-          <p:cNvPicPr>
-            <a:picLocks noChangeAspect="1" noChangeArrowheads="1"/>
-          </p:cNvPicPr>
-          <p:nvPr/>
-        </p:nvPicPr>
-        <p:blipFill>
-          <a:blip r:embed="rId3">
-            <a:extLst>
-              <a:ext uri="{28A0092B-C50C-407E-A947-70E740481C1C}">
-                <a14:useLocalDpi xmlns:a14="http://schemas.microsoft.com/office/drawing/2010/main" val="0"/>
-              </a:ext>
-            </a:extLst>
-          </a:blip>
-          <a:srcRect/>
-          <a:stretch>
-            <a:fillRect/>
-          </a:stretch>
-        </p:blipFill>
-        <p:spPr bwMode="auto">
-          <a:xfrm>
-            <a:off x="6660232" y="832912"/>
-            <a:ext cx="1746548" cy="5852547"/>
-          </a:xfrm>
-          <a:prstGeom prst="rect">
-            <a:avLst/>
-          </a:prstGeom>
-          <a:noFill/>
-          <a:extLst>
-            <a:ext uri="{909E8E84-426E-40DD-AFC4-6F175D3DCCD1}">
-              <a14:hiddenFill xmlns:a14="http://schemas.microsoft.com/office/drawing/2010/main">
-                <a:solidFill>
-                  <a:srgbClr val="FFFFFF"/>
-                </a:solidFill>
-              </a14:hiddenFill>
-            </a:ext>
-          </a:extLst>
-        </p:spPr>
-      </p:pic>
-    </p:spTree>
-    <p:extLst>
-      <p:ext uri="{BB962C8B-B14F-4D97-AF65-F5344CB8AC3E}">
-        <p14:creationId xmlns:p14="http://schemas.microsoft.com/office/powerpoint/2010/main" val="1224773040"/>
-      </p:ext>
-    </p:extLst>
-  </p:cSld>
-  <p:clrMapOvr>
-    <a:masterClrMapping/>
-  </p:clrMapOvr>
-  <p:timing>
-    <p:tnLst>
-      <p:par>
-        <p:cTn id="1" dur="indefinite" restart="never" nodeType="tmRoot"/>
-      </p:par>
-    </p:tnLst>
-  </p:timing>
-</p:sld>
-</file>
-
-<file path=ppt/slides/slide5.xml><?xml version="1.0" encoding="utf-8"?>
-<p:sld xmlns:a="http://schemas.openxmlformats.org/drawingml/2006/main" xmlns:r="http://schemas.openxmlformats.org/officeDocument/2006/relationships" xmlns:p="http://schemas.openxmlformats.org/presentationml/2006/main">
-  <p:cSld>
-    <p:spTree>
-      <p:nvGrpSpPr>
-        <p:cNvPr id="1" name=""/>
-        <p:cNvGrpSpPr/>
-        <p:nvPr/>
-      </p:nvGrpSpPr>
-      <p:grpSpPr>
-        <a:xfrm>
-          <a:off x="0" y="0"/>
-          <a:ext cx="0" cy="0"/>
-          <a:chOff x="0" y="0"/>
-          <a:chExt cx="0" cy="0"/>
-        </a:xfrm>
-      </p:grpSpPr>
-      <p:sp>
-        <p:nvSpPr>
-          <p:cNvPr id="2" name="Titel 1"/>
-          <p:cNvSpPr>
-            <a:spLocks noGrp="1"/>
-          </p:cNvSpPr>
-          <p:nvPr>
-            <p:ph type="title"/>
-          </p:nvPr>
-        </p:nvSpPr>
-        <p:spPr/>
-        <p:txBody>
-          <a:bodyPr/>
-          <a:lstStyle/>
-          <a:p>
-            <a:r>
-              <a:rPr lang="de-DE" dirty="0" smtClean="0"/>
-              <a:t>Smartphone</a:t>
-            </a:r>
-            <a:endParaRPr lang="de-DE" dirty="0"/>
-          </a:p>
-        </p:txBody>
-      </p:sp>
-      <p:sp>
-        <p:nvSpPr>
-          <p:cNvPr id="4" name="Inhaltsplatzhalter 3"/>
-          <p:cNvSpPr>
-            <a:spLocks noGrp="1"/>
-          </p:cNvSpPr>
-          <p:nvPr>
-            <p:ph sz="half" idx="2"/>
-          </p:nvPr>
-        </p:nvSpPr>
-        <p:spPr>
-          <a:xfrm>
-            <a:off x="3040703" y="2276872"/>
-            <a:ext cx="5646097" cy="4498515"/>
-          </a:xfrm>
-        </p:spPr>
-        <p:txBody>
-          <a:bodyPr>
-            <a:normAutofit lnSpcReduction="10000"/>
-          </a:bodyPr>
-          <a:lstStyle/>
-          <a:p>
-            <a:r>
-              <a:rPr lang="de-DE" dirty="0">
-                <a:latin typeface="+mj-lt"/>
-              </a:rPr>
-              <a:t>Kommunikation über </a:t>
-            </a:r>
-            <a:r>
-              <a:rPr lang="de-DE" dirty="0" err="1">
-                <a:latin typeface="+mj-lt"/>
-              </a:rPr>
-              <a:t>Wearable</a:t>
-            </a:r>
-            <a:r>
-              <a:rPr lang="de-DE" dirty="0">
-                <a:latin typeface="+mj-lt"/>
-              </a:rPr>
-              <a:t>-Bluetooth-API</a:t>
-            </a:r>
-          </a:p>
-          <a:p>
-            <a:endParaRPr lang="de-DE" dirty="0">
-              <a:latin typeface="+mj-lt"/>
-            </a:endParaRPr>
-          </a:p>
-          <a:p>
-            <a:r>
-              <a:rPr lang="de-DE" dirty="0">
-                <a:latin typeface="+mj-lt"/>
-              </a:rPr>
-              <a:t>Background-Service zum Empfangen und Senden von Daten</a:t>
-            </a:r>
-          </a:p>
-          <a:p>
-            <a:endParaRPr lang="de-DE" dirty="0">
-              <a:latin typeface="+mj-lt"/>
-            </a:endParaRPr>
-          </a:p>
-          <a:p>
-            <a:r>
-              <a:rPr lang="de-DE" dirty="0">
-                <a:latin typeface="+mj-lt"/>
-              </a:rPr>
-              <a:t>Anzeige von Puls-Diagrammen über Library "</a:t>
-            </a:r>
-            <a:r>
-              <a:rPr lang="de-DE" dirty="0" err="1">
-                <a:latin typeface="+mj-lt"/>
-              </a:rPr>
-              <a:t>GraphView</a:t>
-            </a:r>
-            <a:r>
-              <a:rPr lang="de-DE" dirty="0">
-                <a:latin typeface="+mj-lt"/>
-              </a:rPr>
-              <a:t>"</a:t>
-            </a:r>
-          </a:p>
-          <a:p>
-            <a:endParaRPr lang="de-DE" dirty="0">
-              <a:latin typeface="+mj-lt"/>
-            </a:endParaRPr>
-          </a:p>
-          <a:p>
-            <a:r>
-              <a:rPr lang="de-DE" dirty="0">
-                <a:latin typeface="+mj-lt"/>
-              </a:rPr>
-              <a:t>Persistente Speicherung der Daten und Auswahl über Dropdown</a:t>
-            </a:r>
-          </a:p>
-          <a:p>
-            <a:endParaRPr lang="de-DE" dirty="0">
-              <a:latin typeface="+mj-lt"/>
-            </a:endParaRPr>
-          </a:p>
-          <a:p>
-            <a:r>
-              <a:rPr lang="de-DE" dirty="0" err="1">
-                <a:latin typeface="+mj-lt"/>
-              </a:rPr>
-              <a:t>Debug</a:t>
-            </a:r>
-            <a:r>
-              <a:rPr lang="de-DE" dirty="0">
-                <a:latin typeface="+mj-lt"/>
-              </a:rPr>
-              <a:t>-Modus zur Erzeugung von zufälligen </a:t>
-            </a:r>
-            <a:r>
-              <a:rPr lang="de-DE" dirty="0" smtClean="0">
-                <a:latin typeface="+mj-lt"/>
-              </a:rPr>
-              <a:t>Daten</a:t>
-            </a:r>
-            <a:endParaRPr lang="de-DE" dirty="0">
-              <a:latin typeface="+mj-lt"/>
-            </a:endParaRPr>
-          </a:p>
-        </p:txBody>
-      </p:sp>
-      <p:pic>
-        <p:nvPicPr>
-          <p:cNvPr id="4098" name="Picture 2" descr="C:\Users\LMH\Desktop\4986.jpg"/>
-          <p:cNvPicPr>
-            <a:picLocks noChangeAspect="1" noChangeArrowheads="1"/>
-          </p:cNvPicPr>
-          <p:nvPr/>
-        </p:nvPicPr>
-        <p:blipFill>
-          <a:blip r:embed="rId2">
-            <a:extLst>
-              <a:ext uri="{28A0092B-C50C-407E-A947-70E740481C1C}">
-                <a14:useLocalDpi xmlns:a14="http://schemas.microsoft.com/office/drawing/2010/main" val="0"/>
-              </a:ext>
-            </a:extLst>
-          </a:blip>
-          <a:srcRect/>
-          <a:stretch>
-            <a:fillRect/>
-          </a:stretch>
-        </p:blipFill>
-        <p:spPr bwMode="auto">
-          <a:xfrm>
-            <a:off x="539552" y="2276872"/>
-            <a:ext cx="2501151" cy="4446490"/>
-          </a:xfrm>
-          <a:prstGeom prst="rect">
-            <a:avLst/>
-          </a:prstGeom>
-          <a:noFill/>
-          <a:extLst>
-            <a:ext uri="{909E8E84-426E-40DD-AFC4-6F175D3DCCD1}">
-              <a14:hiddenFill xmlns:a14="http://schemas.microsoft.com/office/drawing/2010/main">
-                <a:solidFill>
-                  <a:srgbClr val="FFFFFF"/>
-                </a:solidFill>
-              </a14:hiddenFill>
-            </a:ext>
-          </a:extLst>
-        </p:spPr>
-      </p:pic>
-    </p:spTree>
-    <p:extLst>
-      <p:ext uri="{BB962C8B-B14F-4D97-AF65-F5344CB8AC3E}">
-        <p14:creationId xmlns:p14="http://schemas.microsoft.com/office/powerpoint/2010/main" val="952660724"/>
-      </p:ext>
-    </p:extLst>
-  </p:cSld>
-  <p:clrMapOvr>
-    <a:masterClrMapping/>
-  </p:clrMapOvr>
-  <p:timing>
-    <p:tnLst>
-      <p:par>
-        <p:cTn id="1" dur="indefinite" restart="never" nodeType="tmRoot"/>
-      </p:par>
-    </p:tnLst>
-  </p:timing>
-</p:sld>
-</file>
-
-<file path=ppt/slides/slide6.xml><?xml version="1.0" encoding="utf-8"?>
-<p:sld xmlns:a="http://schemas.openxmlformats.org/drawingml/2006/main" xmlns:r="http://schemas.openxmlformats.org/officeDocument/2006/relationships" xmlns:p="http://schemas.openxmlformats.org/presentationml/2006/main">
-  <p:cSld>
-    <p:spTree>
-      <p:nvGrpSpPr>
-        <p:cNvPr id="1" name=""/>
-        <p:cNvGrpSpPr/>
-        <p:nvPr/>
-      </p:nvGrpSpPr>
-      <p:grpSpPr>
-        <a:xfrm>
-          <a:off x="0" y="0"/>
-          <a:ext cx="0" cy="0"/>
-          <a:chOff x="0" y="0"/>
-          <a:chExt cx="0" cy="0"/>
-        </a:xfrm>
-      </p:grpSpPr>
-      <p:sp>
-        <p:nvSpPr>
-          <p:cNvPr id="2" name="Titel 1"/>
-          <p:cNvSpPr>
-            <a:spLocks noGrp="1"/>
-          </p:cNvSpPr>
-          <p:nvPr>
-            <p:ph type="title"/>
-          </p:nvPr>
-        </p:nvSpPr>
-        <p:spPr/>
-        <p:txBody>
-          <a:bodyPr/>
-          <a:lstStyle/>
-          <a:p>
-            <a:r>
-              <a:rPr lang="de-DE" dirty="0" smtClean="0"/>
-              <a:t>PC</a:t>
-            </a:r>
-            <a:endParaRPr lang="de-DE" dirty="0"/>
-          </a:p>
-        </p:txBody>
-      </p:sp>
-      <p:sp>
-        <p:nvSpPr>
-          <p:cNvPr id="4" name="Inhaltsplatzhalter 3"/>
-          <p:cNvSpPr>
-            <a:spLocks noGrp="1"/>
-          </p:cNvSpPr>
-          <p:nvPr>
-            <p:ph sz="half" idx="2"/>
-          </p:nvPr>
-        </p:nvSpPr>
-        <p:spPr>
-          <a:xfrm>
-            <a:off x="4648200" y="1916832"/>
-            <a:ext cx="4038600" cy="4858555"/>
-          </a:xfrm>
-        </p:spPr>
-        <p:txBody>
-          <a:bodyPr>
-            <a:normAutofit fontScale="92500" lnSpcReduction="20000"/>
-          </a:bodyPr>
-          <a:lstStyle/>
-          <a:p>
-            <a:r>
-              <a:rPr lang="de-DE" dirty="0">
-                <a:latin typeface="+mj-lt"/>
-              </a:rPr>
-              <a:t>Kommunikation mit </a:t>
-            </a:r>
-            <a:r>
-              <a:rPr lang="de-DE" dirty="0" smtClean="0">
-                <a:latin typeface="+mj-lt"/>
-              </a:rPr>
-              <a:t>Smartphone</a:t>
-            </a:r>
-          </a:p>
-          <a:p>
-            <a:endParaRPr lang="de-DE" dirty="0">
-              <a:latin typeface="+mj-lt"/>
-            </a:endParaRPr>
-          </a:p>
-          <a:p>
-            <a:r>
-              <a:rPr lang="de-DE" dirty="0">
-                <a:latin typeface="+mj-lt"/>
-              </a:rPr>
-              <a:t>Speicherung der </a:t>
-            </a:r>
-            <a:r>
-              <a:rPr lang="de-DE" dirty="0" smtClean="0">
-                <a:latin typeface="+mj-lt"/>
-              </a:rPr>
-              <a:t>Daten</a:t>
-            </a:r>
-            <a:endParaRPr lang="de-DE" dirty="0">
-              <a:latin typeface="+mj-lt"/>
-            </a:endParaRPr>
-          </a:p>
-          <a:p>
-            <a:endParaRPr lang="de-DE" dirty="0" smtClean="0">
-              <a:latin typeface="+mj-lt"/>
-            </a:endParaRPr>
-          </a:p>
-          <a:p>
-            <a:r>
-              <a:rPr lang="de-DE" dirty="0">
-                <a:latin typeface="+mj-lt"/>
-              </a:rPr>
-              <a:t>Unterscheidung zwischen Ruhe- und Aktivitätsmessung</a:t>
-            </a:r>
-          </a:p>
-          <a:p>
-            <a:pPr marL="109728" indent="0">
-              <a:buNone/>
-            </a:pPr>
-            <a:endParaRPr lang="de-DE" dirty="0">
-              <a:latin typeface="+mj-lt"/>
-            </a:endParaRPr>
-          </a:p>
-          <a:p>
-            <a:r>
-              <a:rPr lang="de-DE" dirty="0" smtClean="0">
-                <a:latin typeface="+mj-lt"/>
-              </a:rPr>
-              <a:t>Graphische Darstellung der Messwerte </a:t>
-            </a:r>
-          </a:p>
-          <a:p>
-            <a:endParaRPr lang="de-DE" dirty="0">
-              <a:latin typeface="+mj-lt"/>
-            </a:endParaRPr>
-          </a:p>
-          <a:p>
-            <a:r>
-              <a:rPr lang="de-DE" dirty="0" smtClean="0">
-                <a:latin typeface="+mj-lt"/>
-              </a:rPr>
-              <a:t>Darstellung </a:t>
-            </a:r>
-            <a:r>
-              <a:rPr lang="de-DE" dirty="0">
-                <a:latin typeface="+mj-lt"/>
-              </a:rPr>
-              <a:t>in tabellarischer </a:t>
-            </a:r>
-            <a:r>
-              <a:rPr lang="de-DE" dirty="0" smtClean="0">
-                <a:latin typeface="+mj-lt"/>
-              </a:rPr>
-              <a:t>Form</a:t>
-            </a:r>
-          </a:p>
-          <a:p>
-            <a:endParaRPr lang="de-DE" dirty="0" smtClean="0">
-              <a:latin typeface="+mj-lt"/>
-            </a:endParaRPr>
-          </a:p>
-          <a:p>
-            <a:r>
-              <a:rPr lang="de-DE" dirty="0" smtClean="0">
-                <a:latin typeface="+mj-lt"/>
-              </a:rPr>
-              <a:t>Selektierung nach Datum</a:t>
-            </a:r>
-          </a:p>
-          <a:p>
-            <a:endParaRPr lang="de-DE" dirty="0" smtClean="0">
-              <a:latin typeface="+mj-lt"/>
-            </a:endParaRPr>
-          </a:p>
-          <a:p>
-            <a:r>
-              <a:rPr lang="de-DE" dirty="0" smtClean="0">
-                <a:latin typeface="+mj-lt"/>
-              </a:rPr>
-              <a:t>Druckfunktion</a:t>
-            </a:r>
-          </a:p>
-          <a:p>
-            <a:endParaRPr lang="de-DE" dirty="0" smtClean="0">
-              <a:latin typeface="+mj-lt"/>
-            </a:endParaRPr>
-          </a:p>
-          <a:p>
-            <a:r>
-              <a:rPr lang="de-DE" dirty="0" smtClean="0">
-                <a:latin typeface="+mj-lt"/>
-              </a:rPr>
-              <a:t>Mehrsprachigkeit</a:t>
-            </a:r>
-          </a:p>
-          <a:p>
-            <a:pPr marL="109728" indent="0">
-              <a:buNone/>
-            </a:pPr>
-            <a:endParaRPr lang="de-DE" dirty="0">
-              <a:latin typeface="+mj-lt"/>
-            </a:endParaRPr>
-          </a:p>
-        </p:txBody>
-      </p:sp>
-      <p:pic>
-        <p:nvPicPr>
-          <p:cNvPr id="5122" name="Picture 2" descr="C:\Users\LMH\Desktop\Bildschirmfoto.png"/>
-          <p:cNvPicPr>
-            <a:picLocks noChangeAspect="1" noChangeArrowheads="1"/>
-          </p:cNvPicPr>
-          <p:nvPr/>
-        </p:nvPicPr>
-        <p:blipFill>
-          <a:blip r:embed="rId2" cstate="print">
-            <a:extLst>
-              <a:ext uri="{28A0092B-C50C-407E-A947-70E740481C1C}">
-                <a14:useLocalDpi xmlns:a14="http://schemas.microsoft.com/office/drawing/2010/main" val="0"/>
-              </a:ext>
-            </a:extLst>
-          </a:blip>
-          <a:srcRect/>
-          <a:stretch>
-            <a:fillRect/>
-          </a:stretch>
-        </p:blipFill>
-        <p:spPr bwMode="auto">
-          <a:xfrm>
-            <a:off x="499170" y="1970598"/>
-            <a:ext cx="4041483" cy="2340000"/>
-          </a:xfrm>
-          <a:prstGeom prst="rect">
-            <a:avLst/>
-          </a:prstGeom>
-          <a:noFill/>
-          <a:extLst>
-            <a:ext uri="{909E8E84-426E-40DD-AFC4-6F175D3DCCD1}">
-              <a14:hiddenFill xmlns:a14="http://schemas.microsoft.com/office/drawing/2010/main">
-                <a:solidFill>
-                  <a:srgbClr val="FFFFFF"/>
-                </a:solidFill>
-              </a14:hiddenFill>
-            </a:ext>
-          </a:extLst>
-        </p:spPr>
-      </p:pic>
-      <p:pic>
-        <p:nvPicPr>
-          <p:cNvPr id="1026" name="Picture 2" descr="C:\Users\LMH\Desktop\Bildschirmfoto 2015-01-02 um 21.55.50.png"/>
-          <p:cNvPicPr>
-            <a:picLocks noChangeAspect="1" noChangeArrowheads="1"/>
-          </p:cNvPicPr>
-          <p:nvPr/>
-        </p:nvPicPr>
-        <p:blipFill>
-          <a:blip r:embed="rId3" cstate="print">
-            <a:extLst>
-              <a:ext uri="{28A0092B-C50C-407E-A947-70E740481C1C}">
-                <a14:useLocalDpi xmlns:a14="http://schemas.microsoft.com/office/drawing/2010/main" val="0"/>
-              </a:ext>
-            </a:extLst>
-          </a:blip>
-          <a:srcRect/>
-          <a:stretch>
-            <a:fillRect/>
-          </a:stretch>
-        </p:blipFill>
-        <p:spPr bwMode="auto">
-          <a:xfrm>
-            <a:off x="499170" y="4375401"/>
-            <a:ext cx="4041483" cy="2340000"/>
-          </a:xfrm>
-          <a:prstGeom prst="rect">
-            <a:avLst/>
-          </a:prstGeom>
-          <a:noFill/>
-          <a:extLst>
-            <a:ext uri="{909E8E84-426E-40DD-AFC4-6F175D3DCCD1}">
-              <a14:hiddenFill xmlns:a14="http://schemas.microsoft.com/office/drawing/2010/main">
-                <a:solidFill>
-                  <a:srgbClr val="FFFFFF"/>
-                </a:solidFill>
-              </a14:hiddenFill>
-            </a:ext>
-          </a:extLst>
-        </p:spPr>
-      </p:pic>
-    </p:spTree>
-    <p:extLst>
-      <p:ext uri="{BB962C8B-B14F-4D97-AF65-F5344CB8AC3E}">
-        <p14:creationId xmlns:p14="http://schemas.microsoft.com/office/powerpoint/2010/main" val="2841675769"/>
-      </p:ext>
-    </p:extLst>
-  </p:cSld>
-  <p:clrMapOvr>
-    <a:masterClrMapping/>
-  </p:clrMapOvr>
-  <p:timing>
-    <p:tnLst>
-      <p:par>
-        <p:cTn id="1" dur="indefinite" restart="never" nodeType="tmRoot"/>
-      </p:par>
-    </p:tnLst>
-  </p:timing>
-</p:sld>
-</file>
-
-<file path=ppt/slides/slide7.xml><?xml version="1.0" encoding="utf-8"?>
-<p:sld xmlns:a="http://schemas.openxmlformats.org/drawingml/2006/main" xmlns:r="http://schemas.openxmlformats.org/officeDocument/2006/relationships" xmlns:p="http://schemas.openxmlformats.org/presentationml/2006/main">
-  <p:cSld>
-    <p:spTree>
-      <p:nvGrpSpPr>
-        <p:cNvPr id="1" name=""/>
-        <p:cNvGrpSpPr/>
-        <p:nvPr/>
-      </p:nvGrpSpPr>
-      <p:grpSpPr>
-        <a:xfrm>
-          <a:off x="0" y="0"/>
-          <a:ext cx="0" cy="0"/>
-          <a:chOff x="0" y="0"/>
-          <a:chExt cx="0" cy="0"/>
-        </a:xfrm>
-      </p:grpSpPr>
-      <p:sp>
-        <p:nvSpPr>
-          <p:cNvPr id="6" name="Titel 5"/>
-          <p:cNvSpPr>
-            <a:spLocks noGrp="1"/>
-          </p:cNvSpPr>
-          <p:nvPr>
-            <p:ph type="ctrTitle"/>
-          </p:nvPr>
-        </p:nvSpPr>
-        <p:spPr>
-          <a:xfrm>
-            <a:off x="457200" y="1484783"/>
-            <a:ext cx="8147248" cy="2387129"/>
-          </a:xfrm>
-        </p:spPr>
-        <p:txBody>
-          <a:bodyPr>
-            <a:normAutofit fontScale="90000"/>
-          </a:bodyPr>
-          <a:lstStyle/>
-          <a:p>
-            <a:r>
-              <a:rPr lang="de-DE" sz="8800" dirty="0" err="1" smtClean="0">
-                <a:solidFill>
-                  <a:srgbClr val="FF5454"/>
-                </a:solidFill>
-              </a:rPr>
-              <a:t>Livedemo</a:t>
-            </a:r>
-            <a:r>
-              <a:rPr lang="de-DE" sz="8800" dirty="0" smtClean="0">
-                <a:solidFill>
-                  <a:srgbClr val="FF5454"/>
-                </a:solidFill>
-              </a:rPr>
-              <a:t> von HeartRate2Go</a:t>
-            </a:r>
-            <a:endParaRPr lang="de-DE" sz="8800" dirty="0">
-              <a:solidFill>
-                <a:srgbClr val="FF5454"/>
-              </a:solidFill>
-            </a:endParaRPr>
-          </a:p>
-        </p:txBody>
-      </p:sp>
-    </p:spTree>
-    <p:extLst>
-      <p:ext uri="{BB962C8B-B14F-4D97-AF65-F5344CB8AC3E}">
-        <p14:creationId xmlns:p14="http://schemas.microsoft.com/office/powerpoint/2010/main" val="1236177286"/>
-      </p:ext>
-    </p:extLst>
-  </p:cSld>
-  <p:clrMapOvr>
-    <a:masterClrMapping/>
-  </p:clrMapOvr>
-  <p:timing>
-    <p:tnLst>
-      <p:par>
-        <p:cTn id="1" dur="indefinite" restart="never" nodeType="tmRoot"/>
-      </p:par>
-    </p:tnLst>
-  </p:timing>
-</p:sld>
-</file>
-
-<file path=ppt/slides/slide8.xml><?xml version="1.0" encoding="utf-8"?>
-<p:sld xmlns:a="http://schemas.openxmlformats.org/drawingml/2006/main" xmlns:r="http://schemas.openxmlformats.org/officeDocument/2006/relationships" xmlns:p="http://schemas.openxmlformats.org/presentationml/2006/main">
-  <p:cSld>
-    <p:spTree>
-      <p:nvGrpSpPr>
-        <p:cNvPr id="1" name=""/>
-        <p:cNvGrpSpPr/>
-        <p:nvPr/>
-      </p:nvGrpSpPr>
-      <p:grpSpPr>
-        <a:xfrm>
-          <a:off x="0" y="0"/>
-          <a:ext cx="0" cy="0"/>
-          <a:chOff x="0" y="0"/>
-          <a:chExt cx="0" cy="0"/>
-        </a:xfrm>
-      </p:grpSpPr>
-      <p:sp>
-        <p:nvSpPr>
-          <p:cNvPr id="2" name="Titel 1"/>
-          <p:cNvSpPr>
-            <a:spLocks noGrp="1"/>
-          </p:cNvSpPr>
-          <p:nvPr>
-            <p:ph type="title"/>
-          </p:nvPr>
-        </p:nvSpPr>
-        <p:spPr/>
-        <p:txBody>
-          <a:bodyPr/>
-          <a:lstStyle/>
-          <a:p>
-            <a:r>
-              <a:rPr lang="de-DE" dirty="0" smtClean="0"/>
-              <a:t>Ausblick von HeartRate2Go</a:t>
-            </a:r>
-            <a:endParaRPr lang="de-DE" dirty="0"/>
-          </a:p>
-        </p:txBody>
-      </p:sp>
-      <p:sp>
-        <p:nvSpPr>
-          <p:cNvPr id="3" name="Inhaltsplatzhalter 2"/>
-          <p:cNvSpPr>
-            <a:spLocks noGrp="1"/>
-          </p:cNvSpPr>
-          <p:nvPr>
-            <p:ph idx="1"/>
-          </p:nvPr>
-        </p:nvSpPr>
-        <p:spPr>
-          <a:xfrm>
-            <a:off x="457200" y="3068960"/>
-            <a:ext cx="8229600" cy="3505576"/>
-          </a:xfrm>
-        </p:spPr>
-        <p:txBody>
-          <a:bodyPr/>
-          <a:lstStyle/>
-          <a:p>
-            <a:r>
-              <a:rPr lang="de-DE" dirty="0" smtClean="0">
-                <a:latin typeface="+mj-lt"/>
-              </a:rPr>
-              <a:t>Benutzerprofile mit Anamneseabfrage</a:t>
-            </a:r>
-          </a:p>
-          <a:p>
-            <a:r>
-              <a:rPr lang="de-DE" dirty="0" smtClean="0">
-                <a:latin typeface="+mj-lt"/>
-              </a:rPr>
-              <a:t>Erste Einschätzung der Werte</a:t>
-            </a:r>
-          </a:p>
-          <a:p>
-            <a:r>
-              <a:rPr lang="de-DE" dirty="0" smtClean="0">
-                <a:latin typeface="+mj-lt"/>
-              </a:rPr>
-              <a:t>Markierungen setzen</a:t>
-            </a:r>
-          </a:p>
-          <a:p>
-            <a:r>
-              <a:rPr lang="de-DE" dirty="0" smtClean="0">
-                <a:latin typeface="+mj-lt"/>
-              </a:rPr>
-              <a:t>Berechnung des Kalorienverbrauchs</a:t>
-            </a:r>
-          </a:p>
-          <a:p>
-            <a:r>
-              <a:rPr lang="de-DE" dirty="0" smtClean="0">
-                <a:latin typeface="+mj-lt"/>
-              </a:rPr>
-              <a:t>iOS App</a:t>
-            </a:r>
-            <a:endParaRPr lang="de-DE" dirty="0">
-              <a:latin typeface="+mj-lt"/>
-            </a:endParaRPr>
-          </a:p>
-        </p:txBody>
-      </p:sp>
-    </p:spTree>
-    <p:extLst>
-      <p:ext uri="{BB962C8B-B14F-4D97-AF65-F5344CB8AC3E}">
-        <p14:creationId xmlns:p14="http://schemas.microsoft.com/office/powerpoint/2010/main" val="2640618294"/>
-      </p:ext>
-    </p:extLst>
-  </p:cSld>
-  <p:clrMapOvr>
-    <a:masterClrMapping/>
-  </p:clrMapOvr>
-  <p:timing>
-    <p:tnLst>
-      <p:par>
-        <p:cTn id="1" dur="indefinite" restart="never" nodeType="tmRoot"/>
-      </p:par>
-    </p:tnLst>
-  </p:timing>
-</p:sld>
-</file>
-
-<file path=ppt/slides/slide9.xml><?xml version="1.0" encoding="utf-8"?>
+<file path=ppt/slides/slide10.xml><?xml version="1.0" encoding="utf-8"?>
 <p:sld xmlns:a="http://schemas.openxmlformats.org/drawingml/2006/main" xmlns:r="http://schemas.openxmlformats.org/officeDocument/2006/relationships" xmlns:p="http://schemas.openxmlformats.org/presentationml/2006/main">
   <p:cSld>
     <p:spTree>
@@ -6450,7 +5268,7 @@
           </a:prstGeom>
           <a:noFill/>
           <a:extLst>
-            <a:ext uri="{909E8E84-426E-40DD-AFC4-6F175D3DCCD1}">
+            <a:ext uri="{909E8E84-426E-40dd-AFC4-6F175D3DCCD1}">
               <a14:hiddenFill xmlns:a14="http://schemas.microsoft.com/office/drawing/2010/main">
                 <a:solidFill>
                   <a:srgbClr val="FFFFFF"/>
@@ -6473,7 +5291,7 @@
   <p:timing>
     <p:tnLst>
       <p:par>
-        <p:cTn id="1" dur="indefinite" restart="never" nodeType="tmRoot">
+        <p:cTn xmlns:p14="http://schemas.microsoft.com/office/powerpoint/2010/main" id="1" dur="indefinite" restart="never" nodeType="tmRoot">
           <p:childTnLst>
             <p:seq concurrent="1" nextAc="seek">
               <p:cTn id="2" dur="indefinite" nodeType="mainSeq">
@@ -6541,6 +5359,1466 @@
             </p:seq>
           </p:childTnLst>
         </p:cTn>
+      </p:par>
+    </p:tnLst>
+  </p:timing>
+</p:sld>
+</file>
+
+<file path=ppt/slides/slide2.xml><?xml version="1.0" encoding="utf-8"?>
+<p:sld xmlns:a="http://schemas.openxmlformats.org/drawingml/2006/main" xmlns:r="http://schemas.openxmlformats.org/officeDocument/2006/relationships" xmlns:p="http://schemas.openxmlformats.org/presentationml/2006/main">
+  <p:cSld>
+    <p:spTree>
+      <p:nvGrpSpPr>
+        <p:cNvPr id="1" name=""/>
+        <p:cNvGrpSpPr/>
+        <p:nvPr/>
+      </p:nvGrpSpPr>
+      <p:grpSpPr>
+        <a:xfrm>
+          <a:off x="0" y="0"/>
+          <a:ext cx="0" cy="0"/>
+          <a:chOff x="0" y="0"/>
+          <a:chExt cx="0" cy="0"/>
+        </a:xfrm>
+      </p:grpSpPr>
+      <p:sp>
+        <p:nvSpPr>
+          <p:cNvPr id="2" name="Titel 1"/>
+          <p:cNvSpPr>
+            <a:spLocks noGrp="1"/>
+          </p:cNvSpPr>
+          <p:nvPr>
+            <p:ph type="title"/>
+          </p:nvPr>
+        </p:nvSpPr>
+        <p:spPr/>
+        <p:txBody>
+          <a:bodyPr/>
+          <a:lstStyle/>
+          <a:p>
+            <a:r>
+              <a:rPr lang="de-DE" dirty="0" smtClean="0"/>
+              <a:t>Ziel von HeartRate2Go</a:t>
+            </a:r>
+            <a:endParaRPr lang="de-DE" dirty="0"/>
+          </a:p>
+        </p:txBody>
+      </p:sp>
+      <p:sp>
+        <p:nvSpPr>
+          <p:cNvPr id="3" name="Inhaltsplatzhalter 2"/>
+          <p:cNvSpPr>
+            <a:spLocks noGrp="1"/>
+          </p:cNvSpPr>
+          <p:nvPr>
+            <p:ph idx="1"/>
+          </p:nvPr>
+        </p:nvSpPr>
+        <p:spPr>
+          <a:xfrm>
+            <a:off x="457200" y="3429000"/>
+            <a:ext cx="8219256" cy="3145536"/>
+          </a:xfrm>
+        </p:spPr>
+        <p:txBody>
+          <a:bodyPr/>
+          <a:lstStyle/>
+          <a:p>
+            <a:pPr marL="109728" indent="0">
+              <a:buNone/>
+            </a:pPr>
+            <a:r>
+              <a:rPr lang="de-DE" dirty="0" smtClean="0">
+                <a:latin typeface="+mj-lt"/>
+              </a:rPr>
+              <a:t>Den Puls messen, graphisch darstellen, speichern und dem Anwender so einen guten Überblick über seine Herzfrequenz geben.</a:t>
+            </a:r>
+            <a:endParaRPr lang="de-DE" dirty="0">
+              <a:latin typeface="+mj-lt"/>
+            </a:endParaRPr>
+          </a:p>
+        </p:txBody>
+      </p:sp>
+    </p:spTree>
+    <p:extLst>
+      <p:ext uri="{BB962C8B-B14F-4D97-AF65-F5344CB8AC3E}">
+        <p14:creationId xmlns:p14="http://schemas.microsoft.com/office/powerpoint/2010/main" val="496398657"/>
+      </p:ext>
+    </p:extLst>
+  </p:cSld>
+  <p:clrMapOvr>
+    <a:masterClrMapping/>
+  </p:clrMapOvr>
+  <p:timing>
+    <p:tnLst>
+      <p:par>
+        <p:cTn xmlns:p14="http://schemas.microsoft.com/office/powerpoint/2010/main" id="1" dur="indefinite" restart="never" nodeType="tmRoot"/>
+      </p:par>
+    </p:tnLst>
+  </p:timing>
+</p:sld>
+</file>
+
+<file path=ppt/slides/slide3.xml><?xml version="1.0" encoding="utf-8"?>
+<p:sld xmlns:a="http://schemas.openxmlformats.org/drawingml/2006/main" xmlns:r="http://schemas.openxmlformats.org/officeDocument/2006/relationships" xmlns:p="http://schemas.openxmlformats.org/presentationml/2006/main">
+  <p:cSld>
+    <p:spTree>
+      <p:nvGrpSpPr>
+        <p:cNvPr id="1" name=""/>
+        <p:cNvGrpSpPr/>
+        <p:nvPr/>
+      </p:nvGrpSpPr>
+      <p:grpSpPr>
+        <a:xfrm>
+          <a:off x="0" y="0"/>
+          <a:ext cx="0" cy="0"/>
+          <a:chOff x="0" y="0"/>
+          <a:chExt cx="0" cy="0"/>
+        </a:xfrm>
+      </p:grpSpPr>
+      <p:sp>
+        <p:nvSpPr>
+          <p:cNvPr id="2" name="Titel 1"/>
+          <p:cNvSpPr>
+            <a:spLocks noGrp="1"/>
+          </p:cNvSpPr>
+          <p:nvPr>
+            <p:ph type="title"/>
+          </p:nvPr>
+        </p:nvSpPr>
+        <p:spPr/>
+        <p:txBody>
+          <a:bodyPr/>
+          <a:lstStyle/>
+          <a:p>
+            <a:r>
+              <a:rPr lang="de-DE" dirty="0" smtClean="0"/>
+              <a:t>Komponenten von HeartRate2Go</a:t>
+            </a:r>
+            <a:endParaRPr lang="de-DE" dirty="0"/>
+          </a:p>
+        </p:txBody>
+      </p:sp>
+      <p:pic>
+        <p:nvPicPr>
+          <p:cNvPr id="2050" name="Picture 2" descr="C:\Users\LMH\Desktop\ablauf.png"/>
+          <p:cNvPicPr>
+            <a:picLocks noChangeAspect="1" noChangeArrowheads="1"/>
+          </p:cNvPicPr>
+          <p:nvPr/>
+        </p:nvPicPr>
+        <p:blipFill>
+          <a:blip r:embed="rId3">
+            <a:extLst>
+              <a:ext uri="{28A0092B-C50C-407E-A947-70E740481C1C}">
+                <a14:useLocalDpi xmlns:a14="http://schemas.microsoft.com/office/drawing/2010/main" val="0"/>
+              </a:ext>
+            </a:extLst>
+          </a:blip>
+          <a:srcRect/>
+          <a:stretch>
+            <a:fillRect/>
+          </a:stretch>
+        </p:blipFill>
+        <p:spPr bwMode="auto">
+          <a:xfrm>
+            <a:off x="0" y="2348880"/>
+            <a:ext cx="8812528" cy="4316856"/>
+          </a:xfrm>
+          <a:prstGeom prst="rect">
+            <a:avLst/>
+          </a:prstGeom>
+          <a:noFill/>
+          <a:extLst>
+            <a:ext uri="{909E8E84-426E-40dd-AFC4-6F175D3DCCD1}">
+              <a14:hiddenFill xmlns:a14="http://schemas.microsoft.com/office/drawing/2010/main">
+                <a:solidFill>
+                  <a:srgbClr val="FFFFFF"/>
+                </a:solidFill>
+              </a14:hiddenFill>
+            </a:ext>
+          </a:extLst>
+        </p:spPr>
+      </p:pic>
+    </p:spTree>
+    <p:extLst>
+      <p:ext uri="{BB962C8B-B14F-4D97-AF65-F5344CB8AC3E}">
+        <p14:creationId xmlns:p14="http://schemas.microsoft.com/office/powerpoint/2010/main" val="3487149943"/>
+      </p:ext>
+    </p:extLst>
+  </p:cSld>
+  <p:clrMapOvr>
+    <a:masterClrMapping/>
+  </p:clrMapOvr>
+  <p:timing>
+    <p:tnLst>
+      <p:par>
+        <p:cTn xmlns:p14="http://schemas.microsoft.com/office/powerpoint/2010/main" id="1" dur="indefinite" restart="never" nodeType="tmRoot"/>
+      </p:par>
+    </p:tnLst>
+  </p:timing>
+</p:sld>
+</file>
+
+<file path=ppt/slides/slide4.xml><?xml version="1.0" encoding="utf-8"?>
+<p:sld xmlns:a="http://schemas.openxmlformats.org/drawingml/2006/main" xmlns:r="http://schemas.openxmlformats.org/officeDocument/2006/relationships" xmlns:p="http://schemas.openxmlformats.org/presentationml/2006/main">
+  <p:cSld>
+    <p:spTree>
+      <p:nvGrpSpPr>
+        <p:cNvPr id="1" name=""/>
+        <p:cNvGrpSpPr/>
+        <p:nvPr/>
+      </p:nvGrpSpPr>
+      <p:grpSpPr>
+        <a:xfrm>
+          <a:off x="0" y="0"/>
+          <a:ext cx="0" cy="0"/>
+          <a:chOff x="0" y="0"/>
+          <a:chExt cx="0" cy="0"/>
+        </a:xfrm>
+      </p:grpSpPr>
+      <p:sp>
+        <p:nvSpPr>
+          <p:cNvPr id="2" name="Titel 1"/>
+          <p:cNvSpPr>
+            <a:spLocks noGrp="1"/>
+          </p:cNvSpPr>
+          <p:nvPr>
+            <p:ph type="title"/>
+          </p:nvPr>
+        </p:nvSpPr>
+        <p:spPr/>
+        <p:txBody>
+          <a:bodyPr>
+            <a:normAutofit/>
+          </a:bodyPr>
+          <a:lstStyle/>
+          <a:p>
+            <a:r>
+              <a:rPr lang="de-DE" dirty="0" err="1" smtClean="0"/>
+              <a:t>Smartwatch</a:t>
+            </a:r>
+            <a:endParaRPr lang="de-DE" dirty="0"/>
+          </a:p>
+        </p:txBody>
+      </p:sp>
+      <p:sp>
+        <p:nvSpPr>
+          <p:cNvPr id="3" name="Inhaltsplatzhalter 2"/>
+          <p:cNvSpPr>
+            <a:spLocks noGrp="1"/>
+          </p:cNvSpPr>
+          <p:nvPr>
+            <p:ph sz="half" idx="1"/>
+          </p:nvPr>
+        </p:nvSpPr>
+        <p:spPr>
+          <a:xfrm>
+            <a:off x="457200" y="2249424"/>
+            <a:ext cx="5915000" cy="4525963"/>
+          </a:xfrm>
+        </p:spPr>
+        <p:txBody>
+          <a:bodyPr>
+            <a:normAutofit fontScale="70000" lnSpcReduction="20000"/>
+          </a:bodyPr>
+          <a:lstStyle/>
+          <a:p>
+            <a:r>
+              <a:rPr lang="de-DE" sz="2600" dirty="0">
+                <a:latin typeface="+mj-lt"/>
+              </a:rPr>
+              <a:t>Zugriff auf Sensoren (Puls und Schrittzähler)</a:t>
+            </a:r>
+          </a:p>
+          <a:p>
+            <a:pPr marL="109728" indent="0">
+              <a:buNone/>
+            </a:pPr>
+            <a:endParaRPr lang="de-DE" sz="2600" dirty="0">
+              <a:latin typeface="+mj-lt"/>
+            </a:endParaRPr>
+          </a:p>
+          <a:p>
+            <a:r>
+              <a:rPr lang="de-DE" sz="2600" dirty="0">
+                <a:latin typeface="+mj-lt"/>
+              </a:rPr>
+              <a:t> Konfiguration über Smartphone</a:t>
+            </a:r>
+          </a:p>
+          <a:p>
+            <a:pPr lvl="1"/>
+            <a:r>
+              <a:rPr lang="de-DE" sz="2200" dirty="0">
+                <a:solidFill>
+                  <a:schemeClr val="tx1"/>
+                </a:solidFill>
+                <a:latin typeface="+mj-lt"/>
+              </a:rPr>
+              <a:t>regelmäßige Vibration zur  Erinnerung</a:t>
+            </a:r>
+          </a:p>
+          <a:p>
+            <a:pPr lvl="1"/>
+            <a:r>
+              <a:rPr lang="de-DE" sz="2200" dirty="0">
+                <a:solidFill>
+                  <a:schemeClr val="tx1"/>
+                </a:solidFill>
+                <a:latin typeface="+mj-lt"/>
+              </a:rPr>
+              <a:t>Bildschirm angeschaltet lassen</a:t>
+            </a:r>
+          </a:p>
+          <a:p>
+            <a:pPr lvl="1"/>
+            <a:r>
+              <a:rPr lang="de-DE" sz="2200" dirty="0">
+                <a:solidFill>
+                  <a:schemeClr val="tx1"/>
+                </a:solidFill>
+                <a:latin typeface="+mj-lt"/>
+              </a:rPr>
+              <a:t>Messungsintervall</a:t>
+            </a:r>
+          </a:p>
+          <a:p>
+            <a:endParaRPr lang="de-DE" sz="2600" dirty="0">
+              <a:latin typeface="+mj-lt"/>
+            </a:endParaRPr>
+          </a:p>
+          <a:p>
+            <a:r>
+              <a:rPr lang="de-DE" sz="2600" dirty="0">
+                <a:latin typeface="+mj-lt"/>
+              </a:rPr>
+              <a:t>Angabe von Messungstyp (Aktivitäts- oder Ruhemessung)</a:t>
+            </a:r>
+          </a:p>
+          <a:p>
+            <a:endParaRPr lang="de-DE" sz="2600" dirty="0">
+              <a:latin typeface="+mj-lt"/>
+            </a:endParaRPr>
+          </a:p>
+          <a:p>
+            <a:r>
+              <a:rPr lang="de-DE" sz="2600" dirty="0">
+                <a:latin typeface="+mj-lt"/>
+              </a:rPr>
+              <a:t>Aktivitätsmessung: kontinuierliche Aufzeichnung von Zeit, Puls und Schrittanzahl</a:t>
+            </a:r>
+          </a:p>
+          <a:p>
+            <a:pPr marL="109728" indent="0">
+              <a:buNone/>
+            </a:pPr>
+            <a:r>
+              <a:rPr lang="de-DE" sz="2600" dirty="0">
+                <a:latin typeface="+mj-lt"/>
+              </a:rPr>
+              <a:t>		</a:t>
+            </a:r>
+          </a:p>
+          <a:p>
+            <a:r>
+              <a:rPr lang="de-DE" sz="2600" dirty="0">
+                <a:latin typeface="+mj-lt"/>
+              </a:rPr>
+              <a:t>Ruhemessung: Messung über 60 Sekunden </a:t>
+            </a:r>
+          </a:p>
+          <a:p>
+            <a:pPr marL="109728" indent="0">
+              <a:buNone/>
+            </a:pPr>
+            <a:endParaRPr lang="de-DE" sz="2600" dirty="0">
+              <a:latin typeface="+mj-lt"/>
+            </a:endParaRPr>
+          </a:p>
+          <a:p>
+            <a:r>
+              <a:rPr lang="de-DE" sz="2600" dirty="0">
+                <a:latin typeface="+mj-lt"/>
+              </a:rPr>
+              <a:t>Abfrage der Stimmung zur späteren Auswertung</a:t>
+            </a:r>
+          </a:p>
+          <a:p>
+            <a:pPr marL="109728" indent="0">
+              <a:buNone/>
+            </a:pPr>
+            <a:endParaRPr lang="de-DE" dirty="0">
+              <a:latin typeface="+mj-lt"/>
+            </a:endParaRPr>
+          </a:p>
+        </p:txBody>
+      </p:sp>
+      <p:pic>
+        <p:nvPicPr>
+          <p:cNvPr id="3075" name="Picture 3" descr="C:\Users\LMH\Desktop\aktivitaet.png"/>
+          <p:cNvPicPr>
+            <a:picLocks noChangeAspect="1" noChangeArrowheads="1"/>
+          </p:cNvPicPr>
+          <p:nvPr/>
+        </p:nvPicPr>
+        <p:blipFill>
+          <a:blip r:embed="rId3">
+            <a:extLst>
+              <a:ext uri="{28A0092B-C50C-407E-A947-70E740481C1C}">
+                <a14:useLocalDpi xmlns:a14="http://schemas.microsoft.com/office/drawing/2010/main" val="0"/>
+              </a:ext>
+            </a:extLst>
+          </a:blip>
+          <a:srcRect/>
+          <a:stretch>
+            <a:fillRect/>
+          </a:stretch>
+        </p:blipFill>
+        <p:spPr bwMode="auto">
+          <a:xfrm>
+            <a:off x="6660232" y="832912"/>
+            <a:ext cx="1746548" cy="5852547"/>
+          </a:xfrm>
+          <a:prstGeom prst="rect">
+            <a:avLst/>
+          </a:prstGeom>
+          <a:noFill/>
+          <a:extLst>
+            <a:ext uri="{909E8E84-426E-40dd-AFC4-6F175D3DCCD1}">
+              <a14:hiddenFill xmlns:a14="http://schemas.microsoft.com/office/drawing/2010/main">
+                <a:solidFill>
+                  <a:srgbClr val="FFFFFF"/>
+                </a:solidFill>
+              </a14:hiddenFill>
+            </a:ext>
+          </a:extLst>
+        </p:spPr>
+      </p:pic>
+    </p:spTree>
+    <p:extLst>
+      <p:ext uri="{BB962C8B-B14F-4D97-AF65-F5344CB8AC3E}">
+        <p14:creationId xmlns:p14="http://schemas.microsoft.com/office/powerpoint/2010/main" val="1224773040"/>
+      </p:ext>
+    </p:extLst>
+  </p:cSld>
+  <p:clrMapOvr>
+    <a:masterClrMapping/>
+  </p:clrMapOvr>
+  <p:timing>
+    <p:tnLst>
+      <p:par>
+        <p:cTn xmlns:p14="http://schemas.microsoft.com/office/powerpoint/2010/main" id="1" dur="indefinite" restart="never" nodeType="tmRoot"/>
+      </p:par>
+    </p:tnLst>
+  </p:timing>
+</p:sld>
+</file>
+
+<file path=ppt/slides/slide5.xml><?xml version="1.0" encoding="utf-8"?>
+<p:sld xmlns:a="http://schemas.openxmlformats.org/drawingml/2006/main" xmlns:r="http://schemas.openxmlformats.org/officeDocument/2006/relationships" xmlns:p="http://schemas.openxmlformats.org/presentationml/2006/main">
+  <p:cSld>
+    <p:spTree>
+      <p:nvGrpSpPr>
+        <p:cNvPr id="1" name=""/>
+        <p:cNvGrpSpPr/>
+        <p:nvPr/>
+      </p:nvGrpSpPr>
+      <p:grpSpPr>
+        <a:xfrm>
+          <a:off x="0" y="0"/>
+          <a:ext cx="0" cy="0"/>
+          <a:chOff x="0" y="0"/>
+          <a:chExt cx="0" cy="0"/>
+        </a:xfrm>
+      </p:grpSpPr>
+      <p:sp>
+        <p:nvSpPr>
+          <p:cNvPr id="2" name="Titel 1"/>
+          <p:cNvSpPr>
+            <a:spLocks noGrp="1"/>
+          </p:cNvSpPr>
+          <p:nvPr>
+            <p:ph type="title"/>
+          </p:nvPr>
+        </p:nvSpPr>
+        <p:spPr/>
+        <p:txBody>
+          <a:bodyPr/>
+          <a:lstStyle/>
+          <a:p>
+            <a:r>
+              <a:rPr lang="de-DE" dirty="0" smtClean="0"/>
+              <a:t>Smartphone</a:t>
+            </a:r>
+            <a:endParaRPr lang="de-DE" dirty="0"/>
+          </a:p>
+        </p:txBody>
+      </p:sp>
+      <p:sp>
+        <p:nvSpPr>
+          <p:cNvPr id="4" name="Inhaltsplatzhalter 3"/>
+          <p:cNvSpPr>
+            <a:spLocks noGrp="1"/>
+          </p:cNvSpPr>
+          <p:nvPr>
+            <p:ph sz="half" idx="2"/>
+          </p:nvPr>
+        </p:nvSpPr>
+        <p:spPr>
+          <a:xfrm>
+            <a:off x="3040703" y="2276872"/>
+            <a:ext cx="5646097" cy="4498515"/>
+          </a:xfrm>
+        </p:spPr>
+        <p:txBody>
+          <a:bodyPr>
+            <a:normAutofit lnSpcReduction="10000"/>
+          </a:bodyPr>
+          <a:lstStyle/>
+          <a:p>
+            <a:r>
+              <a:rPr lang="de-DE" dirty="0">
+                <a:latin typeface="+mj-lt"/>
+              </a:rPr>
+              <a:t>Kommunikation über </a:t>
+            </a:r>
+            <a:r>
+              <a:rPr lang="de-DE" dirty="0" err="1">
+                <a:latin typeface="+mj-lt"/>
+              </a:rPr>
+              <a:t>Wearable</a:t>
+            </a:r>
+            <a:r>
+              <a:rPr lang="de-DE" dirty="0">
+                <a:latin typeface="+mj-lt"/>
+              </a:rPr>
+              <a:t>-Bluetooth-API</a:t>
+            </a:r>
+          </a:p>
+          <a:p>
+            <a:endParaRPr lang="de-DE" dirty="0">
+              <a:latin typeface="+mj-lt"/>
+            </a:endParaRPr>
+          </a:p>
+          <a:p>
+            <a:r>
+              <a:rPr lang="de-DE" dirty="0">
+                <a:latin typeface="+mj-lt"/>
+              </a:rPr>
+              <a:t>Background-Service zum Empfangen und Senden von Daten</a:t>
+            </a:r>
+          </a:p>
+          <a:p>
+            <a:endParaRPr lang="de-DE" dirty="0">
+              <a:latin typeface="+mj-lt"/>
+            </a:endParaRPr>
+          </a:p>
+          <a:p>
+            <a:r>
+              <a:rPr lang="de-DE" dirty="0">
+                <a:latin typeface="+mj-lt"/>
+              </a:rPr>
+              <a:t>Anzeige von Puls-Diagrammen über Library "</a:t>
+            </a:r>
+            <a:r>
+              <a:rPr lang="de-DE" dirty="0" err="1">
+                <a:latin typeface="+mj-lt"/>
+              </a:rPr>
+              <a:t>GraphView</a:t>
+            </a:r>
+            <a:r>
+              <a:rPr lang="de-DE" dirty="0">
+                <a:latin typeface="+mj-lt"/>
+              </a:rPr>
+              <a:t>"</a:t>
+            </a:r>
+          </a:p>
+          <a:p>
+            <a:endParaRPr lang="de-DE" dirty="0">
+              <a:latin typeface="+mj-lt"/>
+            </a:endParaRPr>
+          </a:p>
+          <a:p>
+            <a:r>
+              <a:rPr lang="de-DE" dirty="0">
+                <a:latin typeface="+mj-lt"/>
+              </a:rPr>
+              <a:t>Persistente Speicherung der Daten und Auswahl über Dropdown</a:t>
+            </a:r>
+          </a:p>
+          <a:p>
+            <a:endParaRPr lang="de-DE" dirty="0">
+              <a:latin typeface="+mj-lt"/>
+            </a:endParaRPr>
+          </a:p>
+          <a:p>
+            <a:r>
+              <a:rPr lang="de-DE" dirty="0" err="1">
+                <a:latin typeface="+mj-lt"/>
+              </a:rPr>
+              <a:t>Debug</a:t>
+            </a:r>
+            <a:r>
+              <a:rPr lang="de-DE" dirty="0">
+                <a:latin typeface="+mj-lt"/>
+              </a:rPr>
+              <a:t>-Modus zur Erzeugung von zufälligen </a:t>
+            </a:r>
+            <a:r>
+              <a:rPr lang="de-DE" dirty="0" smtClean="0">
+                <a:latin typeface="+mj-lt"/>
+              </a:rPr>
+              <a:t>Daten</a:t>
+            </a:r>
+            <a:endParaRPr lang="de-DE" dirty="0">
+              <a:latin typeface="+mj-lt"/>
+            </a:endParaRPr>
+          </a:p>
+        </p:txBody>
+      </p:sp>
+      <p:pic>
+        <p:nvPicPr>
+          <p:cNvPr id="4098" name="Picture 2" descr="C:\Users\LMH\Desktop\4986.jpg"/>
+          <p:cNvPicPr>
+            <a:picLocks noChangeAspect="1" noChangeArrowheads="1"/>
+          </p:cNvPicPr>
+          <p:nvPr/>
+        </p:nvPicPr>
+        <p:blipFill>
+          <a:blip r:embed="rId2">
+            <a:extLst>
+              <a:ext uri="{28A0092B-C50C-407E-A947-70E740481C1C}">
+                <a14:useLocalDpi xmlns:a14="http://schemas.microsoft.com/office/drawing/2010/main" val="0"/>
+              </a:ext>
+            </a:extLst>
+          </a:blip>
+          <a:srcRect/>
+          <a:stretch>
+            <a:fillRect/>
+          </a:stretch>
+        </p:blipFill>
+        <p:spPr bwMode="auto">
+          <a:xfrm>
+            <a:off x="539552" y="2276872"/>
+            <a:ext cx="2501151" cy="4446490"/>
+          </a:xfrm>
+          <a:prstGeom prst="rect">
+            <a:avLst/>
+          </a:prstGeom>
+          <a:noFill/>
+          <a:extLst>
+            <a:ext uri="{909E8E84-426E-40dd-AFC4-6F175D3DCCD1}">
+              <a14:hiddenFill xmlns:a14="http://schemas.microsoft.com/office/drawing/2010/main">
+                <a:solidFill>
+                  <a:srgbClr val="FFFFFF"/>
+                </a:solidFill>
+              </a14:hiddenFill>
+            </a:ext>
+          </a:extLst>
+        </p:spPr>
+      </p:pic>
+    </p:spTree>
+    <p:extLst>
+      <p:ext uri="{BB962C8B-B14F-4D97-AF65-F5344CB8AC3E}">
+        <p14:creationId xmlns:p14="http://schemas.microsoft.com/office/powerpoint/2010/main" val="952660724"/>
+      </p:ext>
+    </p:extLst>
+  </p:cSld>
+  <p:clrMapOvr>
+    <a:masterClrMapping/>
+  </p:clrMapOvr>
+  <p:timing>
+    <p:tnLst>
+      <p:par>
+        <p:cTn xmlns:p14="http://schemas.microsoft.com/office/powerpoint/2010/main" id="1" dur="indefinite" restart="never" nodeType="tmRoot"/>
+      </p:par>
+    </p:tnLst>
+  </p:timing>
+</p:sld>
+</file>
+
+<file path=ppt/slides/slide6.xml><?xml version="1.0" encoding="utf-8"?>
+<p:sld xmlns:a="http://schemas.openxmlformats.org/drawingml/2006/main" xmlns:r="http://schemas.openxmlformats.org/officeDocument/2006/relationships" xmlns:p="http://schemas.openxmlformats.org/presentationml/2006/main">
+  <p:cSld>
+    <p:spTree>
+      <p:nvGrpSpPr>
+        <p:cNvPr id="1" name=""/>
+        <p:cNvGrpSpPr/>
+        <p:nvPr/>
+      </p:nvGrpSpPr>
+      <p:grpSpPr>
+        <a:xfrm>
+          <a:off x="0" y="0"/>
+          <a:ext cx="0" cy="0"/>
+          <a:chOff x="0" y="0"/>
+          <a:chExt cx="0" cy="0"/>
+        </a:xfrm>
+      </p:grpSpPr>
+      <p:sp>
+        <p:nvSpPr>
+          <p:cNvPr id="2" name="Titel 1"/>
+          <p:cNvSpPr>
+            <a:spLocks noGrp="1"/>
+          </p:cNvSpPr>
+          <p:nvPr>
+            <p:ph type="title"/>
+          </p:nvPr>
+        </p:nvSpPr>
+        <p:spPr>
+          <a:xfrm>
+            <a:off x="251520" y="404664"/>
+            <a:ext cx="8229600" cy="1066800"/>
+          </a:xfrm>
+        </p:spPr>
+        <p:txBody>
+          <a:bodyPr/>
+          <a:lstStyle/>
+          <a:p>
+            <a:r>
+              <a:rPr lang="de-DE" dirty="0" smtClean="0"/>
+              <a:t>Desktop-Anwendung</a:t>
+            </a:r>
+            <a:endParaRPr lang="de-DE" dirty="0"/>
+          </a:p>
+        </p:txBody>
+      </p:sp>
+      <p:sp>
+        <p:nvSpPr>
+          <p:cNvPr id="4" name="Inhaltsplatzhalter 3"/>
+          <p:cNvSpPr>
+            <a:spLocks noGrp="1"/>
+          </p:cNvSpPr>
+          <p:nvPr>
+            <p:ph sz="half" idx="2"/>
+          </p:nvPr>
+        </p:nvSpPr>
+        <p:spPr>
+          <a:xfrm>
+            <a:off x="4932040" y="1700808"/>
+            <a:ext cx="4038600" cy="4858555"/>
+          </a:xfrm>
+        </p:spPr>
+        <p:txBody>
+          <a:bodyPr>
+            <a:normAutofit fontScale="85000" lnSpcReduction="20000"/>
+          </a:bodyPr>
+          <a:lstStyle/>
+          <a:p>
+            <a:r>
+              <a:rPr lang="de-DE" dirty="0">
+                <a:latin typeface="+mj-lt"/>
+              </a:rPr>
+              <a:t>Kommunikation mit </a:t>
+            </a:r>
+            <a:r>
+              <a:rPr lang="de-DE" dirty="0" smtClean="0">
+                <a:latin typeface="+mj-lt"/>
+              </a:rPr>
+              <a:t>Smartphone</a:t>
+            </a:r>
+          </a:p>
+          <a:p>
+            <a:endParaRPr lang="de-DE" dirty="0">
+              <a:latin typeface="+mj-lt"/>
+            </a:endParaRPr>
+          </a:p>
+          <a:p>
+            <a:r>
+              <a:rPr lang="de-DE" dirty="0">
+                <a:latin typeface="+mj-lt"/>
+              </a:rPr>
+              <a:t>Speicherung der </a:t>
+            </a:r>
+            <a:r>
+              <a:rPr lang="de-DE" dirty="0" smtClean="0">
+                <a:latin typeface="+mj-lt"/>
+              </a:rPr>
+              <a:t>Daten</a:t>
+            </a:r>
+          </a:p>
+          <a:p>
+            <a:endParaRPr lang="de-DE" dirty="0">
+              <a:latin typeface="+mj-lt"/>
+            </a:endParaRPr>
+          </a:p>
+          <a:p>
+            <a:r>
+              <a:rPr lang="de-DE" dirty="0" smtClean="0">
+                <a:latin typeface="+mj-lt"/>
+              </a:rPr>
+              <a:t>Plattformunabhängigkeit</a:t>
+            </a:r>
+            <a:endParaRPr lang="de-DE" dirty="0">
+              <a:latin typeface="+mj-lt"/>
+            </a:endParaRPr>
+          </a:p>
+          <a:p>
+            <a:endParaRPr lang="de-DE" dirty="0" smtClean="0">
+              <a:latin typeface="+mj-lt"/>
+            </a:endParaRPr>
+          </a:p>
+          <a:p>
+            <a:r>
+              <a:rPr lang="de-DE" dirty="0">
+                <a:latin typeface="+mj-lt"/>
+              </a:rPr>
+              <a:t>Unterscheidung zwischen Ruhe- und Aktivitätsmessung</a:t>
+            </a:r>
+          </a:p>
+          <a:p>
+            <a:pPr marL="109728" indent="0">
+              <a:buNone/>
+            </a:pPr>
+            <a:endParaRPr lang="de-DE" dirty="0">
+              <a:latin typeface="+mj-lt"/>
+            </a:endParaRPr>
+          </a:p>
+          <a:p>
+            <a:r>
+              <a:rPr lang="de-DE" dirty="0" smtClean="0">
+                <a:latin typeface="+mj-lt"/>
+              </a:rPr>
+              <a:t>Graphische Darstellung der Messwerte </a:t>
+            </a:r>
+          </a:p>
+          <a:p>
+            <a:endParaRPr lang="de-DE" dirty="0">
+              <a:latin typeface="+mj-lt"/>
+            </a:endParaRPr>
+          </a:p>
+          <a:p>
+            <a:r>
+              <a:rPr lang="de-DE" dirty="0" smtClean="0">
+                <a:latin typeface="+mj-lt"/>
+              </a:rPr>
+              <a:t>Darstellung </a:t>
+            </a:r>
+            <a:r>
+              <a:rPr lang="de-DE" dirty="0">
+                <a:latin typeface="+mj-lt"/>
+              </a:rPr>
+              <a:t>in tabellarischer </a:t>
+            </a:r>
+            <a:r>
+              <a:rPr lang="de-DE" dirty="0" smtClean="0">
+                <a:latin typeface="+mj-lt"/>
+              </a:rPr>
+              <a:t>Form</a:t>
+            </a:r>
+          </a:p>
+          <a:p>
+            <a:endParaRPr lang="de-DE" dirty="0" smtClean="0">
+              <a:latin typeface="+mj-lt"/>
+            </a:endParaRPr>
+          </a:p>
+          <a:p>
+            <a:r>
+              <a:rPr lang="de-DE" dirty="0" smtClean="0">
+                <a:latin typeface="+mj-lt"/>
+              </a:rPr>
+              <a:t>Selektierung nach Datum</a:t>
+            </a:r>
+          </a:p>
+          <a:p>
+            <a:endParaRPr lang="de-DE" dirty="0" smtClean="0">
+              <a:latin typeface="+mj-lt"/>
+            </a:endParaRPr>
+          </a:p>
+          <a:p>
+            <a:r>
+              <a:rPr lang="de-DE" dirty="0" smtClean="0">
+                <a:latin typeface="+mj-lt"/>
+              </a:rPr>
+              <a:t>Druckfunktion</a:t>
+            </a:r>
+          </a:p>
+          <a:p>
+            <a:endParaRPr lang="de-DE" dirty="0" smtClean="0">
+              <a:latin typeface="+mj-lt"/>
+            </a:endParaRPr>
+          </a:p>
+          <a:p>
+            <a:r>
+              <a:rPr lang="de-DE" dirty="0" smtClean="0">
+                <a:latin typeface="+mj-lt"/>
+              </a:rPr>
+              <a:t>Mehrsprachigkeit</a:t>
+            </a:r>
+          </a:p>
+          <a:p>
+            <a:pPr marL="109728" indent="0">
+              <a:buNone/>
+            </a:pPr>
+            <a:endParaRPr lang="de-DE" dirty="0">
+              <a:latin typeface="+mj-lt"/>
+            </a:endParaRPr>
+          </a:p>
+        </p:txBody>
+      </p:sp>
+      <p:pic>
+        <p:nvPicPr>
+          <p:cNvPr id="5122" name="Picture 2" descr="C:\Users\LMH\Desktop\Bildschirmfoto.png"/>
+          <p:cNvPicPr>
+            <a:picLocks noChangeAspect="1" noChangeArrowheads="1"/>
+          </p:cNvPicPr>
+          <p:nvPr/>
+        </p:nvPicPr>
+        <p:blipFill>
+          <a:blip r:embed="rId2" cstate="print">
+            <a:extLst>
+              <a:ext uri="{28A0092B-C50C-407E-A947-70E740481C1C}">
+                <a14:useLocalDpi xmlns:a14="http://schemas.microsoft.com/office/drawing/2010/main" val="0"/>
+              </a:ext>
+            </a:extLst>
+          </a:blip>
+          <a:srcRect/>
+          <a:stretch>
+            <a:fillRect/>
+          </a:stretch>
+        </p:blipFill>
+        <p:spPr bwMode="auto">
+          <a:xfrm>
+            <a:off x="251520" y="1484784"/>
+            <a:ext cx="4680520" cy="2537782"/>
+          </a:xfrm>
+          <a:prstGeom prst="rect">
+            <a:avLst/>
+          </a:prstGeom>
+          <a:noFill/>
+          <a:extLst>
+            <a:ext uri="{909E8E84-426E-40dd-AFC4-6F175D3DCCD1}">
+              <a14:hiddenFill xmlns:a14="http://schemas.microsoft.com/office/drawing/2010/main">
+                <a:solidFill>
+                  <a:srgbClr val="FFFFFF"/>
+                </a:solidFill>
+              </a14:hiddenFill>
+            </a:ext>
+          </a:extLst>
+        </p:spPr>
+      </p:pic>
+      <p:pic>
+        <p:nvPicPr>
+          <p:cNvPr id="1026" name="Picture 2" descr="C:\Users\LMH\Desktop\Bildschirmfoto 2015-01-02 um 21.55.50.png"/>
+          <p:cNvPicPr>
+            <a:picLocks noChangeAspect="1" noChangeArrowheads="1"/>
+          </p:cNvPicPr>
+          <p:nvPr/>
+        </p:nvPicPr>
+        <p:blipFill>
+          <a:blip r:embed="rId3" cstate="print">
+            <a:extLst>
+              <a:ext uri="{28A0092B-C50C-407E-A947-70E740481C1C}">
+                <a14:useLocalDpi xmlns:a14="http://schemas.microsoft.com/office/drawing/2010/main" val="0"/>
+              </a:ext>
+            </a:extLst>
+          </a:blip>
+          <a:srcRect/>
+          <a:stretch>
+            <a:fillRect/>
+          </a:stretch>
+        </p:blipFill>
+        <p:spPr bwMode="auto">
+          <a:xfrm>
+            <a:off x="251520" y="4149080"/>
+            <a:ext cx="4680520" cy="2566773"/>
+          </a:xfrm>
+          <a:prstGeom prst="rect">
+            <a:avLst/>
+          </a:prstGeom>
+          <a:noFill/>
+          <a:extLst>
+            <a:ext uri="{909E8E84-426E-40dd-AFC4-6F175D3DCCD1}">
+              <a14:hiddenFill xmlns:a14="http://schemas.microsoft.com/office/drawing/2010/main">
+                <a:solidFill>
+                  <a:srgbClr val="FFFFFF"/>
+                </a:solidFill>
+              </a14:hiddenFill>
+            </a:ext>
+          </a:extLst>
+        </p:spPr>
+      </p:pic>
+    </p:spTree>
+    <p:extLst>
+      <p:ext uri="{BB962C8B-B14F-4D97-AF65-F5344CB8AC3E}">
+        <p14:creationId xmlns:p14="http://schemas.microsoft.com/office/powerpoint/2010/main" val="2841675769"/>
+      </p:ext>
+    </p:extLst>
+  </p:cSld>
+  <p:clrMapOvr>
+    <a:masterClrMapping/>
+  </p:clrMapOvr>
+  <p:timing>
+    <p:tnLst>
+      <p:par>
+        <p:cTn xmlns:p14="http://schemas.microsoft.com/office/powerpoint/2010/main" id="1" dur="indefinite" restart="never" nodeType="tmRoot"/>
+      </p:par>
+    </p:tnLst>
+  </p:timing>
+</p:sld>
+</file>
+
+<file path=ppt/slides/slide7.xml><?xml version="1.0" encoding="utf-8"?>
+<p:sld xmlns:a="http://schemas.openxmlformats.org/drawingml/2006/main" xmlns:r="http://schemas.openxmlformats.org/officeDocument/2006/relationships" xmlns:p="http://schemas.openxmlformats.org/presentationml/2006/main">
+  <p:cSld>
+    <p:spTree>
+      <p:nvGrpSpPr>
+        <p:cNvPr id="1" name=""/>
+        <p:cNvGrpSpPr/>
+        <p:nvPr/>
+      </p:nvGrpSpPr>
+      <p:grpSpPr>
+        <a:xfrm>
+          <a:off x="0" y="0"/>
+          <a:ext cx="0" cy="0"/>
+          <a:chOff x="0" y="0"/>
+          <a:chExt cx="0" cy="0"/>
+        </a:xfrm>
+      </p:grpSpPr>
+      <p:sp>
+        <p:nvSpPr>
+          <p:cNvPr id="2" name="Titel 1"/>
+          <p:cNvSpPr>
+            <a:spLocks noGrp="1"/>
+          </p:cNvSpPr>
+          <p:nvPr>
+            <p:ph type="title"/>
+          </p:nvPr>
+        </p:nvSpPr>
+        <p:spPr>
+          <a:xfrm>
+            <a:off x="611560" y="764704"/>
+            <a:ext cx="8229600" cy="1066800"/>
+          </a:xfrm>
+        </p:spPr>
+        <p:txBody>
+          <a:bodyPr/>
+          <a:lstStyle/>
+          <a:p>
+            <a:r>
+              <a:rPr lang="de-DE" dirty="0" smtClean="0"/>
+              <a:t>Architektur Desktop-Anwendung</a:t>
+            </a:r>
+            <a:endParaRPr lang="de-DE" dirty="0"/>
+          </a:p>
+        </p:txBody>
+      </p:sp>
+      <p:pic>
+        <p:nvPicPr>
+          <p:cNvPr id="5" name="Bild 4"/>
+          <p:cNvPicPr/>
+          <p:nvPr/>
+        </p:nvPicPr>
+        <p:blipFill>
+          <a:blip r:embed="rId2">
+            <a:extLst>
+              <a:ext uri="{28A0092B-C50C-407E-A947-70E740481C1C}">
+                <a14:useLocalDpi xmlns:a14="http://schemas.microsoft.com/office/drawing/2010/main" val="0"/>
+              </a:ext>
+            </a:extLst>
+          </a:blip>
+          <a:stretch>
+            <a:fillRect/>
+          </a:stretch>
+        </p:blipFill>
+        <p:spPr>
+          <a:xfrm>
+            <a:off x="539552" y="2132856"/>
+            <a:ext cx="4320480" cy="4320480"/>
+          </a:xfrm>
+          <a:prstGeom prst="rect">
+            <a:avLst/>
+          </a:prstGeom>
+          <a:extLst>
+            <a:ext uri="{FAA26D3D-D897-4be2-8F04-BA451C77F1D7}">
+              <ma14:placeholderFlag xmlns:ma14="http://schemas.microsoft.com/office/mac/drawingml/2011/main"/>
+            </a:ext>
+          </a:extLst>
+        </p:spPr>
+      </p:pic>
+      <p:sp>
+        <p:nvSpPr>
+          <p:cNvPr id="9" name="Inhaltsplatzhalter 8"/>
+          <p:cNvSpPr>
+            <a:spLocks noGrp="1"/>
+          </p:cNvSpPr>
+          <p:nvPr>
+            <p:ph sz="half" idx="2"/>
+          </p:nvPr>
+        </p:nvSpPr>
+        <p:spPr>
+          <a:xfrm>
+            <a:off x="5292080" y="1916832"/>
+            <a:ext cx="3678560" cy="4536503"/>
+          </a:xfrm>
+        </p:spPr>
+        <p:txBody>
+          <a:bodyPr>
+            <a:noAutofit/>
+          </a:bodyPr>
+          <a:lstStyle/>
+          <a:p>
+            <a:pPr>
+              <a:lnSpc>
+                <a:spcPct val="150000"/>
+              </a:lnSpc>
+            </a:pPr>
+            <a:r>
+              <a:rPr lang="de-DE" sz="2200" dirty="0" smtClean="0">
+                <a:solidFill>
+                  <a:srgbClr val="000000"/>
+                </a:solidFill>
+              </a:rPr>
+              <a:t>Model/View Konzept</a:t>
+            </a:r>
+          </a:p>
+          <a:p>
+            <a:pPr>
+              <a:lnSpc>
+                <a:spcPct val="150000"/>
+              </a:lnSpc>
+            </a:pPr>
+            <a:r>
+              <a:rPr lang="de-DE" sz="2200" dirty="0" smtClean="0">
+                <a:solidFill>
+                  <a:srgbClr val="000000"/>
+                </a:solidFill>
+              </a:rPr>
+              <a:t>View</a:t>
+            </a:r>
+          </a:p>
+          <a:p>
+            <a:pPr lvl="1">
+              <a:lnSpc>
+                <a:spcPct val="150000"/>
+              </a:lnSpc>
+            </a:pPr>
+            <a:r>
+              <a:rPr lang="de-DE" sz="2200" dirty="0" smtClean="0">
+                <a:solidFill>
+                  <a:srgbClr val="000000"/>
+                </a:solidFill>
+              </a:rPr>
+              <a:t>QML</a:t>
+            </a:r>
+          </a:p>
+          <a:p>
+            <a:pPr lvl="1">
+              <a:lnSpc>
+                <a:spcPct val="150000"/>
+              </a:lnSpc>
+            </a:pPr>
+            <a:r>
+              <a:rPr lang="de-DE" sz="2200" dirty="0" err="1" smtClean="0">
+                <a:solidFill>
+                  <a:srgbClr val="000000"/>
+                </a:solidFill>
+              </a:rPr>
+              <a:t>QCostumPlot</a:t>
+            </a:r>
+            <a:endParaRPr lang="de-DE" sz="2200" dirty="0" smtClean="0">
+              <a:solidFill>
+                <a:srgbClr val="000000"/>
+              </a:solidFill>
+            </a:endParaRPr>
+          </a:p>
+          <a:p>
+            <a:pPr>
+              <a:lnSpc>
+                <a:spcPct val="150000"/>
+              </a:lnSpc>
+            </a:pPr>
+            <a:r>
+              <a:rPr lang="de-DE" sz="2200" dirty="0" smtClean="0">
+                <a:solidFill>
+                  <a:srgbClr val="000000"/>
+                </a:solidFill>
+              </a:rPr>
+              <a:t>Model</a:t>
+            </a:r>
+          </a:p>
+          <a:p>
+            <a:pPr lvl="1">
+              <a:lnSpc>
+                <a:spcPct val="150000"/>
+              </a:lnSpc>
+            </a:pPr>
+            <a:r>
+              <a:rPr lang="de-DE" sz="2200" dirty="0" err="1" smtClean="0">
+                <a:solidFill>
+                  <a:srgbClr val="000000"/>
+                </a:solidFill>
+              </a:rPr>
+              <a:t>QAbstractListModel</a:t>
+            </a:r>
+            <a:endParaRPr lang="de-DE" sz="2200" dirty="0" smtClean="0">
+              <a:solidFill>
+                <a:srgbClr val="000000"/>
+              </a:solidFill>
+            </a:endParaRPr>
+          </a:p>
+          <a:p>
+            <a:pPr>
+              <a:lnSpc>
+                <a:spcPct val="150000"/>
+              </a:lnSpc>
+            </a:pPr>
+            <a:r>
+              <a:rPr lang="de-DE" sz="2200" dirty="0" smtClean="0">
+                <a:solidFill>
+                  <a:srgbClr val="000000"/>
+                </a:solidFill>
+              </a:rPr>
+              <a:t>Data</a:t>
+            </a:r>
+          </a:p>
+          <a:p>
+            <a:pPr lvl="1">
+              <a:lnSpc>
+                <a:spcPct val="150000"/>
+              </a:lnSpc>
+            </a:pPr>
+            <a:r>
+              <a:rPr lang="de-DE" sz="2200" dirty="0" err="1" smtClean="0">
+                <a:solidFill>
+                  <a:srgbClr val="000000"/>
+                </a:solidFill>
+              </a:rPr>
+              <a:t>SQLite</a:t>
+            </a:r>
+            <a:r>
+              <a:rPr lang="de-DE" sz="2200" dirty="0" smtClean="0">
+                <a:solidFill>
+                  <a:srgbClr val="000000"/>
+                </a:solidFill>
+              </a:rPr>
+              <a:t> Datenbank</a:t>
+            </a:r>
+          </a:p>
+        </p:txBody>
+      </p:sp>
+    </p:spTree>
+    <p:extLst>
+      <p:ext uri="{BB962C8B-B14F-4D97-AF65-F5344CB8AC3E}">
+        <p14:creationId xmlns:p14="http://schemas.microsoft.com/office/powerpoint/2010/main" val="276143226"/>
+      </p:ext>
+    </p:extLst>
+  </p:cSld>
+  <p:clrMapOvr>
+    <a:masterClrMapping/>
+  </p:clrMapOvr>
+  <p:timing>
+    <p:tnLst>
+      <p:par>
+        <p:cTn xmlns:p14="http://schemas.microsoft.com/office/powerpoint/2010/main" id="1" dur="indefinite" restart="never" nodeType="tmRoot"/>
+      </p:par>
+    </p:tnLst>
+  </p:timing>
+</p:sld>
+</file>
+
+<file path=ppt/slides/slide8.xml><?xml version="1.0" encoding="utf-8"?>
+<p:sld xmlns:a="http://schemas.openxmlformats.org/drawingml/2006/main" xmlns:r="http://schemas.openxmlformats.org/officeDocument/2006/relationships" xmlns:p="http://schemas.openxmlformats.org/presentationml/2006/main">
+  <p:cSld>
+    <p:spTree>
+      <p:nvGrpSpPr>
+        <p:cNvPr id="1" name=""/>
+        <p:cNvGrpSpPr/>
+        <p:nvPr/>
+      </p:nvGrpSpPr>
+      <p:grpSpPr>
+        <a:xfrm>
+          <a:off x="0" y="0"/>
+          <a:ext cx="0" cy="0"/>
+          <a:chOff x="0" y="0"/>
+          <a:chExt cx="0" cy="0"/>
+        </a:xfrm>
+      </p:grpSpPr>
+      <p:sp>
+        <p:nvSpPr>
+          <p:cNvPr id="6" name="Titel 5"/>
+          <p:cNvSpPr>
+            <a:spLocks noGrp="1"/>
+          </p:cNvSpPr>
+          <p:nvPr>
+            <p:ph type="ctrTitle"/>
+          </p:nvPr>
+        </p:nvSpPr>
+        <p:spPr>
+          <a:xfrm>
+            <a:off x="457200" y="1484783"/>
+            <a:ext cx="8147248" cy="2387129"/>
+          </a:xfrm>
+        </p:spPr>
+        <p:txBody>
+          <a:bodyPr>
+            <a:normAutofit fontScale="90000"/>
+          </a:bodyPr>
+          <a:lstStyle/>
+          <a:p>
+            <a:r>
+              <a:rPr lang="de-DE" sz="8800" dirty="0" err="1" smtClean="0">
+                <a:solidFill>
+                  <a:srgbClr val="FF5454"/>
+                </a:solidFill>
+              </a:rPr>
+              <a:t>Livedemo</a:t>
+            </a:r>
+            <a:r>
+              <a:rPr lang="de-DE" sz="8800" dirty="0" smtClean="0">
+                <a:solidFill>
+                  <a:srgbClr val="FF5454"/>
+                </a:solidFill>
+              </a:rPr>
+              <a:t> von HeartRate2Go</a:t>
+            </a:r>
+            <a:endParaRPr lang="de-DE" sz="8800" dirty="0">
+              <a:solidFill>
+                <a:srgbClr val="FF5454"/>
+              </a:solidFill>
+            </a:endParaRPr>
+          </a:p>
+        </p:txBody>
+      </p:sp>
+    </p:spTree>
+    <p:extLst>
+      <p:ext uri="{BB962C8B-B14F-4D97-AF65-F5344CB8AC3E}">
+        <p14:creationId xmlns:p14="http://schemas.microsoft.com/office/powerpoint/2010/main" val="1236177286"/>
+      </p:ext>
+    </p:extLst>
+  </p:cSld>
+  <p:clrMapOvr>
+    <a:masterClrMapping/>
+  </p:clrMapOvr>
+  <p:timing>
+    <p:tnLst>
+      <p:par>
+        <p:cTn xmlns:p14="http://schemas.microsoft.com/office/powerpoint/2010/main" id="1" dur="indefinite" restart="never" nodeType="tmRoot"/>
+      </p:par>
+    </p:tnLst>
+  </p:timing>
+</p:sld>
+</file>
+
+<file path=ppt/slides/slide9.xml><?xml version="1.0" encoding="utf-8"?>
+<p:sld xmlns:a="http://schemas.openxmlformats.org/drawingml/2006/main" xmlns:r="http://schemas.openxmlformats.org/officeDocument/2006/relationships" xmlns:p="http://schemas.openxmlformats.org/presentationml/2006/main">
+  <p:cSld>
+    <p:spTree>
+      <p:nvGrpSpPr>
+        <p:cNvPr id="1" name=""/>
+        <p:cNvGrpSpPr/>
+        <p:nvPr/>
+      </p:nvGrpSpPr>
+      <p:grpSpPr>
+        <a:xfrm>
+          <a:off x="0" y="0"/>
+          <a:ext cx="0" cy="0"/>
+          <a:chOff x="0" y="0"/>
+          <a:chExt cx="0" cy="0"/>
+        </a:xfrm>
+      </p:grpSpPr>
+      <p:sp>
+        <p:nvSpPr>
+          <p:cNvPr id="2" name="Titel 1"/>
+          <p:cNvSpPr>
+            <a:spLocks noGrp="1"/>
+          </p:cNvSpPr>
+          <p:nvPr>
+            <p:ph type="title"/>
+          </p:nvPr>
+        </p:nvSpPr>
+        <p:spPr/>
+        <p:txBody>
+          <a:bodyPr/>
+          <a:lstStyle/>
+          <a:p>
+            <a:r>
+              <a:rPr lang="de-DE" dirty="0" smtClean="0"/>
+              <a:t>Ausblick von HeartRate2Go</a:t>
+            </a:r>
+            <a:endParaRPr lang="de-DE" dirty="0"/>
+          </a:p>
+        </p:txBody>
+      </p:sp>
+      <p:sp>
+        <p:nvSpPr>
+          <p:cNvPr id="3" name="Inhaltsplatzhalter 2"/>
+          <p:cNvSpPr>
+            <a:spLocks noGrp="1"/>
+          </p:cNvSpPr>
+          <p:nvPr>
+            <p:ph idx="1"/>
+          </p:nvPr>
+        </p:nvSpPr>
+        <p:spPr>
+          <a:xfrm>
+            <a:off x="457200" y="3068960"/>
+            <a:ext cx="8229600" cy="3505576"/>
+          </a:xfrm>
+        </p:spPr>
+        <p:txBody>
+          <a:bodyPr/>
+          <a:lstStyle/>
+          <a:p>
+            <a:r>
+              <a:rPr lang="de-DE" dirty="0" smtClean="0">
+                <a:latin typeface="+mj-lt"/>
+              </a:rPr>
+              <a:t>Benutzerprofile mit Anamneseabfrage</a:t>
+            </a:r>
+          </a:p>
+          <a:p>
+            <a:r>
+              <a:rPr lang="de-DE" dirty="0" smtClean="0">
+                <a:latin typeface="+mj-lt"/>
+              </a:rPr>
+              <a:t>Erste Einschätzung der Werte</a:t>
+            </a:r>
+          </a:p>
+          <a:p>
+            <a:r>
+              <a:rPr lang="de-DE" dirty="0" smtClean="0">
+                <a:latin typeface="+mj-lt"/>
+              </a:rPr>
+              <a:t>Markierungen setzen</a:t>
+            </a:r>
+          </a:p>
+          <a:p>
+            <a:r>
+              <a:rPr lang="de-DE" dirty="0" smtClean="0">
+                <a:latin typeface="+mj-lt"/>
+              </a:rPr>
+              <a:t>Berechnung des Kalorienverbrauchs</a:t>
+            </a:r>
+          </a:p>
+          <a:p>
+            <a:r>
+              <a:rPr lang="de-DE" dirty="0" smtClean="0">
+                <a:latin typeface="+mj-lt"/>
+              </a:rPr>
+              <a:t>iOS App</a:t>
+            </a:r>
+            <a:endParaRPr lang="de-DE" dirty="0">
+              <a:latin typeface="+mj-lt"/>
+            </a:endParaRPr>
+          </a:p>
+        </p:txBody>
+      </p:sp>
+    </p:spTree>
+    <p:extLst>
+      <p:ext uri="{BB962C8B-B14F-4D97-AF65-F5344CB8AC3E}">
+        <p14:creationId xmlns:p14="http://schemas.microsoft.com/office/powerpoint/2010/main" val="2640618294"/>
+      </p:ext>
+    </p:extLst>
+  </p:cSld>
+  <p:clrMapOvr>
+    <a:masterClrMapping/>
+  </p:clrMapOvr>
+  <p:timing>
+    <p:tnLst>
+      <p:par>
+        <p:cTn xmlns:p14="http://schemas.microsoft.com/office/powerpoint/2010/main" id="1" dur="indefinite" restart="never" nodeType="tmRoot"/>
       </p:par>
     </p:tnLst>
   </p:timing>
